--- a/documentacao/Slides/Apresentação.pptx
+++ b/documentacao/Slides/Apresentação.pptx
@@ -9,16 +9,17 @@
     <p:sldId id="257" r:id="rId3"/>
     <p:sldId id="258" r:id="rId4"/>
     <p:sldId id="265" r:id="rId5"/>
-    <p:sldId id="264" r:id="rId6"/>
-    <p:sldId id="266" r:id="rId7"/>
-    <p:sldId id="267" r:id="rId8"/>
-    <p:sldId id="268" r:id="rId9"/>
-    <p:sldId id="269" r:id="rId10"/>
-    <p:sldId id="271" r:id="rId11"/>
-    <p:sldId id="273" r:id="rId12"/>
-    <p:sldId id="270" r:id="rId13"/>
-    <p:sldId id="274" r:id="rId14"/>
-    <p:sldId id="272" r:id="rId15"/>
+    <p:sldId id="275" r:id="rId6"/>
+    <p:sldId id="264" r:id="rId7"/>
+    <p:sldId id="266" r:id="rId8"/>
+    <p:sldId id="267" r:id="rId9"/>
+    <p:sldId id="268" r:id="rId10"/>
+    <p:sldId id="269" r:id="rId11"/>
+    <p:sldId id="271" r:id="rId12"/>
+    <p:sldId id="273" r:id="rId13"/>
+    <p:sldId id="270" r:id="rId14"/>
+    <p:sldId id="274" r:id="rId15"/>
+    <p:sldId id="272" r:id="rId16"/>
   </p:sldIdLst>
   <p:sldSz cx="12192000" cy="6858000"/>
   <p:notesSz cx="6858000" cy="9144000"/>
@@ -281,7 +282,7 @@
           <a:p>
             <a:fld id="{02AC24A9-CCB6-4F8D-B8DB-C2F3692CFA5A}" type="datetimeFigureOut">
               <a:rPr lang="en-US" smtClean="0"/>
-              <a:t>10/30/2020</a:t>
+              <a:t>12/6/2020</a:t>
             </a:fld>
             <a:endParaRPr lang="en-US" dirty="0"/>
           </a:p>
@@ -651,7 +652,7 @@
           <a:p>
             <a:fld id="{02AC24A9-CCB6-4F8D-B8DB-C2F3692CFA5A}" type="datetimeFigureOut">
               <a:rPr lang="en-US" smtClean="0"/>
-              <a:t>10/30/2020</a:t>
+              <a:t>12/6/2020</a:t>
             </a:fld>
             <a:endParaRPr lang="en-US"/>
           </a:p>
@@ -860,7 +861,7 @@
           <a:p>
             <a:fld id="{02AC24A9-CCB6-4F8D-B8DB-C2F3692CFA5A}" type="datetimeFigureOut">
               <a:rPr lang="en-US" smtClean="0"/>
-              <a:t>10/30/2020</a:t>
+              <a:t>12/6/2020</a:t>
             </a:fld>
             <a:endParaRPr lang="en-US"/>
           </a:p>
@@ -1330,7 +1331,7 @@
           <a:p>
             <a:fld id="{02AC24A9-CCB6-4F8D-B8DB-C2F3692CFA5A}" type="datetimeFigureOut">
               <a:rPr lang="en-US" smtClean="0"/>
-              <a:t>10/30/2020</a:t>
+              <a:t>12/6/2020</a:t>
             </a:fld>
             <a:endParaRPr lang="en-US"/>
           </a:p>
@@ -1784,7 +1785,7 @@
           <a:p>
             <a:fld id="{02AC24A9-CCB6-4F8D-B8DB-C2F3692CFA5A}" type="datetimeFigureOut">
               <a:rPr lang="en-US" smtClean="0"/>
-              <a:t>10/30/2020</a:t>
+              <a:t>12/6/2020</a:t>
             </a:fld>
             <a:endParaRPr lang="en-US"/>
           </a:p>
@@ -2316,7 +2317,7 @@
           <a:p>
             <a:fld id="{02AC24A9-CCB6-4F8D-B8DB-C2F3692CFA5A}" type="datetimeFigureOut">
               <a:rPr lang="en-US" smtClean="0"/>
-              <a:t>10/30/2020</a:t>
+              <a:t>12/6/2020</a:t>
             </a:fld>
             <a:endParaRPr lang="en-US"/>
           </a:p>
@@ -3015,7 +3016,7 @@
           <a:p>
             <a:fld id="{02AC24A9-CCB6-4F8D-B8DB-C2F3692CFA5A}" type="datetimeFigureOut">
               <a:rPr lang="en-US" smtClean="0"/>
-              <a:t>10/30/2020</a:t>
+              <a:t>12/6/2020</a:t>
             </a:fld>
             <a:endParaRPr lang="en-US"/>
           </a:p>
@@ -3344,7 +3345,7 @@
           <a:p>
             <a:fld id="{02AC24A9-CCB6-4F8D-B8DB-C2F3692CFA5A}" type="datetimeFigureOut">
               <a:rPr lang="en-US" smtClean="0"/>
-              <a:t>10/30/2020</a:t>
+              <a:t>12/6/2020</a:t>
             </a:fld>
             <a:endParaRPr lang="en-US"/>
           </a:p>
@@ -3457,7 +3458,7 @@
           <a:p>
             <a:fld id="{02AC24A9-CCB6-4F8D-B8DB-C2F3692CFA5A}" type="datetimeFigureOut">
               <a:rPr lang="en-US" smtClean="0"/>
-              <a:t>10/30/2020</a:t>
+              <a:t>12/6/2020</a:t>
             </a:fld>
             <a:endParaRPr lang="en-US"/>
           </a:p>
@@ -3952,7 +3953,7 @@
           <a:p>
             <a:fld id="{02AC24A9-CCB6-4F8D-B8DB-C2F3692CFA5A}" type="datetimeFigureOut">
               <a:rPr lang="en-US" smtClean="0"/>
-              <a:t>10/30/2020</a:t>
+              <a:t>12/6/2020</a:t>
             </a:fld>
             <a:endParaRPr lang="en-US" dirty="0"/>
           </a:p>
@@ -4429,7 +4430,7 @@
           <a:p>
             <a:fld id="{02AC24A9-CCB6-4F8D-B8DB-C2F3692CFA5A}" type="datetimeFigureOut">
               <a:rPr lang="en-US" smtClean="0"/>
-              <a:t>10/30/2020</a:t>
+              <a:t>12/6/2020</a:t>
             </a:fld>
             <a:endParaRPr lang="en-US"/>
           </a:p>
@@ -4672,7 +4673,7 @@
           <a:p>
             <a:fld id="{02AC24A9-CCB6-4F8D-B8DB-C2F3692CFA5A}" type="datetimeFigureOut">
               <a:rPr lang="en-US" smtClean="0"/>
-              <a:t>10/30/2020</a:t>
+              <a:t>12/6/2020</a:t>
             </a:fld>
             <a:endParaRPr lang="en-US"/>
           </a:p>
@@ -5656,70 +5657,40 @@
       </p:grpSpPr>
       <p:sp>
         <p:nvSpPr>
-          <p:cNvPr id="2" name="Título 1">
-            <a:extLst>
-              <a:ext uri="{FF2B5EF4-FFF2-40B4-BE49-F238E27FC236}">
-                <a16:creationId xmlns:a16="http://schemas.microsoft.com/office/drawing/2014/main" id="{83A4A13A-E62D-45BB-9F17-EBB438D6531F}"/>
+          <p:cNvPr id="71" name="Rectangle 70">
+            <a:extLst>
+              <a:ext uri="{FF2B5EF4-FFF2-40B4-BE49-F238E27FC236}">
+                <a16:creationId xmlns:a16="http://schemas.microsoft.com/office/drawing/2014/main" id="{8D06CE56-3881-4ADA-8CEF-D18B02C242A3}"/>
+              </a:ext>
+              <a:ext uri="{C183D7F6-B498-43B3-948B-1728B52AA6E4}">
+                <adec:decorative xmlns:adec="http://schemas.microsoft.com/office/drawing/2017/decorative" val="1"/>
               </a:ext>
             </a:extLst>
           </p:cNvPr>
           <p:cNvSpPr>
-            <a:spLocks noGrp="1"/>
+            <a:spLocks noGrp="1" noRot="1" noChangeAspect="1" noMove="1" noResize="1" noEditPoints="1" noAdjustHandles="1" noChangeArrowheads="1" noChangeShapeType="1" noTextEdit="1"/>
           </p:cNvSpPr>
           <p:nvPr>
-            <p:ph type="title" idx="4294967295"/>
+            <p:extLst>
+              <p:ext uri="{386F3935-93C4-4BCD-93E2-E3B085C9AB24}">
+                <p16:designElem xmlns:p16="http://schemas.microsoft.com/office/powerpoint/2015/main" val="1"/>
+              </p:ext>
+            </p:extLst>
           </p:nvPr>
         </p:nvSpPr>
         <p:spPr>
-          <a:xfrm>
-            <a:off x="1012031" y="516603"/>
-            <a:ext cx="10167937" cy="1179513"/>
-          </a:xfrm>
-        </p:spPr>
-        <p:txBody>
-          <a:bodyPr/>
-          <a:lstStyle/>
-          <a:p>
-            <a:r>
-              <a:rPr lang="pt-BR" dirty="0">
-                <a:solidFill>
-                  <a:srgbClr val="363636"/>
-                </a:solidFill>
-              </a:rPr>
-              <a:t>Analytics (Rins)</a:t>
-            </a:r>
-          </a:p>
-        </p:txBody>
-      </p:sp>
-      <p:sp>
-        <p:nvSpPr>
-          <p:cNvPr id="4" name="Retângulo 3">
-            <a:extLst>
-              <a:ext uri="{FF2B5EF4-FFF2-40B4-BE49-F238E27FC236}">
-                <a16:creationId xmlns:a16="http://schemas.microsoft.com/office/drawing/2014/main" id="{FFCF9295-937A-4B33-A4CB-5DB7B6A7A527}"/>
-              </a:ext>
-            </a:extLst>
-          </p:cNvPr>
-          <p:cNvSpPr/>
-          <p:nvPr/>
-        </p:nvSpPr>
-        <p:spPr>
-          <a:xfrm>
-            <a:off x="2281650" y="2559596"/>
-            <a:ext cx="2473452" cy="628650"/>
+          <a:xfrm rot="5400000">
+            <a:off x="857544" y="346791"/>
+            <a:ext cx="146304" cy="704088"/>
           </a:xfrm>
           <a:prstGeom prst="rect">
             <a:avLst/>
           </a:prstGeom>
           <a:solidFill>
-            <a:schemeClr val="accent4">
-              <a:lumMod val="75000"/>
-            </a:schemeClr>
+            <a:schemeClr val="accent1"/>
           </a:solidFill>
           <a:ln>
-            <a:solidFill>
-              <a:srgbClr val="363636"/>
-            </a:solidFill>
+            <a:noFill/>
           </a:ln>
         </p:spPr>
         <p:style>
@@ -5742,46 +5713,81 @@
           <a:bodyPr rtlCol="0" anchor="ctr"/>
           <a:lstStyle/>
           <a:p>
-            <a:pPr algn="ctr"/>
-            <a:r>
-              <a:rPr lang="pt-BR" sz="2400" b="1" dirty="0">
-                <a:solidFill>
-                  <a:schemeClr val="tx2"/>
-                </a:solidFill>
-              </a:rPr>
-              <a:t>Crítico</a:t>
-            </a:r>
+            <a:pPr marL="0" marR="0" lvl="0" indent="0" algn="ctr" defTabSz="914400" rtl="0" eaLnBrk="1" fontAlgn="auto" latinLnBrk="0" hangingPunct="1">
+              <a:lnSpc>
+                <a:spcPct val="100000"/>
+              </a:lnSpc>
+              <a:spcBef>
+                <a:spcPts val="0"/>
+              </a:spcBef>
+              <a:spcAft>
+                <a:spcPts val="0"/>
+              </a:spcAft>
+              <a:buClrTx/>
+              <a:buSzTx/>
+              <a:buFontTx/>
+              <a:buNone/>
+              <a:tabLst/>
+              <a:defRPr/>
+            </a:pPr>
+            <a:endParaRPr kumimoji="0" lang="en-US" sz="1800" b="0" i="0" u="none" strike="noStrike" kern="1200" cap="none" spc="0" normalizeH="0" baseline="0" noProof="0">
+              <a:ln>
+                <a:noFill/>
+              </a:ln>
+              <a:solidFill>
+                <a:prstClr val="white"/>
+              </a:solidFill>
+              <a:effectLst/>
+              <a:uLnTx/>
+              <a:uFillTx/>
+              <a:latin typeface="Calibri" panose="020F0502020204030204"/>
+              <a:ea typeface="+mn-ea"/>
+              <a:cs typeface="+mn-cs"/>
+            </a:endParaRPr>
           </a:p>
         </p:txBody>
       </p:sp>
       <p:sp>
         <p:nvSpPr>
-          <p:cNvPr id="6" name="Retângulo 5">
-            <a:extLst>
-              <a:ext uri="{FF2B5EF4-FFF2-40B4-BE49-F238E27FC236}">
-                <a16:creationId xmlns:a16="http://schemas.microsoft.com/office/drawing/2014/main" id="{42DE3707-45C7-4B26-BBC1-B6AD526682F9}"/>
-              </a:ext>
-            </a:extLst>
-          </p:cNvPr>
-          <p:cNvSpPr/>
-          <p:nvPr/>
-        </p:nvSpPr>
-        <p:spPr>
-          <a:xfrm>
-            <a:off x="4755102" y="2559596"/>
-            <a:ext cx="2473452" cy="628650"/>
+          <p:cNvPr id="73" name="Rectangle 72">
+            <a:extLst>
+              <a:ext uri="{FF2B5EF4-FFF2-40B4-BE49-F238E27FC236}">
+                <a16:creationId xmlns:a16="http://schemas.microsoft.com/office/drawing/2014/main" id="{79F3C543-62EC-4433-9C93-A2CD8764E9B4}"/>
+              </a:ext>
+              <a:ext uri="{C183D7F6-B498-43B3-948B-1728B52AA6E4}">
+                <adec:decorative xmlns:adec="http://schemas.microsoft.com/office/drawing/2017/decorative" val="1"/>
+              </a:ext>
+            </a:extLst>
+          </p:cNvPr>
+          <p:cNvSpPr>
+            <a:spLocks noGrp="1" noRot="1" noChangeAspect="1" noMove="1" noResize="1" noEditPoints="1" noAdjustHandles="1" noChangeArrowheads="1" noChangeShapeType="1" noTextEdit="1"/>
+          </p:cNvSpPr>
+          <p:nvPr>
+            <p:extLst>
+              <p:ext uri="{386F3935-93C4-4BCD-93E2-E3B085C9AB24}">
+                <p16:designElem xmlns:p16="http://schemas.microsoft.com/office/powerpoint/2015/main" val="1"/>
+              </p:ext>
+            </p:extLst>
+          </p:nvPr>
+        </p:nvSpPr>
+        <p:spPr>
+          <a:xfrm flipV="1">
+            <a:off x="578652" y="4501201"/>
+            <a:ext cx="11034696" cy="18288"/>
           </a:xfrm>
           <a:prstGeom prst="rect">
             <a:avLst/>
           </a:prstGeom>
           <a:solidFill>
-            <a:srgbClr val="FFFF00"/>
+            <a:schemeClr val="tx2">
+              <a:lumMod val="25000"/>
+              <a:lumOff val="75000"/>
+            </a:schemeClr>
           </a:solidFill>
-          <a:ln>
-            <a:solidFill>
-              <a:srgbClr val="363636"/>
-            </a:solidFill>
+          <a:ln w="3175">
+            <a:noFill/>
           </a:ln>
+          <a:effectLst/>
         </p:spPr>
         <p:style>
           <a:lnRef idx="2">
@@ -5803,45 +5809,73 @@
           <a:bodyPr rtlCol="0" anchor="ctr"/>
           <a:lstStyle/>
           <a:p>
-            <a:pPr algn="ctr"/>
-            <a:r>
-              <a:rPr lang="pt-BR" sz="2400" b="1" dirty="0">
-                <a:solidFill>
-                  <a:schemeClr val="tx2"/>
-                </a:solidFill>
-              </a:rPr>
-              <a:t>Alerta</a:t>
-            </a:r>
-          </a:p>
-        </p:txBody>
-      </p:sp>
-      <p:sp>
-        <p:nvSpPr>
-          <p:cNvPr id="8" name="Retângulo 7">
-            <a:extLst>
-              <a:ext uri="{FF2B5EF4-FFF2-40B4-BE49-F238E27FC236}">
-                <a16:creationId xmlns:a16="http://schemas.microsoft.com/office/drawing/2014/main" id="{534753E8-DC08-4D85-8E76-1DD10976FC2F}"/>
-              </a:ext>
-            </a:extLst>
-          </p:cNvPr>
-          <p:cNvSpPr/>
-          <p:nvPr/>
-        </p:nvSpPr>
-        <p:spPr>
-          <a:xfrm>
-            <a:off x="7228554" y="2559596"/>
-            <a:ext cx="2473452" cy="628650"/>
+            <a:pPr marL="0" marR="0" lvl="0" indent="0" algn="ctr" defTabSz="914400" rtl="0" eaLnBrk="1" fontAlgn="auto" latinLnBrk="0" hangingPunct="1">
+              <a:lnSpc>
+                <a:spcPct val="100000"/>
+              </a:lnSpc>
+              <a:spcBef>
+                <a:spcPts val="0"/>
+              </a:spcBef>
+              <a:spcAft>
+                <a:spcPts val="0"/>
+              </a:spcAft>
+              <a:buClrTx/>
+              <a:buSzTx/>
+              <a:buFontTx/>
+              <a:buNone/>
+              <a:tabLst/>
+              <a:defRPr/>
+            </a:pPr>
+            <a:endParaRPr kumimoji="0" lang="en-US" sz="1800" b="0" i="0" u="none" strike="noStrike" kern="1200" cap="none" spc="0" normalizeH="0" baseline="0" noProof="0">
+              <a:ln>
+                <a:noFill/>
+              </a:ln>
+              <a:solidFill>
+                <a:prstClr val="white"/>
+              </a:solidFill>
+              <a:effectLst/>
+              <a:uLnTx/>
+              <a:uFillTx/>
+              <a:latin typeface="Calibri" panose="020F0502020204030204"/>
+              <a:ea typeface="+mn-ea"/>
+              <a:cs typeface="+mn-cs"/>
+            </a:endParaRPr>
+          </a:p>
+        </p:txBody>
+      </p:sp>
+      <p:sp useBgFill="1">
+        <p:nvSpPr>
+          <p:cNvPr id="75" name="Rectangle 74">
+            <a:extLst>
+              <a:ext uri="{FF2B5EF4-FFF2-40B4-BE49-F238E27FC236}">
+                <a16:creationId xmlns:a16="http://schemas.microsoft.com/office/drawing/2014/main" id="{88263A24-0C1F-4677-B43C-4AE14E276B27}"/>
+              </a:ext>
+              <a:ext uri="{C183D7F6-B498-43B3-948B-1728B52AA6E4}">
+                <adec:decorative xmlns:adec="http://schemas.microsoft.com/office/drawing/2017/decorative" val="1"/>
+              </a:ext>
+            </a:extLst>
+          </p:cNvPr>
+          <p:cNvSpPr>
+            <a:spLocks noGrp="1" noRot="1" noChangeAspect="1" noMove="1" noResize="1" noEditPoints="1" noAdjustHandles="1" noChangeArrowheads="1" noChangeShapeType="1" noTextEdit="1"/>
+          </p:cNvSpPr>
+          <p:nvPr>
+            <p:extLst>
+              <p:ext uri="{386F3935-93C4-4BCD-93E2-E3B085C9AB24}">
+                <p16:designElem xmlns:p16="http://schemas.microsoft.com/office/powerpoint/2015/main" val="1"/>
+              </p:ext>
+            </p:extLst>
+          </p:nvPr>
+        </p:nvSpPr>
+        <p:spPr>
+          <a:xfrm>
+            <a:off x="0" y="0"/>
+            <a:ext cx="12192000" cy="6858000"/>
           </a:xfrm>
           <a:prstGeom prst="rect">
             <a:avLst/>
           </a:prstGeom>
-          <a:solidFill>
-            <a:srgbClr val="92D050"/>
-          </a:solidFill>
           <a:ln>
-            <a:solidFill>
-              <a:srgbClr val="363636"/>
-            </a:solidFill>
+            <a:noFill/>
           </a:ln>
         </p:spPr>
         <p:style>
@@ -5865,150 +5899,416 @@
           <a:lstStyle/>
           <a:p>
             <a:pPr algn="ctr"/>
-            <a:r>
-              <a:rPr lang="pt-BR" sz="2400" b="1" dirty="0">
-                <a:solidFill>
-                  <a:schemeClr val="tx2"/>
-                </a:solidFill>
-              </a:rPr>
-              <a:t>Ideal</a:t>
-            </a:r>
+            <a:endParaRPr lang="en-US"/>
+          </a:p>
+        </p:txBody>
+      </p:sp>
+      <p:sp useBgFill="1">
+        <p:nvSpPr>
+          <p:cNvPr id="77" name="Rectangle 76">
+            <a:extLst>
+              <a:ext uri="{FF2B5EF4-FFF2-40B4-BE49-F238E27FC236}">
+                <a16:creationId xmlns:a16="http://schemas.microsoft.com/office/drawing/2014/main" id="{0ADDB668-2CA4-4D2B-9C34-3487CA330BA8}"/>
+              </a:ext>
+              <a:ext uri="{C183D7F6-B498-43B3-948B-1728B52AA6E4}">
+                <adec:decorative xmlns:adec="http://schemas.microsoft.com/office/drawing/2017/decorative" val="1"/>
+              </a:ext>
+            </a:extLst>
+          </p:cNvPr>
+          <p:cNvSpPr>
+            <a:spLocks noGrp="1" noRot="1" noChangeAspect="1" noMove="1" noResize="1" noEditPoints="1" noAdjustHandles="1" noChangeArrowheads="1" noChangeShapeType="1" noTextEdit="1"/>
+          </p:cNvSpPr>
+          <p:nvPr>
+            <p:extLst>
+              <p:ext uri="{386F3935-93C4-4BCD-93E2-E3B085C9AB24}">
+                <p16:designElem xmlns:p16="http://schemas.microsoft.com/office/powerpoint/2015/main" val="1"/>
+              </p:ext>
+            </p:extLst>
+          </p:nvPr>
+        </p:nvSpPr>
+        <p:spPr>
+          <a:xfrm>
+            <a:off x="551553" y="304802"/>
+            <a:ext cx="11097349" cy="1573149"/>
+          </a:xfrm>
+          <a:prstGeom prst="rect">
+            <a:avLst/>
+          </a:prstGeom>
+          <a:ln w="12700">
+            <a:solidFill>
+              <a:schemeClr val="tx2">
+                <a:lumMod val="10000"/>
+                <a:lumOff val="90000"/>
+              </a:schemeClr>
+            </a:solidFill>
+          </a:ln>
+          <a:effectLst>
+            <a:outerShdw blurRad="50800" dist="38100" dir="2700000" algn="tl" rotWithShape="0">
+              <a:schemeClr val="bg2">
+                <a:lumMod val="85000"/>
+                <a:alpha val="30000"/>
+              </a:schemeClr>
+            </a:outerShdw>
+          </a:effectLst>
+        </p:spPr>
+        <p:style>
+          <a:lnRef idx="2">
+            <a:schemeClr val="accent1">
+              <a:shade val="50000"/>
+            </a:schemeClr>
+          </a:lnRef>
+          <a:fillRef idx="1">
+            <a:schemeClr val="accent1"/>
+          </a:fillRef>
+          <a:effectRef idx="0">
+            <a:schemeClr val="accent1"/>
+          </a:effectRef>
+          <a:fontRef idx="minor">
+            <a:schemeClr val="lt1"/>
+          </a:fontRef>
+        </p:style>
+        <p:txBody>
+          <a:bodyPr rtlCol="0" anchor="ctr"/>
+          <a:lstStyle/>
+          <a:p>
+            <a:pPr marL="0" marR="0" lvl="0" indent="0" algn="ctr" defTabSz="914400" rtl="0" eaLnBrk="1" fontAlgn="auto" latinLnBrk="0" hangingPunct="1">
+              <a:lnSpc>
+                <a:spcPct val="100000"/>
+              </a:lnSpc>
+              <a:spcBef>
+                <a:spcPts val="0"/>
+              </a:spcBef>
+              <a:spcAft>
+                <a:spcPts val="0"/>
+              </a:spcAft>
+              <a:buClrTx/>
+              <a:buSzTx/>
+              <a:buFontTx/>
+              <a:buNone/>
+              <a:tabLst/>
+              <a:defRPr/>
+            </a:pPr>
+            <a:endParaRPr kumimoji="0" lang="en-US" sz="1800" b="0" i="0" u="none" strike="noStrike" kern="1200" cap="none" spc="0" normalizeH="0" baseline="0" noProof="0">
+              <a:ln>
+                <a:noFill/>
+              </a:ln>
+              <a:solidFill>
+                <a:prstClr val="white"/>
+              </a:solidFill>
+              <a:effectLst/>
+              <a:uLnTx/>
+              <a:uFillTx/>
+              <a:latin typeface="Calibri" panose="020F0502020204030204"/>
+              <a:ea typeface="+mn-ea"/>
+              <a:cs typeface="+mn-cs"/>
+            </a:endParaRPr>
           </a:p>
         </p:txBody>
       </p:sp>
       <p:sp>
         <p:nvSpPr>
-          <p:cNvPr id="9" name="CaixaDeTexto 8">
-            <a:extLst>
-              <a:ext uri="{FF2B5EF4-FFF2-40B4-BE49-F238E27FC236}">
-                <a16:creationId xmlns:a16="http://schemas.microsoft.com/office/drawing/2014/main" id="{33B73398-4E20-4CFE-81A3-DA32E33E0BB7}"/>
-              </a:ext>
-            </a:extLst>
-          </p:cNvPr>
-          <p:cNvSpPr txBox="1"/>
-          <p:nvPr/>
-        </p:nvSpPr>
-        <p:spPr>
-          <a:xfrm>
-            <a:off x="2281650" y="3188246"/>
-            <a:ext cx="2473452" cy="1815882"/>
-          </a:xfrm>
-          <a:prstGeom prst="rect">
-            <a:avLst/>
-          </a:prstGeom>
-          <a:noFill/>
-        </p:spPr>
-        <p:txBody>
-          <a:bodyPr wrap="square" rtlCol="0">
-            <a:spAutoFit/>
+          <p:cNvPr id="2" name="Título 1">
+            <a:extLst>
+              <a:ext uri="{FF2B5EF4-FFF2-40B4-BE49-F238E27FC236}">
+                <a16:creationId xmlns:a16="http://schemas.microsoft.com/office/drawing/2014/main" id="{EB0E980C-8218-4ADC-BF06-0EE5C2965CF1}"/>
+              </a:ext>
+            </a:extLst>
+          </p:cNvPr>
+          <p:cNvSpPr>
+            <a:spLocks noGrp="1"/>
+          </p:cNvSpPr>
+          <p:nvPr>
+            <p:ph type="title"/>
+          </p:nvPr>
+        </p:nvSpPr>
+        <p:spPr>
+          <a:xfrm>
+            <a:off x="868680" y="405575"/>
+            <a:ext cx="5001768" cy="1371600"/>
+          </a:xfrm>
+        </p:spPr>
+        <p:txBody>
+          <a:bodyPr vert="horz" lIns="91440" tIns="45720" rIns="91440" bIns="45720" rtlCol="0" anchor="ctr">
+            <a:normAutofit/>
           </a:bodyPr>
           <a:lstStyle/>
           <a:p>
-            <a:pPr marL="285750" indent="-285750">
-              <a:buFont typeface="Arial" panose="020B0604020202020204" pitchFamily="34" charset="0"/>
-              <a:buChar char="•"/>
+            <a:r>
+              <a:rPr lang="en-US" sz="3300"/>
+              <a:t>Demonstração do Simulador de Sensores</a:t>
+            </a:r>
+          </a:p>
+        </p:txBody>
+      </p:sp>
+      <p:sp>
+        <p:nvSpPr>
+          <p:cNvPr id="79" name="Rectangle 78">
+            <a:extLst>
+              <a:ext uri="{FF2B5EF4-FFF2-40B4-BE49-F238E27FC236}">
+                <a16:creationId xmlns:a16="http://schemas.microsoft.com/office/drawing/2014/main" id="{2568BC19-F052-4108-93E1-6A3D1DEC072F}"/>
+              </a:ext>
+              <a:ext uri="{C183D7F6-B498-43B3-948B-1728B52AA6E4}">
+                <adec:decorative xmlns:adec="http://schemas.microsoft.com/office/drawing/2017/decorative" val="1"/>
+              </a:ext>
+            </a:extLst>
+          </p:cNvPr>
+          <p:cNvSpPr>
+            <a:spLocks noGrp="1" noRot="1" noChangeAspect="1" noMove="1" noResize="1" noEditPoints="1" noAdjustHandles="1" noChangeArrowheads="1" noChangeShapeType="1" noTextEdit="1"/>
+          </p:cNvSpPr>
+          <p:nvPr>
+            <p:extLst>
+              <p:ext uri="{386F3935-93C4-4BCD-93E2-E3B085C9AB24}">
+                <p16:designElem xmlns:p16="http://schemas.microsoft.com/office/powerpoint/2015/main" val="1"/>
+              </p:ext>
+            </p:extLst>
+          </p:nvPr>
+        </p:nvSpPr>
+        <p:spPr>
+          <a:xfrm>
+            <a:off x="494784" y="764424"/>
+            <a:ext cx="128016" cy="653903"/>
+          </a:xfrm>
+          <a:prstGeom prst="rect">
+            <a:avLst/>
+          </a:prstGeom>
+          <a:solidFill>
+            <a:schemeClr val="accent1"/>
+          </a:solidFill>
+          <a:ln>
+            <a:noFill/>
+          </a:ln>
+        </p:spPr>
+        <p:style>
+          <a:lnRef idx="2">
+            <a:schemeClr val="accent1">
+              <a:shade val="50000"/>
+            </a:schemeClr>
+          </a:lnRef>
+          <a:fillRef idx="1">
+            <a:schemeClr val="accent1"/>
+          </a:fillRef>
+          <a:effectRef idx="0">
+            <a:schemeClr val="accent1"/>
+          </a:effectRef>
+          <a:fontRef idx="minor">
+            <a:schemeClr val="lt1"/>
+          </a:fontRef>
+        </p:style>
+        <p:txBody>
+          <a:bodyPr rtlCol="0" anchor="ctr"/>
+          <a:lstStyle/>
+          <a:p>
+            <a:pPr marL="0" marR="0" lvl="0" indent="0" algn="ctr" defTabSz="914400" rtl="0" eaLnBrk="1" fontAlgn="auto" latinLnBrk="0" hangingPunct="1">
+              <a:lnSpc>
+                <a:spcPct val="100000"/>
+              </a:lnSpc>
+              <a:spcBef>
+                <a:spcPts val="0"/>
+              </a:spcBef>
+              <a:spcAft>
+                <a:spcPts val="0"/>
+              </a:spcAft>
+              <a:buClrTx/>
+              <a:buSzTx/>
+              <a:buFontTx/>
+              <a:buNone/>
+              <a:tabLst/>
+              <a:defRPr/>
             </a:pPr>
-            <a:r>
-              <a:rPr lang="pt-BR" sz="1600" dirty="0">
+            <a:endParaRPr kumimoji="0" lang="en-US" sz="1800" b="0" i="0" u="none" strike="noStrike" kern="1200" cap="none" spc="0" normalizeH="0" baseline="0" noProof="0">
+              <a:ln>
+                <a:noFill/>
+              </a:ln>
+              <a:solidFill>
+                <a:prstClr val="white"/>
+              </a:solidFill>
+              <a:effectLst/>
+              <a:uLnTx/>
+              <a:uFillTx/>
+              <a:latin typeface="Calibri" panose="020F0502020204030204"/>
+              <a:ea typeface="+mn-ea"/>
+              <a:cs typeface="+mn-cs"/>
+            </a:endParaRPr>
+          </a:p>
+        </p:txBody>
+      </p:sp>
+      <p:sp>
+        <p:nvSpPr>
+          <p:cNvPr id="81" name="Rectangle 80">
+            <a:extLst>
+              <a:ext uri="{FF2B5EF4-FFF2-40B4-BE49-F238E27FC236}">
+                <a16:creationId xmlns:a16="http://schemas.microsoft.com/office/drawing/2014/main" id="{D5FD337D-4D6B-4C8B-B6F5-121097E09881}"/>
+              </a:ext>
+              <a:ext uri="{C183D7F6-B498-43B3-948B-1728B52AA6E4}">
+                <adec:decorative xmlns:adec="http://schemas.microsoft.com/office/drawing/2017/decorative" val="1"/>
+              </a:ext>
+            </a:extLst>
+          </p:cNvPr>
+          <p:cNvSpPr>
+            <a:spLocks noGrp="1" noRot="1" noChangeAspect="1" noMove="1" noResize="1" noEditPoints="1" noAdjustHandles="1" noChangeArrowheads="1" noChangeShapeType="1" noTextEdit="1"/>
+          </p:cNvSpPr>
+          <p:nvPr>
+            <p:extLst>
+              <p:ext uri="{386F3935-93C4-4BCD-93E2-E3B085C9AB24}">
+                <p16:designElem xmlns:p16="http://schemas.microsoft.com/office/powerpoint/2015/main" val="1"/>
+              </p:ext>
+            </p:extLst>
+          </p:nvPr>
+        </p:nvSpPr>
+        <p:spPr>
+          <a:xfrm rot="5400000">
+            <a:off x="5586984" y="1071836"/>
+            <a:ext cx="1021458" cy="9144"/>
+          </a:xfrm>
+          <a:prstGeom prst="rect">
+            <a:avLst/>
+          </a:prstGeom>
+          <a:solidFill>
+            <a:schemeClr val="tx2">
+              <a:lumMod val="25000"/>
+              <a:lumOff val="75000"/>
+            </a:schemeClr>
+          </a:solidFill>
+          <a:ln w="3175">
+            <a:noFill/>
+          </a:ln>
+          <a:effectLst/>
+        </p:spPr>
+        <p:style>
+          <a:lnRef idx="2">
+            <a:schemeClr val="accent1">
+              <a:shade val="50000"/>
+            </a:schemeClr>
+          </a:lnRef>
+          <a:fillRef idx="1">
+            <a:schemeClr val="accent1"/>
+          </a:fillRef>
+          <a:effectRef idx="0">
+            <a:schemeClr val="accent1"/>
+          </a:effectRef>
+          <a:fontRef idx="minor">
+            <a:schemeClr val="lt1"/>
+          </a:fontRef>
+        </p:style>
+        <p:txBody>
+          <a:bodyPr rtlCol="0" anchor="ctr"/>
+          <a:lstStyle/>
+          <a:p>
+            <a:pPr marL="0" marR="0" lvl="0" indent="0" algn="ctr" defTabSz="914400" rtl="0" eaLnBrk="1" fontAlgn="auto" latinLnBrk="0" hangingPunct="1">
+              <a:lnSpc>
+                <a:spcPct val="100000"/>
+              </a:lnSpc>
+              <a:spcBef>
+                <a:spcPts val="0"/>
+              </a:spcBef>
+              <a:spcAft>
+                <a:spcPts val="0"/>
+              </a:spcAft>
+              <a:buClrTx/>
+              <a:buSzTx/>
+              <a:buFontTx/>
+              <a:buNone/>
+              <a:tabLst/>
+              <a:defRPr/>
+            </a:pPr>
+            <a:endParaRPr kumimoji="0" lang="en-US" sz="1800" b="0" i="0" u="none" strike="noStrike" kern="1200" cap="none" spc="0" normalizeH="0" baseline="0" noProof="0">
+              <a:ln>
+                <a:noFill/>
+              </a:ln>
+              <a:solidFill>
+                <a:prstClr val="white"/>
+              </a:solidFill>
+              <a:effectLst/>
+              <a:uLnTx/>
+              <a:uFillTx/>
+              <a:latin typeface="Calibri" panose="020F0502020204030204"/>
+              <a:ea typeface="+mn-ea"/>
+              <a:cs typeface="+mn-cs"/>
+            </a:endParaRPr>
+          </a:p>
+        </p:txBody>
+      </p:sp>
+      <p:pic>
+        <p:nvPicPr>
+          <p:cNvPr id="3" name="Imagem 2">
+            <a:extLst>
+              <a:ext uri="{FF2B5EF4-FFF2-40B4-BE49-F238E27FC236}">
+                <a16:creationId xmlns:a16="http://schemas.microsoft.com/office/drawing/2014/main" id="{A6339E73-D319-41E8-8976-284CFEFF7673}"/>
+              </a:ext>
+            </a:extLst>
+          </p:cNvPr>
+          <p:cNvPicPr>
+            <a:picLocks noChangeAspect="1"/>
+          </p:cNvPicPr>
+          <p:nvPr/>
+        </p:nvPicPr>
+        <p:blipFill>
+          <a:blip r:embed="rId2"/>
+          <a:stretch>
+            <a:fillRect/>
+          </a:stretch>
+        </p:blipFill>
+        <p:spPr>
+          <a:xfrm>
+            <a:off x="1020003" y="2190991"/>
+            <a:ext cx="10146276" cy="4261434"/>
+          </a:xfrm>
+          <a:prstGeom prst="rect">
+            <a:avLst/>
+          </a:prstGeom>
+        </p:spPr>
+      </p:pic>
+      <p:pic>
+        <p:nvPicPr>
+          <p:cNvPr id="1032" name="Picture 8" descr="Conhecendo o Node.js. Vamos entender como funciona o processo… | by Thiago  S. Adriano | Medium">
+            <a:extLst>
+              <a:ext uri="{FF2B5EF4-FFF2-40B4-BE49-F238E27FC236}">
+                <a16:creationId xmlns:a16="http://schemas.microsoft.com/office/drawing/2014/main" id="{0900931A-310A-47D5-8950-EE34270360B3}"/>
+              </a:ext>
+            </a:extLst>
+          </p:cNvPr>
+          <p:cNvPicPr>
+            <a:picLocks noChangeAspect="1" noChangeArrowheads="1"/>
+          </p:cNvPicPr>
+          <p:nvPr/>
+        </p:nvPicPr>
+        <p:blipFill>
+          <a:blip r:embed="rId3">
+            <a:extLst>
+              <a:ext uri="{28A0092B-C50C-407E-A947-70E740481C1C}">
+                <a14:useLocalDpi xmlns:a14="http://schemas.microsoft.com/office/drawing/2010/main" val="0"/>
+              </a:ext>
+            </a:extLst>
+          </a:blip>
+          <a:srcRect/>
+          <a:stretch>
+            <a:fillRect/>
+          </a:stretch>
+        </p:blipFill>
+        <p:spPr bwMode="auto">
+          <a:xfrm>
+            <a:off x="6196003" y="-322791"/>
+            <a:ext cx="5359180" cy="2679590"/>
+          </a:xfrm>
+          <a:prstGeom prst="rect">
+            <a:avLst/>
+          </a:prstGeom>
+          <a:noFill/>
+          <a:extLst>
+            <a:ext uri="{909E8E84-426E-40DD-AFC4-6F175D3DCCD1}">
+              <a14:hiddenFill xmlns:a14="http://schemas.microsoft.com/office/drawing/2010/main">
                 <a:solidFill>
-                  <a:schemeClr val="tx2"/>
+                  <a:srgbClr val="FFFFFF"/>
                 </a:solidFill>
-              </a:rPr>
-              <a:t>Armazenamento de órgão em risco com perda acelerada da capacidade isotérmica da caixa (temperaturas como 1,5ºC ou 7,4ºC)</a:t>
-            </a:r>
-          </a:p>
-        </p:txBody>
-      </p:sp>
-      <p:sp>
-        <p:nvSpPr>
-          <p:cNvPr id="11" name="CaixaDeTexto 10">
-            <a:extLst>
-              <a:ext uri="{FF2B5EF4-FFF2-40B4-BE49-F238E27FC236}">
-                <a16:creationId xmlns:a16="http://schemas.microsoft.com/office/drawing/2014/main" id="{5E997853-8083-4277-B5EA-6F7F3CAB3191}"/>
-              </a:ext>
-            </a:extLst>
-          </p:cNvPr>
-          <p:cNvSpPr txBox="1"/>
-          <p:nvPr/>
-        </p:nvSpPr>
-        <p:spPr>
-          <a:xfrm>
-            <a:off x="4755102" y="3169136"/>
-            <a:ext cx="2473452" cy="2062103"/>
-          </a:xfrm>
-          <a:prstGeom prst="rect">
-            <a:avLst/>
-          </a:prstGeom>
-          <a:noFill/>
-        </p:spPr>
-        <p:txBody>
-          <a:bodyPr wrap="square" rtlCol="0">
-            <a:spAutoFit/>
-          </a:bodyPr>
-          <a:lstStyle/>
-          <a:p>
-            <a:pPr marL="285750" indent="-285750">
-              <a:buFont typeface="Arial" panose="020B0604020202020204" pitchFamily="34" charset="0"/>
-              <a:buChar char="•"/>
-            </a:pPr>
-            <a:r>
-              <a:rPr lang="pt-BR" sz="1600" dirty="0">
-                <a:solidFill>
-                  <a:schemeClr val="tx2"/>
-                </a:solidFill>
-              </a:rPr>
-              <a:t>Armazenamento de órgão em fase de atenção com risco de perda da capacidade isotérmica da caixa (temperaturas como 2,2ºC ou 5,6ºC)</a:t>
-            </a:r>
-          </a:p>
-        </p:txBody>
-      </p:sp>
-      <p:sp>
-        <p:nvSpPr>
-          <p:cNvPr id="13" name="CaixaDeTexto 12">
-            <a:extLst>
-              <a:ext uri="{FF2B5EF4-FFF2-40B4-BE49-F238E27FC236}">
-                <a16:creationId xmlns:a16="http://schemas.microsoft.com/office/drawing/2014/main" id="{FB2CADAA-0C0B-4B16-A153-F1F523288EAB}"/>
-              </a:ext>
-            </a:extLst>
-          </p:cNvPr>
-          <p:cNvSpPr txBox="1"/>
-          <p:nvPr/>
-        </p:nvSpPr>
-        <p:spPr>
-          <a:xfrm>
-            <a:off x="7228554" y="3169135"/>
-            <a:ext cx="2473452" cy="1815882"/>
-          </a:xfrm>
-          <a:prstGeom prst="rect">
-            <a:avLst/>
-          </a:prstGeom>
-          <a:noFill/>
-        </p:spPr>
-        <p:txBody>
-          <a:bodyPr wrap="square" rtlCol="0">
-            <a:spAutoFit/>
-          </a:bodyPr>
-          <a:lstStyle/>
-          <a:p>
-            <a:pPr marL="285750" indent="-285750">
-              <a:buFont typeface="Arial" panose="020B0604020202020204" pitchFamily="34" charset="0"/>
-              <a:buChar char="•"/>
-            </a:pPr>
-            <a:r>
-              <a:rPr lang="pt-BR" sz="1600" dirty="0">
-                <a:solidFill>
-                  <a:schemeClr val="tx2"/>
-                </a:solidFill>
-              </a:rPr>
-              <a:t>Armazenamento de órgão em fase ideal, sem risco de perda da capacidade isotérmica da caixa, mantendo-se entre 3,5ºC e 4ºC</a:t>
-            </a:r>
-          </a:p>
-        </p:txBody>
-      </p:sp>
+              </a14:hiddenFill>
+            </a:ext>
+          </a:extLst>
+        </p:spPr>
+      </p:pic>
     </p:spTree>
     <p:extLst>
       <p:ext uri="{BB962C8B-B14F-4D97-AF65-F5344CB8AC3E}">
-        <p14:creationId xmlns:p14="http://schemas.microsoft.com/office/powerpoint/2010/main" val="2943371185"/>
+        <p14:creationId xmlns:p14="http://schemas.microsoft.com/office/powerpoint/2010/main" val="1946765205"/>
       </p:ext>
     </p:extLst>
   </p:cSld>
@@ -6061,6 +6361,395 @@
         </p:nvSpPr>
         <p:spPr>
           <a:xfrm>
+            <a:off x="1012031" y="516603"/>
+            <a:ext cx="10167937" cy="1179513"/>
+          </a:xfrm>
+        </p:spPr>
+        <p:txBody>
+          <a:bodyPr/>
+          <a:lstStyle/>
+          <a:p>
+            <a:r>
+              <a:rPr lang="pt-BR" dirty="0">
+                <a:solidFill>
+                  <a:srgbClr val="363636"/>
+                </a:solidFill>
+              </a:rPr>
+              <a:t>Analytics (Rins)</a:t>
+            </a:r>
+          </a:p>
+        </p:txBody>
+      </p:sp>
+      <p:sp>
+        <p:nvSpPr>
+          <p:cNvPr id="4" name="Retângulo 3">
+            <a:extLst>
+              <a:ext uri="{FF2B5EF4-FFF2-40B4-BE49-F238E27FC236}">
+                <a16:creationId xmlns:a16="http://schemas.microsoft.com/office/drawing/2014/main" id="{FFCF9295-937A-4B33-A4CB-5DB7B6A7A527}"/>
+              </a:ext>
+            </a:extLst>
+          </p:cNvPr>
+          <p:cNvSpPr/>
+          <p:nvPr/>
+        </p:nvSpPr>
+        <p:spPr>
+          <a:xfrm>
+            <a:off x="2281650" y="2559596"/>
+            <a:ext cx="2473452" cy="628650"/>
+          </a:xfrm>
+          <a:prstGeom prst="rect">
+            <a:avLst/>
+          </a:prstGeom>
+          <a:solidFill>
+            <a:schemeClr val="accent4">
+              <a:lumMod val="75000"/>
+            </a:schemeClr>
+          </a:solidFill>
+          <a:ln>
+            <a:solidFill>
+              <a:srgbClr val="363636"/>
+            </a:solidFill>
+          </a:ln>
+        </p:spPr>
+        <p:style>
+          <a:lnRef idx="2">
+            <a:schemeClr val="accent1">
+              <a:shade val="50000"/>
+            </a:schemeClr>
+          </a:lnRef>
+          <a:fillRef idx="1">
+            <a:schemeClr val="accent1"/>
+          </a:fillRef>
+          <a:effectRef idx="0">
+            <a:schemeClr val="accent1"/>
+          </a:effectRef>
+          <a:fontRef idx="minor">
+            <a:schemeClr val="lt1"/>
+          </a:fontRef>
+        </p:style>
+        <p:txBody>
+          <a:bodyPr rtlCol="0" anchor="ctr"/>
+          <a:lstStyle/>
+          <a:p>
+            <a:pPr algn="ctr"/>
+            <a:r>
+              <a:rPr lang="pt-BR" sz="2400" b="1" dirty="0">
+                <a:solidFill>
+                  <a:schemeClr val="tx2"/>
+                </a:solidFill>
+              </a:rPr>
+              <a:t>Crítico</a:t>
+            </a:r>
+          </a:p>
+        </p:txBody>
+      </p:sp>
+      <p:sp>
+        <p:nvSpPr>
+          <p:cNvPr id="6" name="Retângulo 5">
+            <a:extLst>
+              <a:ext uri="{FF2B5EF4-FFF2-40B4-BE49-F238E27FC236}">
+                <a16:creationId xmlns:a16="http://schemas.microsoft.com/office/drawing/2014/main" id="{42DE3707-45C7-4B26-BBC1-B6AD526682F9}"/>
+              </a:ext>
+            </a:extLst>
+          </p:cNvPr>
+          <p:cNvSpPr/>
+          <p:nvPr/>
+        </p:nvSpPr>
+        <p:spPr>
+          <a:xfrm>
+            <a:off x="4755102" y="2559596"/>
+            <a:ext cx="2473452" cy="628650"/>
+          </a:xfrm>
+          <a:prstGeom prst="rect">
+            <a:avLst/>
+          </a:prstGeom>
+          <a:solidFill>
+            <a:srgbClr val="FFFF00"/>
+          </a:solidFill>
+          <a:ln>
+            <a:solidFill>
+              <a:srgbClr val="363636"/>
+            </a:solidFill>
+          </a:ln>
+        </p:spPr>
+        <p:style>
+          <a:lnRef idx="2">
+            <a:schemeClr val="accent1">
+              <a:shade val="50000"/>
+            </a:schemeClr>
+          </a:lnRef>
+          <a:fillRef idx="1">
+            <a:schemeClr val="accent1"/>
+          </a:fillRef>
+          <a:effectRef idx="0">
+            <a:schemeClr val="accent1"/>
+          </a:effectRef>
+          <a:fontRef idx="minor">
+            <a:schemeClr val="lt1"/>
+          </a:fontRef>
+        </p:style>
+        <p:txBody>
+          <a:bodyPr rtlCol="0" anchor="ctr"/>
+          <a:lstStyle/>
+          <a:p>
+            <a:pPr algn="ctr"/>
+            <a:r>
+              <a:rPr lang="pt-BR" sz="2400" b="1" dirty="0">
+                <a:solidFill>
+                  <a:schemeClr val="tx2"/>
+                </a:solidFill>
+              </a:rPr>
+              <a:t>Alerta</a:t>
+            </a:r>
+          </a:p>
+        </p:txBody>
+      </p:sp>
+      <p:sp>
+        <p:nvSpPr>
+          <p:cNvPr id="8" name="Retângulo 7">
+            <a:extLst>
+              <a:ext uri="{FF2B5EF4-FFF2-40B4-BE49-F238E27FC236}">
+                <a16:creationId xmlns:a16="http://schemas.microsoft.com/office/drawing/2014/main" id="{534753E8-DC08-4D85-8E76-1DD10976FC2F}"/>
+              </a:ext>
+            </a:extLst>
+          </p:cNvPr>
+          <p:cNvSpPr/>
+          <p:nvPr/>
+        </p:nvSpPr>
+        <p:spPr>
+          <a:xfrm>
+            <a:off x="7228554" y="2559596"/>
+            <a:ext cx="2473452" cy="628650"/>
+          </a:xfrm>
+          <a:prstGeom prst="rect">
+            <a:avLst/>
+          </a:prstGeom>
+          <a:solidFill>
+            <a:srgbClr val="92D050"/>
+          </a:solidFill>
+          <a:ln>
+            <a:solidFill>
+              <a:srgbClr val="363636"/>
+            </a:solidFill>
+          </a:ln>
+        </p:spPr>
+        <p:style>
+          <a:lnRef idx="2">
+            <a:schemeClr val="accent1">
+              <a:shade val="50000"/>
+            </a:schemeClr>
+          </a:lnRef>
+          <a:fillRef idx="1">
+            <a:schemeClr val="accent1"/>
+          </a:fillRef>
+          <a:effectRef idx="0">
+            <a:schemeClr val="accent1"/>
+          </a:effectRef>
+          <a:fontRef idx="minor">
+            <a:schemeClr val="lt1"/>
+          </a:fontRef>
+        </p:style>
+        <p:txBody>
+          <a:bodyPr rtlCol="0" anchor="ctr"/>
+          <a:lstStyle/>
+          <a:p>
+            <a:pPr algn="ctr"/>
+            <a:r>
+              <a:rPr lang="pt-BR" sz="2400" b="1" dirty="0">
+                <a:solidFill>
+                  <a:schemeClr val="tx2"/>
+                </a:solidFill>
+              </a:rPr>
+              <a:t>Ideal</a:t>
+            </a:r>
+          </a:p>
+        </p:txBody>
+      </p:sp>
+      <p:sp>
+        <p:nvSpPr>
+          <p:cNvPr id="9" name="CaixaDeTexto 8">
+            <a:extLst>
+              <a:ext uri="{FF2B5EF4-FFF2-40B4-BE49-F238E27FC236}">
+                <a16:creationId xmlns:a16="http://schemas.microsoft.com/office/drawing/2014/main" id="{33B73398-4E20-4CFE-81A3-DA32E33E0BB7}"/>
+              </a:ext>
+            </a:extLst>
+          </p:cNvPr>
+          <p:cNvSpPr txBox="1"/>
+          <p:nvPr/>
+        </p:nvSpPr>
+        <p:spPr>
+          <a:xfrm>
+            <a:off x="2281650" y="3188246"/>
+            <a:ext cx="2473452" cy="1815882"/>
+          </a:xfrm>
+          <a:prstGeom prst="rect">
+            <a:avLst/>
+          </a:prstGeom>
+          <a:noFill/>
+        </p:spPr>
+        <p:txBody>
+          <a:bodyPr wrap="square" rtlCol="0">
+            <a:spAutoFit/>
+          </a:bodyPr>
+          <a:lstStyle/>
+          <a:p>
+            <a:pPr marL="285750" indent="-285750">
+              <a:buFont typeface="Arial" panose="020B0604020202020204" pitchFamily="34" charset="0"/>
+              <a:buChar char="•"/>
+            </a:pPr>
+            <a:r>
+              <a:rPr lang="pt-BR" sz="1600" dirty="0">
+                <a:solidFill>
+                  <a:schemeClr val="tx2"/>
+                </a:solidFill>
+              </a:rPr>
+              <a:t>Armazenamento de órgão em risco com perda acelerada da capacidade isotérmica da caixa (temperaturas como 1,5ºC ou 7,4ºC)</a:t>
+            </a:r>
+          </a:p>
+        </p:txBody>
+      </p:sp>
+      <p:sp>
+        <p:nvSpPr>
+          <p:cNvPr id="11" name="CaixaDeTexto 10">
+            <a:extLst>
+              <a:ext uri="{FF2B5EF4-FFF2-40B4-BE49-F238E27FC236}">
+                <a16:creationId xmlns:a16="http://schemas.microsoft.com/office/drawing/2014/main" id="{5E997853-8083-4277-B5EA-6F7F3CAB3191}"/>
+              </a:ext>
+            </a:extLst>
+          </p:cNvPr>
+          <p:cNvSpPr txBox="1"/>
+          <p:nvPr/>
+        </p:nvSpPr>
+        <p:spPr>
+          <a:xfrm>
+            <a:off x="4755102" y="3169136"/>
+            <a:ext cx="2473452" cy="2062103"/>
+          </a:xfrm>
+          <a:prstGeom prst="rect">
+            <a:avLst/>
+          </a:prstGeom>
+          <a:noFill/>
+        </p:spPr>
+        <p:txBody>
+          <a:bodyPr wrap="square" rtlCol="0">
+            <a:spAutoFit/>
+          </a:bodyPr>
+          <a:lstStyle/>
+          <a:p>
+            <a:pPr marL="285750" indent="-285750">
+              <a:buFont typeface="Arial" panose="020B0604020202020204" pitchFamily="34" charset="0"/>
+              <a:buChar char="•"/>
+            </a:pPr>
+            <a:r>
+              <a:rPr lang="pt-BR" sz="1600" dirty="0">
+                <a:solidFill>
+                  <a:schemeClr val="tx2"/>
+                </a:solidFill>
+              </a:rPr>
+              <a:t>Armazenamento de órgão em fase de atenção com risco de perda da capacidade isotérmica da caixa (temperaturas como 2,2ºC ou 5,6ºC)</a:t>
+            </a:r>
+          </a:p>
+        </p:txBody>
+      </p:sp>
+      <p:sp>
+        <p:nvSpPr>
+          <p:cNvPr id="13" name="CaixaDeTexto 12">
+            <a:extLst>
+              <a:ext uri="{FF2B5EF4-FFF2-40B4-BE49-F238E27FC236}">
+                <a16:creationId xmlns:a16="http://schemas.microsoft.com/office/drawing/2014/main" id="{FB2CADAA-0C0B-4B16-A153-F1F523288EAB}"/>
+              </a:ext>
+            </a:extLst>
+          </p:cNvPr>
+          <p:cNvSpPr txBox="1"/>
+          <p:nvPr/>
+        </p:nvSpPr>
+        <p:spPr>
+          <a:xfrm>
+            <a:off x="7228554" y="3169135"/>
+            <a:ext cx="2473452" cy="1815882"/>
+          </a:xfrm>
+          <a:prstGeom prst="rect">
+            <a:avLst/>
+          </a:prstGeom>
+          <a:noFill/>
+        </p:spPr>
+        <p:txBody>
+          <a:bodyPr wrap="square" rtlCol="0">
+            <a:spAutoFit/>
+          </a:bodyPr>
+          <a:lstStyle/>
+          <a:p>
+            <a:pPr marL="285750" indent="-285750">
+              <a:buFont typeface="Arial" panose="020B0604020202020204" pitchFamily="34" charset="0"/>
+              <a:buChar char="•"/>
+            </a:pPr>
+            <a:r>
+              <a:rPr lang="pt-BR" sz="1600" dirty="0">
+                <a:solidFill>
+                  <a:schemeClr val="tx2"/>
+                </a:solidFill>
+              </a:rPr>
+              <a:t>Armazenamento de órgão em fase ideal, sem risco de perda da capacidade isotérmica da caixa, mantendo-se entre 3,5ºC e 4ºC</a:t>
+            </a:r>
+          </a:p>
+        </p:txBody>
+      </p:sp>
+    </p:spTree>
+    <p:extLst>
+      <p:ext uri="{BB962C8B-B14F-4D97-AF65-F5344CB8AC3E}">
+        <p14:creationId xmlns:p14="http://schemas.microsoft.com/office/powerpoint/2010/main" val="2943371185"/>
+      </p:ext>
+    </p:extLst>
+  </p:cSld>
+  <p:clrMapOvr>
+    <a:masterClrMapping/>
+  </p:clrMapOvr>
+</p:sld>
+</file>
+
+<file path=ppt/slides/slide12.xml><?xml version="1.0" encoding="utf-8"?>
+<p:sld xmlns:a="http://schemas.openxmlformats.org/drawingml/2006/main" xmlns:r="http://schemas.openxmlformats.org/officeDocument/2006/relationships" xmlns:p="http://schemas.openxmlformats.org/presentationml/2006/main">
+  <p:cSld>
+    <p:bg>
+      <p:bgPr>
+        <a:solidFill>
+          <a:schemeClr val="bg1"/>
+        </a:solidFill>
+        <a:effectLst/>
+      </p:bgPr>
+    </p:bg>
+    <p:spTree>
+      <p:nvGrpSpPr>
+        <p:cNvPr id="1" name=""/>
+        <p:cNvGrpSpPr/>
+        <p:nvPr/>
+      </p:nvGrpSpPr>
+      <p:grpSpPr>
+        <a:xfrm>
+          <a:off x="0" y="0"/>
+          <a:ext cx="0" cy="0"/>
+          <a:chOff x="0" y="0"/>
+          <a:chExt cx="0" cy="0"/>
+        </a:xfrm>
+      </p:grpSpPr>
+      <p:sp>
+        <p:nvSpPr>
+          <p:cNvPr id="2" name="Título 1">
+            <a:extLst>
+              <a:ext uri="{FF2B5EF4-FFF2-40B4-BE49-F238E27FC236}">
+                <a16:creationId xmlns:a16="http://schemas.microsoft.com/office/drawing/2014/main" id="{83A4A13A-E62D-45BB-9F17-EBB438D6531F}"/>
+              </a:ext>
+            </a:extLst>
+          </p:cNvPr>
+          <p:cNvSpPr>
+            <a:spLocks noGrp="1"/>
+          </p:cNvSpPr>
+          <p:nvPr>
+            <p:ph type="title" idx="4294967295"/>
+          </p:nvPr>
+        </p:nvSpPr>
+        <p:spPr>
+          <a:xfrm>
             <a:off x="1012031" y="273111"/>
             <a:ext cx="10167937" cy="1179513"/>
           </a:xfrm>
@@ -6170,7 +6859,7 @@
 </p:sld>
 </file>
 
-<file path=ppt/slides/slide12.xml><?xml version="1.0" encoding="utf-8"?>
+<file path=ppt/slides/slide13.xml><?xml version="1.0" encoding="utf-8"?>
 <p:sld xmlns:a="http://schemas.openxmlformats.org/drawingml/2006/main" xmlns:r="http://schemas.openxmlformats.org/officeDocument/2006/relationships" xmlns:p="http://schemas.openxmlformats.org/presentationml/2006/main">
   <p:cSld>
     <p:bg>
@@ -7096,7 +7785,7 @@
 </p:sld>
 </file>
 
-<file path=ppt/slides/slide13.xml><?xml version="1.0" encoding="utf-8"?>
+<file path=ppt/slides/slide14.xml><?xml version="1.0" encoding="utf-8"?>
 <p:sld xmlns:a="http://schemas.openxmlformats.org/drawingml/2006/main" xmlns:r="http://schemas.openxmlformats.org/officeDocument/2006/relationships" xmlns:p="http://schemas.openxmlformats.org/presentationml/2006/main">
   <p:cSld>
     <p:spTree>
@@ -7258,7 +7947,7 @@
 </p:sld>
 </file>
 
-<file path=ppt/slides/slide14.xml><?xml version="1.0" encoding="utf-8"?>
+<file path=ppt/slides/slide15.xml><?xml version="1.0" encoding="utf-8"?>
 <p:sld xmlns:a="http://schemas.openxmlformats.org/drawingml/2006/main" xmlns:r="http://schemas.openxmlformats.org/officeDocument/2006/relationships" xmlns:p="http://schemas.openxmlformats.org/presentationml/2006/main">
   <p:cSld>
     <p:spTree>
@@ -8565,7 +9254,7 @@
         </p:blipFill>
         <p:spPr>
           <a:xfrm>
-            <a:off x="1005797" y="3065043"/>
+            <a:off x="4040918" y="3676037"/>
             <a:ext cx="1034912" cy="574048"/>
           </a:xfrm>
           <a:prstGeom prst="rect">
@@ -8712,8 +9401,8 @@
         </p:nvGrpSpPr>
         <p:grpSpPr>
           <a:xfrm>
-            <a:off x="3324815" y="1442800"/>
-            <a:ext cx="2415525" cy="2303818"/>
+            <a:off x="3488913" y="1138736"/>
+            <a:ext cx="2317519" cy="2152923"/>
             <a:chOff x="362033" y="4314282"/>
             <a:chExt cx="2415525" cy="2303818"/>
           </a:xfrm>
@@ -8823,7 +9512,7 @@
         </p:nvGrpSpPr>
         <p:grpSpPr>
           <a:xfrm>
-            <a:off x="847755" y="2692760"/>
+            <a:off x="894126" y="3241198"/>
             <a:ext cx="1481747" cy="369332"/>
             <a:chOff x="1628356" y="3209990"/>
             <a:chExt cx="858515" cy="369332"/>
@@ -8943,10 +9632,10 @@
         </p:nvGrpSpPr>
         <p:grpSpPr>
           <a:xfrm>
-            <a:off x="3840219" y="3695746"/>
+            <a:off x="3952917" y="3230853"/>
             <a:ext cx="1210916" cy="369332"/>
-            <a:chOff x="922126" y="4412439"/>
-            <a:chExt cx="2237960" cy="369332"/>
+            <a:chOff x="922127" y="4412439"/>
+            <a:chExt cx="2237961" cy="369332"/>
           </a:xfrm>
         </p:grpSpPr>
         <p:sp>
@@ -9017,8 +9706,8 @@
           </p:nvSpPr>
           <p:spPr>
             <a:xfrm>
-              <a:off x="922126" y="4412439"/>
-              <a:ext cx="2237960" cy="369332"/>
+              <a:off x="922127" y="4412439"/>
+              <a:ext cx="2237961" cy="369332"/>
             </a:xfrm>
             <a:prstGeom prst="rect">
               <a:avLst/>
@@ -9060,9 +9749,9 @@
         </p:nvGrpSpPr>
         <p:grpSpPr>
           <a:xfrm>
-            <a:off x="6953668" y="3687101"/>
+            <a:off x="7028169" y="3242416"/>
             <a:ext cx="1210916" cy="369332"/>
-            <a:chOff x="5743432" y="4264540"/>
+            <a:chOff x="5700979" y="4240753"/>
             <a:chExt cx="1210916" cy="369332"/>
           </a:xfrm>
         </p:grpSpPr>
@@ -9134,7 +9823,7 @@
           </p:nvSpPr>
           <p:spPr>
             <a:xfrm>
-              <a:off x="5743432" y="4264540"/>
+              <a:off x="5700979" y="4240753"/>
               <a:ext cx="1210916" cy="369332"/>
             </a:xfrm>
             <a:prstGeom prst="rect">
@@ -9191,7 +9880,7 @@
         </p:blipFill>
         <p:spPr>
           <a:xfrm>
-            <a:off x="6800148" y="1840706"/>
+            <a:off x="6896579" y="1540402"/>
             <a:ext cx="1542852" cy="1542852"/>
           </a:xfrm>
           <a:prstGeom prst="rect">
@@ -9227,8 +9916,8 @@
         </p:blipFill>
         <p:spPr>
           <a:xfrm>
-            <a:off x="954088" y="5396777"/>
-            <a:ext cx="1619554" cy="1520802"/>
+            <a:off x="3952917" y="5074681"/>
+            <a:ext cx="1471814" cy="1382070"/>
           </a:xfrm>
           <a:prstGeom prst="rect">
             <a:avLst/>
@@ -9263,8 +9952,8 @@
         </p:blipFill>
         <p:spPr>
           <a:xfrm flipH="1">
-            <a:off x="181964" y="4167836"/>
-            <a:ext cx="1406665" cy="1320894"/>
+            <a:off x="3488913" y="4330383"/>
+            <a:ext cx="966596" cy="907658"/>
           </a:xfrm>
           <a:prstGeom prst="rect">
             <a:avLst/>
@@ -9299,8 +9988,8 @@
         </p:blipFill>
         <p:spPr>
           <a:xfrm flipH="1">
-            <a:off x="1636572" y="4206533"/>
-            <a:ext cx="1208246" cy="1134574"/>
+            <a:off x="4558374" y="4357596"/>
+            <a:ext cx="876320" cy="822888"/>
           </a:xfrm>
           <a:prstGeom prst="rect">
             <a:avLst/>
@@ -9335,8 +10024,8 @@
         </p:blipFill>
         <p:spPr>
           <a:xfrm>
-            <a:off x="372644" y="1528189"/>
-            <a:ext cx="1111790" cy="1111790"/>
+            <a:off x="509725" y="1395918"/>
+            <a:ext cx="1091064" cy="1091064"/>
           </a:xfrm>
           <a:prstGeom prst="rect">
             <a:avLst/>
@@ -9371,8 +10060,8 @@
         </p:blipFill>
         <p:spPr>
           <a:xfrm>
-            <a:off x="1537813" y="1473802"/>
-            <a:ext cx="1111790" cy="1111790"/>
+            <a:off x="1172274" y="2012001"/>
+            <a:ext cx="1078499" cy="1078499"/>
           </a:xfrm>
           <a:prstGeom prst="rect">
             <a:avLst/>
@@ -9393,7 +10082,7 @@
         </p:nvGrpSpPr>
         <p:grpSpPr>
           <a:xfrm>
-            <a:off x="494497" y="3720321"/>
+            <a:off x="3594691" y="6345709"/>
             <a:ext cx="2188265" cy="369332"/>
             <a:chOff x="8616667" y="2953154"/>
             <a:chExt cx="2188265" cy="369332"/>
@@ -9498,10 +10187,10 @@
       </p:grpSp>
       <p:pic>
         <p:nvPicPr>
-          <p:cNvPr id="34" name="Imagem 33" descr="Ícone&#10;&#10;Descrição gerada automaticamente">
-            <a:extLst>
-              <a:ext uri="{FF2B5EF4-FFF2-40B4-BE49-F238E27FC236}">
-                <a16:creationId xmlns:a16="http://schemas.microsoft.com/office/drawing/2014/main" id="{0AEFD5A0-7F58-45CA-A622-3CD9789E3F87}"/>
+          <p:cNvPr id="63" name="Picture 12">
+            <a:extLst>
+              <a:ext uri="{FF2B5EF4-FFF2-40B4-BE49-F238E27FC236}">
+                <a16:creationId xmlns:a16="http://schemas.microsoft.com/office/drawing/2014/main" id="{F82BB6A0-58BF-497E-A4CE-7E35E7DCA50C}"/>
               </a:ext>
             </a:extLst>
           </p:cNvPr>
@@ -9511,129 +10200,15 @@
           <p:nvPr/>
         </p:nvPicPr>
         <p:blipFill>
-          <a:blip r:embed="rId12">
-            <a:extLst>
-              <a:ext uri="{28A0092B-C50C-407E-A947-70E740481C1C}">
-                <a14:useLocalDpi xmlns:a14="http://schemas.microsoft.com/office/drawing/2010/main" val="0"/>
-              </a:ext>
-            </a:extLst>
-          </a:blip>
+          <a:blip r:embed="rId12"/>
           <a:stretch>
             <a:fillRect/>
           </a:stretch>
         </p:blipFill>
         <p:spPr>
-          <a:xfrm flipH="1">
-            <a:off x="2165420" y="4466280"/>
-            <a:ext cx="519204" cy="519204"/>
-          </a:xfrm>
-          <a:prstGeom prst="rect">
-            <a:avLst/>
-          </a:prstGeom>
-        </p:spPr>
-      </p:pic>
-      <p:pic>
-        <p:nvPicPr>
-          <p:cNvPr id="38" name="Picture 6">
-            <a:extLst>
-              <a:ext uri="{FF2B5EF4-FFF2-40B4-BE49-F238E27FC236}">
-                <a16:creationId xmlns:a16="http://schemas.microsoft.com/office/drawing/2014/main" id="{DA383326-B5DB-4B87-9D0D-FC8CB57A8F9F}"/>
-              </a:ext>
-            </a:extLst>
-          </p:cNvPr>
-          <p:cNvPicPr>
-            <a:picLocks noChangeAspect="1"/>
-          </p:cNvPicPr>
-          <p:nvPr/>
-        </p:nvPicPr>
-        <p:blipFill>
-          <a:blip r:embed="rId13">
-            <a:biLevel thresh="75000"/>
-            <a:extLst>
-              <a:ext uri="{BEBA8EAE-BF5A-486C-A8C5-ECC9F3942E4B}">
-                <a14:imgProps xmlns:a14="http://schemas.microsoft.com/office/drawing/2010/main">
-                  <a14:imgLayer r:embed="rId14">
-                    <a14:imgEffect>
-                      <a14:colorTemperature colorTemp="11200"/>
-                    </a14:imgEffect>
-                    <a14:imgEffect>
-                      <a14:saturation sat="0"/>
-                    </a14:imgEffect>
-                  </a14:imgLayer>
-                </a14:imgProps>
-              </a:ext>
-            </a:extLst>
-          </a:blip>
-          <a:srcRect/>
-          <a:stretch>
-            <a:fillRect/>
-          </a:stretch>
-        </p:blipFill>
-        <p:spPr>
-          <a:xfrm rot="9108281" flipH="1">
-            <a:off x="2667435" y="4426237"/>
-            <a:ext cx="1844459" cy="657298"/>
-          </a:xfrm>
-          <a:prstGeom prst="rect">
-            <a:avLst/>
-          </a:prstGeom>
-          <a:noFill/>
-        </p:spPr>
-      </p:pic>
-      <p:pic>
-        <p:nvPicPr>
-          <p:cNvPr id="44" name="Picture 15" descr="A picture containing drawing&#10;&#10;Description automatically generated">
-            <a:extLst>
-              <a:ext uri="{FF2B5EF4-FFF2-40B4-BE49-F238E27FC236}">
-                <a16:creationId xmlns:a16="http://schemas.microsoft.com/office/drawing/2014/main" id="{E94B7E1B-2656-49E6-A646-BE4E11B5AD61}"/>
-              </a:ext>
-            </a:extLst>
-          </p:cNvPr>
-          <p:cNvPicPr>
-            <a:picLocks noChangeAspect="1"/>
-          </p:cNvPicPr>
-          <p:nvPr/>
-        </p:nvPicPr>
-        <p:blipFill>
-          <a:blip r:embed="rId15"/>
-          <a:stretch>
-            <a:fillRect/>
-          </a:stretch>
-        </p:blipFill>
-        <p:spPr>
-          <a:xfrm>
-            <a:off x="5744713" y="2259550"/>
-            <a:ext cx="831272" cy="1235765"/>
-          </a:xfrm>
-          <a:prstGeom prst="rect">
-            <a:avLst/>
-          </a:prstGeom>
-        </p:spPr>
-      </p:pic>
-      <p:pic>
-        <p:nvPicPr>
-          <p:cNvPr id="63" name="Picture 12">
-            <a:extLst>
-              <a:ext uri="{FF2B5EF4-FFF2-40B4-BE49-F238E27FC236}">
-                <a16:creationId xmlns:a16="http://schemas.microsoft.com/office/drawing/2014/main" id="{F82BB6A0-58BF-497E-A4CE-7E35E7DCA50C}"/>
-              </a:ext>
-            </a:extLst>
-          </p:cNvPr>
-          <p:cNvPicPr>
-            <a:picLocks noChangeAspect="1"/>
-          </p:cNvPicPr>
-          <p:nvPr/>
-        </p:nvPicPr>
-        <p:blipFill>
-          <a:blip r:embed="rId16"/>
-          <a:stretch>
-            <a:fillRect/>
-          </a:stretch>
-        </p:blipFill>
-        <p:spPr>
-          <a:xfrm>
-            <a:off x="6660500" y="4732663"/>
-            <a:ext cx="1697429" cy="1671862"/>
+          <a:xfrm>
+            <a:off x="6828494" y="4444533"/>
+            <a:ext cx="1644165" cy="1619401"/>
           </a:xfrm>
           <a:prstGeom prst="rect">
             <a:avLst/>
@@ -9654,7 +10229,7 @@
         </p:nvGrpSpPr>
         <p:grpSpPr>
           <a:xfrm>
-            <a:off x="6992582" y="6359247"/>
+            <a:off x="7117098" y="6307794"/>
             <a:ext cx="1222951" cy="369332"/>
             <a:chOff x="5633053" y="3038944"/>
             <a:chExt cx="1222951" cy="369332"/>
@@ -9774,7 +10349,7 @@
         </p:nvGrpSpPr>
         <p:grpSpPr>
           <a:xfrm>
-            <a:off x="9674192" y="6368494"/>
+            <a:off x="9562432" y="6286828"/>
             <a:ext cx="2188265" cy="369332"/>
             <a:chOff x="8648181" y="2954973"/>
             <a:chExt cx="2188265" cy="369332"/>
@@ -9892,7 +10467,7 @@
           <p:nvPr/>
         </p:nvPicPr>
         <p:blipFill>
-          <a:blip r:embed="rId17">
+          <a:blip r:embed="rId13">
             <a:extLst>
               <a:ext uri="{28A0092B-C50C-407E-A947-70E740481C1C}">
                 <a14:useLocalDpi xmlns:a14="http://schemas.microsoft.com/office/drawing/2010/main" val="0"/>
@@ -9905,7 +10480,7 @@
         </p:blipFill>
         <p:spPr>
           <a:xfrm>
-            <a:off x="10086999" y="4721112"/>
+            <a:off x="9900772" y="4451174"/>
             <a:ext cx="1573734" cy="1573734"/>
           </a:xfrm>
           <a:prstGeom prst="rect">
@@ -9935,7 +10510,7 @@
         </p:blipFill>
         <p:spPr>
           <a:xfrm>
-            <a:off x="7011852" y="4057695"/>
+            <a:off x="7150549" y="3717545"/>
             <a:ext cx="1034912" cy="574048"/>
           </a:xfrm>
           <a:prstGeom prst="rect">
@@ -9957,7 +10532,7 @@
         </p:nvGrpSpPr>
         <p:grpSpPr>
           <a:xfrm>
-            <a:off x="9915327" y="3654184"/>
+            <a:off x="9616761" y="3268284"/>
             <a:ext cx="1705996" cy="369332"/>
             <a:chOff x="9110810" y="4282221"/>
             <a:chExt cx="1630904" cy="373420"/>
@@ -10075,15 +10650,15 @@
           <p:nvPr/>
         </p:nvPicPr>
         <p:blipFill>
-          <a:blip r:embed="rId18"/>
+          <a:blip r:embed="rId14"/>
           <a:stretch>
             <a:fillRect/>
           </a:stretch>
         </p:blipFill>
         <p:spPr>
           <a:xfrm>
-            <a:off x="9797843" y="1745224"/>
-            <a:ext cx="1823480" cy="1823480"/>
+            <a:off x="9616761" y="1380475"/>
+            <a:ext cx="1767931" cy="1767931"/>
           </a:xfrm>
           <a:prstGeom prst="rect">
             <a:avLst/>
@@ -10112,7 +10687,7 @@
         </p:blipFill>
         <p:spPr>
           <a:xfrm>
-            <a:off x="8806828" y="4988433"/>
+            <a:off x="8872509" y="4735985"/>
             <a:ext cx="831272" cy="1235765"/>
           </a:xfrm>
           <a:prstGeom prst="rect">
@@ -10142,8 +10717,68 @@
         </p:blipFill>
         <p:spPr>
           <a:xfrm rot="10800000">
-            <a:off x="10232749" y="4040217"/>
+            <a:off x="10006955" y="3733371"/>
             <a:ext cx="1034912" cy="574048"/>
+          </a:xfrm>
+          <a:prstGeom prst="rect">
+            <a:avLst/>
+          </a:prstGeom>
+        </p:spPr>
+      </p:pic>
+      <p:pic>
+        <p:nvPicPr>
+          <p:cNvPr id="49" name="Picture 15" descr="A picture containing drawing&#10;&#10;Description automatically generated">
+            <a:extLst>
+              <a:ext uri="{FF2B5EF4-FFF2-40B4-BE49-F238E27FC236}">
+                <a16:creationId xmlns:a16="http://schemas.microsoft.com/office/drawing/2014/main" id="{E5534F83-D1C1-4ACE-9575-5EF1A413BC3D}"/>
+              </a:ext>
+            </a:extLst>
+          </p:cNvPr>
+          <p:cNvPicPr>
+            <a:picLocks noChangeAspect="1"/>
+          </p:cNvPicPr>
+          <p:nvPr/>
+        </p:nvPicPr>
+        <p:blipFill>
+          <a:blip r:embed="rId15"/>
+          <a:stretch>
+            <a:fillRect/>
+          </a:stretch>
+        </p:blipFill>
+        <p:spPr>
+          <a:xfrm>
+            <a:off x="5829681" y="1834372"/>
+            <a:ext cx="831272" cy="1235765"/>
+          </a:xfrm>
+          <a:prstGeom prst="rect">
+            <a:avLst/>
+          </a:prstGeom>
+        </p:spPr>
+      </p:pic>
+      <p:pic>
+        <p:nvPicPr>
+          <p:cNvPr id="50" name="Picture 15" descr="A picture containing drawing&#10;&#10;Description automatically generated">
+            <a:extLst>
+              <a:ext uri="{FF2B5EF4-FFF2-40B4-BE49-F238E27FC236}">
+                <a16:creationId xmlns:a16="http://schemas.microsoft.com/office/drawing/2014/main" id="{180B9154-939A-431E-8F42-B2B01C39839E}"/>
+              </a:ext>
+            </a:extLst>
+          </p:cNvPr>
+          <p:cNvPicPr>
+            <a:picLocks noChangeAspect="1"/>
+          </p:cNvPicPr>
+          <p:nvPr/>
+        </p:nvPicPr>
+        <p:blipFill>
+          <a:blip r:embed="rId15"/>
+          <a:stretch>
+            <a:fillRect/>
+          </a:stretch>
+        </p:blipFill>
+        <p:spPr>
+          <a:xfrm>
+            <a:off x="2490107" y="1850260"/>
+            <a:ext cx="831272" cy="1235765"/>
           </a:xfrm>
           <a:prstGeom prst="rect">
             <a:avLst/>
@@ -10164,6 +10799,1651 @@
 </file>
 
 <file path=ppt/slides/slide5.xml><?xml version="1.0" encoding="utf-8"?>
+<p:sld xmlns:a="http://schemas.openxmlformats.org/drawingml/2006/main" xmlns:r="http://schemas.openxmlformats.org/officeDocument/2006/relationships" xmlns:p="http://schemas.openxmlformats.org/presentationml/2006/main">
+  <p:cSld>
+    <p:bg>
+      <p:bgPr>
+        <a:solidFill>
+          <a:srgbClr val="66CDAA"/>
+        </a:solidFill>
+        <a:effectLst/>
+      </p:bgPr>
+    </p:bg>
+    <p:spTree>
+      <p:nvGrpSpPr>
+        <p:cNvPr id="1" name=""/>
+        <p:cNvGrpSpPr/>
+        <p:nvPr/>
+      </p:nvGrpSpPr>
+      <p:grpSpPr>
+        <a:xfrm>
+          <a:off x="0" y="0"/>
+          <a:ext cx="0" cy="0"/>
+          <a:chOff x="0" y="0"/>
+          <a:chExt cx="0" cy="0"/>
+        </a:xfrm>
+      </p:grpSpPr>
+      <p:pic>
+        <p:nvPicPr>
+          <p:cNvPr id="16" name="Picture 16" descr="A picture containing shape&#10;&#10;Description automatically generated">
+            <a:extLst>
+              <a:ext uri="{FF2B5EF4-FFF2-40B4-BE49-F238E27FC236}">
+                <a16:creationId xmlns:a16="http://schemas.microsoft.com/office/drawing/2014/main" id="{05E1E6B6-0C55-434F-9954-C424AECDF6EC}"/>
+              </a:ext>
+            </a:extLst>
+          </p:cNvPr>
+          <p:cNvPicPr>
+            <a:picLocks noChangeAspect="1"/>
+          </p:cNvPicPr>
+          <p:nvPr/>
+        </p:nvPicPr>
+        <p:blipFill>
+          <a:blip r:embed="rId2"/>
+          <a:stretch>
+            <a:fillRect/>
+          </a:stretch>
+        </p:blipFill>
+        <p:spPr>
+          <a:xfrm>
+            <a:off x="1005797" y="3065043"/>
+            <a:ext cx="1034912" cy="574048"/>
+          </a:xfrm>
+          <a:prstGeom prst="rect">
+            <a:avLst/>
+          </a:prstGeom>
+        </p:spPr>
+      </p:pic>
+      <p:cxnSp>
+        <p:nvCxnSpPr>
+          <p:cNvPr id="23" name="Straight Arrow Connector 22">
+            <a:extLst>
+              <a:ext uri="{FF2B5EF4-FFF2-40B4-BE49-F238E27FC236}">
+                <a16:creationId xmlns:a16="http://schemas.microsoft.com/office/drawing/2014/main" id="{BF3E62BF-03B7-4E85-BAA6-7EEF160686A7}"/>
+              </a:ext>
+            </a:extLst>
+          </p:cNvPr>
+          <p:cNvCxnSpPr/>
+          <p:nvPr/>
+        </p:nvCxnSpPr>
+        <p:spPr>
+          <a:xfrm>
+            <a:off x="683" y="507509"/>
+            <a:ext cx="5193195" cy="0"/>
+          </a:xfrm>
+          <a:prstGeom prst="straightConnector1">
+            <a:avLst/>
+          </a:prstGeom>
+          <a:ln w="57150">
+            <a:solidFill>
+              <a:srgbClr val="F93400"/>
+            </a:solidFill>
+          </a:ln>
+        </p:spPr>
+        <p:style>
+          <a:lnRef idx="1">
+            <a:schemeClr val="accent1"/>
+          </a:lnRef>
+          <a:fillRef idx="0">
+            <a:schemeClr val="accent1"/>
+          </a:fillRef>
+          <a:effectRef idx="0">
+            <a:schemeClr val="accent1"/>
+          </a:effectRef>
+          <a:fontRef idx="minor">
+            <a:schemeClr val="tx1"/>
+          </a:fontRef>
+        </p:style>
+      </p:cxnSp>
+      <p:sp>
+        <p:nvSpPr>
+          <p:cNvPr id="28" name="CaixaDeTexto 2">
+            <a:extLst>
+              <a:ext uri="{FF2B5EF4-FFF2-40B4-BE49-F238E27FC236}">
+                <a16:creationId xmlns:a16="http://schemas.microsoft.com/office/drawing/2014/main" id="{F88A1CFB-C628-4A14-8DBC-ACB6961989DA}"/>
+              </a:ext>
+            </a:extLst>
+          </p:cNvPr>
+          <p:cNvSpPr txBox="1"/>
+          <p:nvPr/>
+        </p:nvSpPr>
+        <p:spPr>
+          <a:xfrm>
+            <a:off x="-47769" y="483844"/>
+            <a:ext cx="5299003" cy="584775"/>
+          </a:xfrm>
+          <a:prstGeom prst="rect">
+            <a:avLst/>
+          </a:prstGeom>
+          <a:noFill/>
+        </p:spPr>
+        <p:txBody>
+          <a:bodyPr wrap="square" lIns="91440" tIns="45720" rIns="91440" bIns="45720" rtlCol="0" anchor="t">
+            <a:spAutoFit/>
+          </a:bodyPr>
+          <a:lstStyle/>
+          <a:p>
+            <a:r>
+              <a:rPr lang="pt-BR" sz="3200" b="1" dirty="0">
+                <a:solidFill>
+                  <a:srgbClr val="363636"/>
+                </a:solidFill>
+              </a:rPr>
+              <a:t>HLD – High Level Design</a:t>
+            </a:r>
+            <a:endParaRPr lang="pt-BR" sz="3200" b="1" dirty="0">
+              <a:solidFill>
+                <a:srgbClr val="363636"/>
+              </a:solidFill>
+              <a:cs typeface="Calibri"/>
+            </a:endParaRPr>
+          </a:p>
+        </p:txBody>
+      </p:sp>
+      <p:sp>
+        <p:nvSpPr>
+          <p:cNvPr id="32" name="CaixaDeTexto 2">
+            <a:extLst>
+              <a:ext uri="{FF2B5EF4-FFF2-40B4-BE49-F238E27FC236}">
+                <a16:creationId xmlns:a16="http://schemas.microsoft.com/office/drawing/2014/main" id="{A441FFBA-CA50-49FA-A5FD-C8D2D887FB61}"/>
+              </a:ext>
+            </a:extLst>
+          </p:cNvPr>
+          <p:cNvSpPr txBox="1"/>
+          <p:nvPr/>
+        </p:nvSpPr>
+        <p:spPr>
+          <a:xfrm>
+            <a:off x="-56674" y="-90691"/>
+            <a:ext cx="5307908" cy="707886"/>
+          </a:xfrm>
+          <a:prstGeom prst="rect">
+            <a:avLst/>
+          </a:prstGeom>
+          <a:noFill/>
+        </p:spPr>
+        <p:txBody>
+          <a:bodyPr wrap="square" lIns="91440" tIns="45720" rIns="91440" bIns="45720" rtlCol="0" anchor="t">
+            <a:spAutoFit/>
+          </a:bodyPr>
+          <a:lstStyle/>
+          <a:p>
+            <a:r>
+              <a:rPr lang="pt-BR" sz="4000" b="1" dirty="0">
+                <a:solidFill>
+                  <a:schemeClr val="bg1"/>
+                </a:solidFill>
+              </a:rPr>
+              <a:t>Desenho de solução</a:t>
+            </a:r>
+          </a:p>
+        </p:txBody>
+      </p:sp>
+      <p:grpSp>
+        <p:nvGrpSpPr>
+          <p:cNvPr id="48" name="Agrupar 47">
+            <a:extLst>
+              <a:ext uri="{FF2B5EF4-FFF2-40B4-BE49-F238E27FC236}">
+                <a16:creationId xmlns:a16="http://schemas.microsoft.com/office/drawing/2014/main" id="{7B1B4FAB-D82C-4641-AE2D-FC849284535E}"/>
+              </a:ext>
+            </a:extLst>
+          </p:cNvPr>
+          <p:cNvGrpSpPr/>
+          <p:nvPr/>
+        </p:nvGrpSpPr>
+        <p:grpSpPr>
+          <a:xfrm>
+            <a:off x="3324815" y="1442800"/>
+            <a:ext cx="2415525" cy="2303818"/>
+            <a:chOff x="362033" y="4314282"/>
+            <a:chExt cx="2415525" cy="2303818"/>
+          </a:xfrm>
+        </p:grpSpPr>
+        <p:pic>
+          <p:nvPicPr>
+            <p:cNvPr id="8" name="Picture 9" descr="A close up of a sign&#10;&#10;Description automatically generated">
+              <a:extLst>
+                <a:ext uri="{FF2B5EF4-FFF2-40B4-BE49-F238E27FC236}">
+                  <a16:creationId xmlns:a16="http://schemas.microsoft.com/office/drawing/2014/main" id="{531973B9-346E-48CD-8FF3-4CED78E15168}"/>
+                </a:ext>
+              </a:extLst>
+            </p:cNvPr>
+            <p:cNvPicPr>
+              <a:picLocks noChangeAspect="1"/>
+            </p:cNvPicPr>
+            <p:nvPr/>
+          </p:nvPicPr>
+          <p:blipFill>
+            <a:blip r:embed="rId3"/>
+            <a:stretch>
+              <a:fillRect/>
+            </a:stretch>
+          </p:blipFill>
+          <p:spPr>
+            <a:xfrm>
+              <a:off x="362033" y="4473319"/>
+              <a:ext cx="2144781" cy="2144781"/>
+            </a:xfrm>
+            <a:prstGeom prst="rect">
+              <a:avLst/>
+            </a:prstGeom>
+          </p:spPr>
+        </p:pic>
+        <p:pic>
+          <p:nvPicPr>
+            <p:cNvPr id="10" name="Picture 10" descr="Icon&#10;&#10;Description automatically generated">
+              <a:extLst>
+                <a:ext uri="{FF2B5EF4-FFF2-40B4-BE49-F238E27FC236}">
+                  <a16:creationId xmlns:a16="http://schemas.microsoft.com/office/drawing/2014/main" id="{A94CBDC4-81DD-40CD-8A71-D87FE88740E2}"/>
+                </a:ext>
+              </a:extLst>
+            </p:cNvPr>
+            <p:cNvPicPr>
+              <a:picLocks noChangeAspect="1"/>
+            </p:cNvPicPr>
+            <p:nvPr/>
+          </p:nvPicPr>
+          <p:blipFill>
+            <a:blip r:embed="rId4"/>
+            <a:stretch>
+              <a:fillRect/>
+            </a:stretch>
+          </p:blipFill>
+          <p:spPr>
+            <a:xfrm>
+              <a:off x="2112784" y="5605904"/>
+              <a:ext cx="664774" cy="655339"/>
+            </a:xfrm>
+            <a:prstGeom prst="rect">
+              <a:avLst/>
+            </a:prstGeom>
+          </p:spPr>
+        </p:pic>
+        <p:pic>
+          <p:nvPicPr>
+            <p:cNvPr id="36" name="Picture 4" descr="Icon&#10;&#10;Description automatically generated">
+              <a:extLst>
+                <a:ext uri="{FF2B5EF4-FFF2-40B4-BE49-F238E27FC236}">
+                  <a16:creationId xmlns:a16="http://schemas.microsoft.com/office/drawing/2014/main" id="{650D89CA-3D53-4A99-8E34-46DF6C2E7AAB}"/>
+                </a:ext>
+              </a:extLst>
+            </p:cNvPr>
+            <p:cNvPicPr>
+              <a:picLocks noChangeAspect="1"/>
+            </p:cNvPicPr>
+            <p:nvPr/>
+          </p:nvPicPr>
+          <p:blipFill>
+            <a:blip r:embed="rId5"/>
+            <a:stretch>
+              <a:fillRect/>
+            </a:stretch>
+          </p:blipFill>
+          <p:spPr>
+            <a:xfrm>
+              <a:off x="362033" y="4314282"/>
+              <a:ext cx="451998" cy="451998"/>
+            </a:xfrm>
+            <a:prstGeom prst="rect">
+              <a:avLst/>
+            </a:prstGeom>
+          </p:spPr>
+        </p:pic>
+      </p:grpSp>
+      <p:grpSp>
+        <p:nvGrpSpPr>
+          <p:cNvPr id="31" name="Agrupar 30">
+            <a:extLst>
+              <a:ext uri="{FF2B5EF4-FFF2-40B4-BE49-F238E27FC236}">
+                <a16:creationId xmlns:a16="http://schemas.microsoft.com/office/drawing/2014/main" id="{11768335-5BD2-493B-B0DC-516426E092CB}"/>
+              </a:ext>
+            </a:extLst>
+          </p:cNvPr>
+          <p:cNvGrpSpPr/>
+          <p:nvPr/>
+        </p:nvGrpSpPr>
+        <p:grpSpPr>
+          <a:xfrm>
+            <a:off x="847755" y="2692760"/>
+            <a:ext cx="1481747" cy="369332"/>
+            <a:chOff x="1628356" y="3209990"/>
+            <a:chExt cx="858515" cy="369332"/>
+          </a:xfrm>
+        </p:grpSpPr>
+        <p:sp>
+          <p:nvSpPr>
+            <p:cNvPr id="22" name="Rectangle: Rounded Corners 21">
+              <a:extLst>
+                <a:ext uri="{FF2B5EF4-FFF2-40B4-BE49-F238E27FC236}">
+                  <a16:creationId xmlns:a16="http://schemas.microsoft.com/office/drawing/2014/main" id="{02061BE6-8E92-404F-892D-6807D9398C4E}"/>
+                </a:ext>
+              </a:extLst>
+            </p:cNvPr>
+            <p:cNvSpPr/>
+            <p:nvPr/>
+          </p:nvSpPr>
+          <p:spPr>
+            <a:xfrm>
+              <a:off x="1631945" y="3227163"/>
+              <a:ext cx="811695" cy="281608"/>
+            </a:xfrm>
+            <a:prstGeom prst="roundRect">
+              <a:avLst/>
+            </a:prstGeom>
+            <a:solidFill>
+              <a:schemeClr val="bg1">
+                <a:alpha val="68000"/>
+              </a:schemeClr>
+            </a:solidFill>
+            <a:ln>
+              <a:noFill/>
+            </a:ln>
+          </p:spPr>
+          <p:style>
+            <a:lnRef idx="2">
+              <a:schemeClr val="accent1">
+                <a:shade val="50000"/>
+              </a:schemeClr>
+            </a:lnRef>
+            <a:fillRef idx="1">
+              <a:schemeClr val="accent1"/>
+            </a:fillRef>
+            <a:effectRef idx="0">
+              <a:schemeClr val="accent1"/>
+            </a:effectRef>
+            <a:fontRef idx="minor">
+              <a:schemeClr val="lt1"/>
+            </a:fontRef>
+          </p:style>
+          <p:txBody>
+            <a:bodyPr rtlCol="0" anchor="ctr"/>
+            <a:lstStyle/>
+            <a:p>
+              <a:pPr algn="ctr"/>
+              <a:endParaRPr lang="en-US"/>
+            </a:p>
+          </p:txBody>
+        </p:sp>
+        <p:sp>
+          <p:nvSpPr>
+            <p:cNvPr id="4" name="TextBox 3">
+              <a:extLst>
+                <a:ext uri="{FF2B5EF4-FFF2-40B4-BE49-F238E27FC236}">
+                  <a16:creationId xmlns:a16="http://schemas.microsoft.com/office/drawing/2014/main" id="{49ADDB67-FF0B-450A-8FFD-62BB1CAAF902}"/>
+                </a:ext>
+              </a:extLst>
+            </p:cNvPr>
+            <p:cNvSpPr txBox="1"/>
+            <p:nvPr/>
+          </p:nvSpPr>
+          <p:spPr>
+            <a:xfrm>
+              <a:off x="1628356" y="3209990"/>
+              <a:ext cx="858515" cy="369332"/>
+            </a:xfrm>
+            <a:prstGeom prst="rect">
+              <a:avLst/>
+            </a:prstGeom>
+            <a:noFill/>
+          </p:spPr>
+          <p:txBody>
+            <a:bodyPr rot="0" spcFirstLastPara="0" vertOverflow="overflow" horzOverflow="overflow" vert="horz" wrap="square" lIns="91440" tIns="45720" rIns="91440" bIns="45720" numCol="1" spcCol="0" rtlCol="0" fromWordArt="0" anchor="t" anchorCtr="0" forceAA="0" compatLnSpc="1">
+              <a:prstTxWarp prst="textNoShape">
+                <a:avLst/>
+              </a:prstTxWarp>
+              <a:spAutoFit/>
+            </a:bodyPr>
+            <a:lstStyle/>
+            <a:p>
+              <a:pPr algn="ctr"/>
+              <a:r>
+                <a:rPr lang="en-US" dirty="0">
+                  <a:latin typeface="Rockwell Nova Extra Bold"/>
+                  <a:cs typeface="Calibri"/>
+                </a:rPr>
+                <a:t>ÓRGÃOS</a:t>
+              </a:r>
+              <a:endParaRPr lang="en-US" dirty="0">
+                <a:latin typeface="Rockwell Nova Extra Bold"/>
+              </a:endParaRPr>
+            </a:p>
+          </p:txBody>
+        </p:sp>
+      </p:grpSp>
+      <p:grpSp>
+        <p:nvGrpSpPr>
+          <p:cNvPr id="2" name="Agrupar 1">
+            <a:extLst>
+              <a:ext uri="{FF2B5EF4-FFF2-40B4-BE49-F238E27FC236}">
+                <a16:creationId xmlns:a16="http://schemas.microsoft.com/office/drawing/2014/main" id="{814FD006-425E-432C-B9D0-71A3E6FE8984}"/>
+              </a:ext>
+            </a:extLst>
+          </p:cNvPr>
+          <p:cNvGrpSpPr/>
+          <p:nvPr/>
+        </p:nvGrpSpPr>
+        <p:grpSpPr>
+          <a:xfrm>
+            <a:off x="3840219" y="3695746"/>
+            <a:ext cx="1210916" cy="369332"/>
+            <a:chOff x="922126" y="4412439"/>
+            <a:chExt cx="2237960" cy="369332"/>
+          </a:xfrm>
+        </p:grpSpPr>
+        <p:sp>
+          <p:nvSpPr>
+            <p:cNvPr id="35" name="Rectangle: Rounded Corners 34">
+              <a:extLst>
+                <a:ext uri="{FF2B5EF4-FFF2-40B4-BE49-F238E27FC236}">
+                  <a16:creationId xmlns:a16="http://schemas.microsoft.com/office/drawing/2014/main" id="{C80997A6-3353-4B67-AB55-A586729B2230}"/>
+                </a:ext>
+              </a:extLst>
+            </p:cNvPr>
+            <p:cNvSpPr/>
+            <p:nvPr/>
+          </p:nvSpPr>
+          <p:spPr>
+            <a:xfrm>
+              <a:off x="1005780" y="4448019"/>
+              <a:ext cx="2070651" cy="298173"/>
+            </a:xfrm>
+            <a:prstGeom prst="roundRect">
+              <a:avLst/>
+            </a:prstGeom>
+            <a:solidFill>
+              <a:schemeClr val="bg1">
+                <a:alpha val="68000"/>
+              </a:schemeClr>
+            </a:solidFill>
+            <a:ln>
+              <a:noFill/>
+            </a:ln>
+          </p:spPr>
+          <p:style>
+            <a:lnRef idx="2">
+              <a:schemeClr val="accent1">
+                <a:shade val="50000"/>
+              </a:schemeClr>
+            </a:lnRef>
+            <a:fillRef idx="1">
+              <a:schemeClr val="accent1"/>
+            </a:fillRef>
+            <a:effectRef idx="0">
+              <a:schemeClr val="accent1"/>
+            </a:effectRef>
+            <a:fontRef idx="minor">
+              <a:schemeClr val="lt1"/>
+            </a:fontRef>
+          </p:style>
+          <p:txBody>
+            <a:bodyPr rtlCol="0" anchor="ctr"/>
+            <a:lstStyle/>
+            <a:p>
+              <a:pPr algn="ctr"/>
+              <a:endParaRPr lang="en-US"/>
+            </a:p>
+          </p:txBody>
+        </p:sp>
+        <p:sp>
+          <p:nvSpPr>
+            <p:cNvPr id="24" name="TextBox 23">
+              <a:extLst>
+                <a:ext uri="{FF2B5EF4-FFF2-40B4-BE49-F238E27FC236}">
+                  <a16:creationId xmlns:a16="http://schemas.microsoft.com/office/drawing/2014/main" id="{E9DA24AA-C95D-4634-ACF3-44C821B9734F}"/>
+                </a:ext>
+              </a:extLst>
+            </p:cNvPr>
+            <p:cNvSpPr txBox="1"/>
+            <p:nvPr/>
+          </p:nvSpPr>
+          <p:spPr>
+            <a:xfrm>
+              <a:off x="922126" y="4412439"/>
+              <a:ext cx="2237960" cy="369332"/>
+            </a:xfrm>
+            <a:prstGeom prst="rect">
+              <a:avLst/>
+            </a:prstGeom>
+            <a:noFill/>
+          </p:spPr>
+          <p:txBody>
+            <a:bodyPr rot="0" spcFirstLastPara="0" vertOverflow="overflow" horzOverflow="overflow" vert="horz" wrap="square" lIns="91440" tIns="45720" rIns="91440" bIns="45720" numCol="1" spcCol="0" rtlCol="0" fromWordArt="0" anchor="t" anchorCtr="0" forceAA="0" compatLnSpc="1">
+              <a:prstTxWarp prst="textNoShape">
+                <a:avLst/>
+              </a:prstTxWarp>
+              <a:spAutoFit/>
+            </a:bodyPr>
+            <a:lstStyle/>
+            <a:p>
+              <a:pPr algn="ctr"/>
+              <a:r>
+                <a:rPr lang="en-US" dirty="0">
+                  <a:latin typeface="Rockwell Nova Extra Bold"/>
+                  <a:cs typeface="Calibri"/>
+                </a:rPr>
+                <a:t>CAIXA </a:t>
+              </a:r>
+            </a:p>
+          </p:txBody>
+        </p:sp>
+      </p:grpSp>
+      <p:grpSp>
+        <p:nvGrpSpPr>
+          <p:cNvPr id="5" name="Agrupar 4">
+            <a:extLst>
+              <a:ext uri="{FF2B5EF4-FFF2-40B4-BE49-F238E27FC236}">
+                <a16:creationId xmlns:a16="http://schemas.microsoft.com/office/drawing/2014/main" id="{84F48831-63CB-4245-BB70-74CA1336D1C9}"/>
+              </a:ext>
+            </a:extLst>
+          </p:cNvPr>
+          <p:cNvGrpSpPr/>
+          <p:nvPr/>
+        </p:nvGrpSpPr>
+        <p:grpSpPr>
+          <a:xfrm>
+            <a:off x="6953668" y="3687101"/>
+            <a:ext cx="1210916" cy="369332"/>
+            <a:chOff x="5743432" y="4264540"/>
+            <a:chExt cx="1210916" cy="369332"/>
+          </a:xfrm>
+        </p:grpSpPr>
+        <p:sp>
+          <p:nvSpPr>
+            <p:cNvPr id="41" name="Rectangle: Rounded Corners 40">
+              <a:extLst>
+                <a:ext uri="{FF2B5EF4-FFF2-40B4-BE49-F238E27FC236}">
+                  <a16:creationId xmlns:a16="http://schemas.microsoft.com/office/drawing/2014/main" id="{458D1392-072D-478A-903C-F9527AE3020F}"/>
+                </a:ext>
+              </a:extLst>
+            </p:cNvPr>
+            <p:cNvSpPr/>
+            <p:nvPr/>
+          </p:nvSpPr>
+          <p:spPr>
+            <a:xfrm>
+              <a:off x="5743432" y="4265802"/>
+              <a:ext cx="1151281" cy="298173"/>
+            </a:xfrm>
+            <a:prstGeom prst="roundRect">
+              <a:avLst/>
+            </a:prstGeom>
+            <a:solidFill>
+              <a:schemeClr val="bg1">
+                <a:alpha val="68000"/>
+              </a:schemeClr>
+            </a:solidFill>
+            <a:ln>
+              <a:noFill/>
+            </a:ln>
+          </p:spPr>
+          <p:style>
+            <a:lnRef idx="2">
+              <a:schemeClr val="accent1">
+                <a:shade val="50000"/>
+              </a:schemeClr>
+            </a:lnRef>
+            <a:fillRef idx="1">
+              <a:schemeClr val="accent1"/>
+            </a:fillRef>
+            <a:effectRef idx="0">
+              <a:schemeClr val="accent1"/>
+            </a:effectRef>
+            <a:fontRef idx="minor">
+              <a:schemeClr val="lt1"/>
+            </a:fontRef>
+          </p:style>
+          <p:txBody>
+            <a:bodyPr rtlCol="0" anchor="ctr"/>
+            <a:lstStyle/>
+            <a:p>
+              <a:pPr algn="ctr"/>
+              <a:endParaRPr lang="en-US"/>
+            </a:p>
+          </p:txBody>
+        </p:sp>
+        <p:sp>
+          <p:nvSpPr>
+            <p:cNvPr id="25" name="TextBox 24">
+              <a:extLst>
+                <a:ext uri="{FF2B5EF4-FFF2-40B4-BE49-F238E27FC236}">
+                  <a16:creationId xmlns:a16="http://schemas.microsoft.com/office/drawing/2014/main" id="{1C5488A7-84E0-457D-90CE-167EC5C6DEC0}"/>
+                </a:ext>
+              </a:extLst>
+            </p:cNvPr>
+            <p:cNvSpPr txBox="1"/>
+            <p:nvPr/>
+          </p:nvSpPr>
+          <p:spPr>
+            <a:xfrm>
+              <a:off x="5743432" y="4264540"/>
+              <a:ext cx="1210916" cy="369332"/>
+            </a:xfrm>
+            <a:prstGeom prst="rect">
+              <a:avLst/>
+            </a:prstGeom>
+            <a:noFill/>
+          </p:spPr>
+          <p:txBody>
+            <a:bodyPr rot="0" spcFirstLastPara="0" vertOverflow="overflow" horzOverflow="overflow" vert="horz" wrap="square" lIns="91440" tIns="45720" rIns="91440" bIns="45720" numCol="1" spcCol="0" rtlCol="0" fromWordArt="0" anchor="t" anchorCtr="0" forceAA="0" compatLnSpc="1">
+              <a:prstTxWarp prst="textNoShape">
+                <a:avLst/>
+              </a:prstTxWarp>
+              <a:spAutoFit/>
+            </a:bodyPr>
+            <a:lstStyle/>
+            <a:p>
+              <a:pPr algn="ctr"/>
+              <a:r>
+                <a:rPr lang="en-US" dirty="0">
+                  <a:latin typeface="Rockwell Nova Extra Bold"/>
+                  <a:cs typeface="Calibri"/>
+                </a:rPr>
+                <a:t>DADOS</a:t>
+              </a:r>
+            </a:p>
+          </p:txBody>
+        </p:sp>
+      </p:grpSp>
+      <p:pic>
+        <p:nvPicPr>
+          <p:cNvPr id="18" name="Imagem 17" descr="Ícone&#10;&#10;Descrição gerada automaticamente">
+            <a:extLst>
+              <a:ext uri="{FF2B5EF4-FFF2-40B4-BE49-F238E27FC236}">
+                <a16:creationId xmlns:a16="http://schemas.microsoft.com/office/drawing/2014/main" id="{B1CD65EE-776D-46E0-8D25-3860C538574F}"/>
+              </a:ext>
+            </a:extLst>
+          </p:cNvPr>
+          <p:cNvPicPr>
+            <a:picLocks noChangeAspect="1"/>
+          </p:cNvPicPr>
+          <p:nvPr/>
+        </p:nvPicPr>
+        <p:blipFill>
+          <a:blip r:embed="rId6">
+            <a:extLst>
+              <a:ext uri="{28A0092B-C50C-407E-A947-70E740481C1C}">
+                <a14:useLocalDpi xmlns:a14="http://schemas.microsoft.com/office/drawing/2010/main" val="0"/>
+              </a:ext>
+            </a:extLst>
+          </a:blip>
+          <a:stretch>
+            <a:fillRect/>
+          </a:stretch>
+        </p:blipFill>
+        <p:spPr>
+          <a:xfrm>
+            <a:off x="6800148" y="1840706"/>
+            <a:ext cx="1542852" cy="1542852"/>
+          </a:xfrm>
+          <a:prstGeom prst="rect">
+            <a:avLst/>
+          </a:prstGeom>
+        </p:spPr>
+      </p:pic>
+      <p:pic>
+        <p:nvPicPr>
+          <p:cNvPr id="30" name="Imagem 29" descr="Ícone&#10;&#10;Descrição gerada automaticamente">
+            <a:extLst>
+              <a:ext uri="{FF2B5EF4-FFF2-40B4-BE49-F238E27FC236}">
+                <a16:creationId xmlns:a16="http://schemas.microsoft.com/office/drawing/2014/main" id="{5FBD3BF5-E234-4E32-9D1B-C6B4D2BC2FAF}"/>
+              </a:ext>
+            </a:extLst>
+          </p:cNvPr>
+          <p:cNvPicPr>
+            <a:picLocks noChangeAspect="1"/>
+          </p:cNvPicPr>
+          <p:nvPr/>
+        </p:nvPicPr>
+        <p:blipFill>
+          <a:blip r:embed="rId7">
+            <a:extLst>
+              <a:ext uri="{28A0092B-C50C-407E-A947-70E740481C1C}">
+                <a14:useLocalDpi xmlns:a14="http://schemas.microsoft.com/office/drawing/2010/main" val="0"/>
+              </a:ext>
+            </a:extLst>
+          </a:blip>
+          <a:stretch>
+            <a:fillRect/>
+          </a:stretch>
+        </p:blipFill>
+        <p:spPr>
+          <a:xfrm>
+            <a:off x="954088" y="5396777"/>
+            <a:ext cx="1619554" cy="1520802"/>
+          </a:xfrm>
+          <a:prstGeom prst="rect">
+            <a:avLst/>
+          </a:prstGeom>
+        </p:spPr>
+      </p:pic>
+      <p:pic>
+        <p:nvPicPr>
+          <p:cNvPr id="42" name="Imagem 41" descr="Ícone&#10;&#10;Descrição gerada automaticamente">
+            <a:extLst>
+              <a:ext uri="{FF2B5EF4-FFF2-40B4-BE49-F238E27FC236}">
+                <a16:creationId xmlns:a16="http://schemas.microsoft.com/office/drawing/2014/main" id="{DDF2CD64-74D0-4A75-A674-ED1148590645}"/>
+              </a:ext>
+            </a:extLst>
+          </p:cNvPr>
+          <p:cNvPicPr>
+            <a:picLocks noChangeAspect="1"/>
+          </p:cNvPicPr>
+          <p:nvPr/>
+        </p:nvPicPr>
+        <p:blipFill>
+          <a:blip r:embed="rId8">
+            <a:extLst>
+              <a:ext uri="{28A0092B-C50C-407E-A947-70E740481C1C}">
+                <a14:useLocalDpi xmlns:a14="http://schemas.microsoft.com/office/drawing/2010/main" val="0"/>
+              </a:ext>
+            </a:extLst>
+          </a:blip>
+          <a:stretch>
+            <a:fillRect/>
+          </a:stretch>
+        </p:blipFill>
+        <p:spPr>
+          <a:xfrm flipH="1">
+            <a:off x="181964" y="4167836"/>
+            <a:ext cx="1406665" cy="1320894"/>
+          </a:xfrm>
+          <a:prstGeom prst="rect">
+            <a:avLst/>
+          </a:prstGeom>
+        </p:spPr>
+      </p:pic>
+      <p:pic>
+        <p:nvPicPr>
+          <p:cNvPr id="46" name="Imagem 45" descr="Ícone&#10;&#10;Descrição gerada automaticamente">
+            <a:extLst>
+              <a:ext uri="{FF2B5EF4-FFF2-40B4-BE49-F238E27FC236}">
+                <a16:creationId xmlns:a16="http://schemas.microsoft.com/office/drawing/2014/main" id="{F1B98824-D2B5-4EB1-9EE9-492AD6872B97}"/>
+              </a:ext>
+            </a:extLst>
+          </p:cNvPr>
+          <p:cNvPicPr>
+            <a:picLocks noChangeAspect="1"/>
+          </p:cNvPicPr>
+          <p:nvPr/>
+        </p:nvPicPr>
+        <p:blipFill>
+          <a:blip r:embed="rId9">
+            <a:extLst>
+              <a:ext uri="{28A0092B-C50C-407E-A947-70E740481C1C}">
+                <a14:useLocalDpi xmlns:a14="http://schemas.microsoft.com/office/drawing/2010/main" val="0"/>
+              </a:ext>
+            </a:extLst>
+          </a:blip>
+          <a:stretch>
+            <a:fillRect/>
+          </a:stretch>
+        </p:blipFill>
+        <p:spPr>
+          <a:xfrm flipH="1">
+            <a:off x="1636572" y="4206533"/>
+            <a:ext cx="1208246" cy="1134574"/>
+          </a:xfrm>
+          <a:prstGeom prst="rect">
+            <a:avLst/>
+          </a:prstGeom>
+        </p:spPr>
+      </p:pic>
+      <p:pic>
+        <p:nvPicPr>
+          <p:cNvPr id="51" name="Imagem 50" descr="Ícone&#10;&#10;Descrição gerada automaticamente">
+            <a:extLst>
+              <a:ext uri="{FF2B5EF4-FFF2-40B4-BE49-F238E27FC236}">
+                <a16:creationId xmlns:a16="http://schemas.microsoft.com/office/drawing/2014/main" id="{1EF14656-CEDC-49D1-86E8-C0244AE4A323}"/>
+              </a:ext>
+            </a:extLst>
+          </p:cNvPr>
+          <p:cNvPicPr>
+            <a:picLocks noChangeAspect="1"/>
+          </p:cNvPicPr>
+          <p:nvPr/>
+        </p:nvPicPr>
+        <p:blipFill>
+          <a:blip r:embed="rId10">
+            <a:extLst>
+              <a:ext uri="{28A0092B-C50C-407E-A947-70E740481C1C}">
+                <a14:useLocalDpi xmlns:a14="http://schemas.microsoft.com/office/drawing/2010/main" val="0"/>
+              </a:ext>
+            </a:extLst>
+          </a:blip>
+          <a:stretch>
+            <a:fillRect/>
+          </a:stretch>
+        </p:blipFill>
+        <p:spPr>
+          <a:xfrm>
+            <a:off x="372644" y="1528189"/>
+            <a:ext cx="1111790" cy="1111790"/>
+          </a:xfrm>
+          <a:prstGeom prst="rect">
+            <a:avLst/>
+          </a:prstGeom>
+        </p:spPr>
+      </p:pic>
+      <p:pic>
+        <p:nvPicPr>
+          <p:cNvPr id="53" name="Imagem 52" descr="Ícone&#10;&#10;Descrição gerada automaticamente">
+            <a:extLst>
+              <a:ext uri="{FF2B5EF4-FFF2-40B4-BE49-F238E27FC236}">
+                <a16:creationId xmlns:a16="http://schemas.microsoft.com/office/drawing/2014/main" id="{D98834E6-C463-48EF-B458-E1EA63C2F059}"/>
+              </a:ext>
+            </a:extLst>
+          </p:cNvPr>
+          <p:cNvPicPr>
+            <a:picLocks noChangeAspect="1"/>
+          </p:cNvPicPr>
+          <p:nvPr/>
+        </p:nvPicPr>
+        <p:blipFill>
+          <a:blip r:embed="rId11">
+            <a:extLst>
+              <a:ext uri="{28A0092B-C50C-407E-A947-70E740481C1C}">
+                <a14:useLocalDpi xmlns:a14="http://schemas.microsoft.com/office/drawing/2010/main" val="0"/>
+              </a:ext>
+            </a:extLst>
+          </a:blip>
+          <a:stretch>
+            <a:fillRect/>
+          </a:stretch>
+        </p:blipFill>
+        <p:spPr>
+          <a:xfrm>
+            <a:off x="1537813" y="1473802"/>
+            <a:ext cx="1111790" cy="1111790"/>
+          </a:xfrm>
+          <a:prstGeom prst="rect">
+            <a:avLst/>
+          </a:prstGeom>
+        </p:spPr>
+      </p:pic>
+      <p:grpSp>
+        <p:nvGrpSpPr>
+          <p:cNvPr id="54" name="Agrupar 53">
+            <a:extLst>
+              <a:ext uri="{FF2B5EF4-FFF2-40B4-BE49-F238E27FC236}">
+                <a16:creationId xmlns:a16="http://schemas.microsoft.com/office/drawing/2014/main" id="{FBA12C26-70C4-454C-BD50-DCAF727CC9B4}"/>
+              </a:ext>
+            </a:extLst>
+          </p:cNvPr>
+          <p:cNvGrpSpPr/>
+          <p:nvPr/>
+        </p:nvGrpSpPr>
+        <p:grpSpPr>
+          <a:xfrm>
+            <a:off x="494497" y="3720321"/>
+            <a:ext cx="2188265" cy="369332"/>
+            <a:chOff x="8616667" y="2953154"/>
+            <a:chExt cx="2188265" cy="369332"/>
+          </a:xfrm>
+        </p:grpSpPr>
+        <p:sp>
+          <p:nvSpPr>
+            <p:cNvPr id="55" name="Rectangle: Rounded Corners 44">
+              <a:extLst>
+                <a:ext uri="{FF2B5EF4-FFF2-40B4-BE49-F238E27FC236}">
+                  <a16:creationId xmlns:a16="http://schemas.microsoft.com/office/drawing/2014/main" id="{81E3B01C-67D5-44AF-A5EB-98C3A3CF7256}"/>
+                </a:ext>
+              </a:extLst>
+            </p:cNvPr>
+            <p:cNvSpPr/>
+            <p:nvPr/>
+          </p:nvSpPr>
+          <p:spPr>
+            <a:xfrm>
+              <a:off x="8683757" y="2981997"/>
+              <a:ext cx="2054087" cy="281608"/>
+            </a:xfrm>
+            <a:prstGeom prst="roundRect">
+              <a:avLst/>
+            </a:prstGeom>
+            <a:solidFill>
+              <a:schemeClr val="bg1">
+                <a:alpha val="68000"/>
+              </a:schemeClr>
+            </a:solidFill>
+            <a:ln>
+              <a:noFill/>
+            </a:ln>
+          </p:spPr>
+          <p:style>
+            <a:lnRef idx="2">
+              <a:schemeClr val="accent1">
+                <a:shade val="50000"/>
+              </a:schemeClr>
+            </a:lnRef>
+            <a:fillRef idx="1">
+              <a:schemeClr val="accent1"/>
+            </a:fillRef>
+            <a:effectRef idx="0">
+              <a:schemeClr val="accent1"/>
+            </a:effectRef>
+            <a:fontRef idx="minor">
+              <a:schemeClr val="lt1"/>
+            </a:fontRef>
+          </p:style>
+          <p:txBody>
+            <a:bodyPr rtlCol="0" anchor="ctr"/>
+            <a:lstStyle/>
+            <a:p>
+              <a:pPr algn="ctr"/>
+              <a:endParaRPr lang="en-US"/>
+            </a:p>
+          </p:txBody>
+        </p:sp>
+        <p:sp>
+          <p:nvSpPr>
+            <p:cNvPr id="56" name="TextBox 26">
+              <a:extLst>
+                <a:ext uri="{FF2B5EF4-FFF2-40B4-BE49-F238E27FC236}">
+                  <a16:creationId xmlns:a16="http://schemas.microsoft.com/office/drawing/2014/main" id="{F1152939-F3DF-4DD3-97ED-B104D3A03EEC}"/>
+                </a:ext>
+              </a:extLst>
+            </p:cNvPr>
+            <p:cNvSpPr txBox="1"/>
+            <p:nvPr/>
+          </p:nvSpPr>
+          <p:spPr>
+            <a:xfrm>
+              <a:off x="8616667" y="2953154"/>
+              <a:ext cx="2188265" cy="369332"/>
+            </a:xfrm>
+            <a:prstGeom prst="rect">
+              <a:avLst/>
+            </a:prstGeom>
+            <a:noFill/>
+          </p:spPr>
+          <p:txBody>
+            <a:bodyPr rot="0" spcFirstLastPara="0" vertOverflow="overflow" horzOverflow="overflow" vert="horz" wrap="square" lIns="91440" tIns="45720" rIns="91440" bIns="45720" numCol="1" spcCol="0" rtlCol="0" fromWordArt="0" anchor="t" anchorCtr="0" forceAA="0" compatLnSpc="1">
+              <a:prstTxWarp prst="textNoShape">
+                <a:avLst/>
+              </a:prstTxWarp>
+              <a:spAutoFit/>
+            </a:bodyPr>
+            <a:lstStyle/>
+            <a:p>
+              <a:pPr algn="ctr"/>
+              <a:r>
+                <a:rPr lang="en-US" dirty="0">
+                  <a:latin typeface="Rockwell Nova Extra Bold"/>
+                  <a:cs typeface="Calibri"/>
+                </a:rPr>
+                <a:t>TRANSPORTE</a:t>
+              </a:r>
+            </a:p>
+          </p:txBody>
+        </p:sp>
+      </p:grpSp>
+      <p:pic>
+        <p:nvPicPr>
+          <p:cNvPr id="34" name="Imagem 33" descr="Ícone&#10;&#10;Descrição gerada automaticamente">
+            <a:extLst>
+              <a:ext uri="{FF2B5EF4-FFF2-40B4-BE49-F238E27FC236}">
+                <a16:creationId xmlns:a16="http://schemas.microsoft.com/office/drawing/2014/main" id="{0AEFD5A0-7F58-45CA-A622-3CD9789E3F87}"/>
+              </a:ext>
+            </a:extLst>
+          </p:cNvPr>
+          <p:cNvPicPr>
+            <a:picLocks noChangeAspect="1"/>
+          </p:cNvPicPr>
+          <p:nvPr/>
+        </p:nvPicPr>
+        <p:blipFill>
+          <a:blip r:embed="rId12">
+            <a:extLst>
+              <a:ext uri="{28A0092B-C50C-407E-A947-70E740481C1C}">
+                <a14:useLocalDpi xmlns:a14="http://schemas.microsoft.com/office/drawing/2010/main" val="0"/>
+              </a:ext>
+            </a:extLst>
+          </a:blip>
+          <a:stretch>
+            <a:fillRect/>
+          </a:stretch>
+        </p:blipFill>
+        <p:spPr>
+          <a:xfrm flipH="1">
+            <a:off x="2165420" y="4466280"/>
+            <a:ext cx="519204" cy="519204"/>
+          </a:xfrm>
+          <a:prstGeom prst="rect">
+            <a:avLst/>
+          </a:prstGeom>
+        </p:spPr>
+      </p:pic>
+      <p:pic>
+        <p:nvPicPr>
+          <p:cNvPr id="38" name="Picture 6">
+            <a:extLst>
+              <a:ext uri="{FF2B5EF4-FFF2-40B4-BE49-F238E27FC236}">
+                <a16:creationId xmlns:a16="http://schemas.microsoft.com/office/drawing/2014/main" id="{DA383326-B5DB-4B87-9D0D-FC8CB57A8F9F}"/>
+              </a:ext>
+            </a:extLst>
+          </p:cNvPr>
+          <p:cNvPicPr>
+            <a:picLocks noChangeAspect="1"/>
+          </p:cNvPicPr>
+          <p:nvPr/>
+        </p:nvPicPr>
+        <p:blipFill>
+          <a:blip r:embed="rId13">
+            <a:biLevel thresh="75000"/>
+            <a:extLst>
+              <a:ext uri="{BEBA8EAE-BF5A-486C-A8C5-ECC9F3942E4B}">
+                <a14:imgProps xmlns:a14="http://schemas.microsoft.com/office/drawing/2010/main">
+                  <a14:imgLayer r:embed="rId14">
+                    <a14:imgEffect>
+                      <a14:colorTemperature colorTemp="11200"/>
+                    </a14:imgEffect>
+                    <a14:imgEffect>
+                      <a14:saturation sat="0"/>
+                    </a14:imgEffect>
+                  </a14:imgLayer>
+                </a14:imgProps>
+              </a:ext>
+            </a:extLst>
+          </a:blip>
+          <a:srcRect/>
+          <a:stretch>
+            <a:fillRect/>
+          </a:stretch>
+        </p:blipFill>
+        <p:spPr>
+          <a:xfrm rot="9108281" flipH="1">
+            <a:off x="2667435" y="4426237"/>
+            <a:ext cx="1844459" cy="657298"/>
+          </a:xfrm>
+          <a:prstGeom prst="rect">
+            <a:avLst/>
+          </a:prstGeom>
+          <a:noFill/>
+        </p:spPr>
+      </p:pic>
+      <p:pic>
+        <p:nvPicPr>
+          <p:cNvPr id="44" name="Picture 15" descr="A picture containing drawing&#10;&#10;Description automatically generated">
+            <a:extLst>
+              <a:ext uri="{FF2B5EF4-FFF2-40B4-BE49-F238E27FC236}">
+                <a16:creationId xmlns:a16="http://schemas.microsoft.com/office/drawing/2014/main" id="{E94B7E1B-2656-49E6-A646-BE4E11B5AD61}"/>
+              </a:ext>
+            </a:extLst>
+          </p:cNvPr>
+          <p:cNvPicPr>
+            <a:picLocks noChangeAspect="1"/>
+          </p:cNvPicPr>
+          <p:nvPr/>
+        </p:nvPicPr>
+        <p:blipFill>
+          <a:blip r:embed="rId15"/>
+          <a:stretch>
+            <a:fillRect/>
+          </a:stretch>
+        </p:blipFill>
+        <p:spPr>
+          <a:xfrm>
+            <a:off x="5744713" y="2259550"/>
+            <a:ext cx="831272" cy="1235765"/>
+          </a:xfrm>
+          <a:prstGeom prst="rect">
+            <a:avLst/>
+          </a:prstGeom>
+        </p:spPr>
+      </p:pic>
+      <p:pic>
+        <p:nvPicPr>
+          <p:cNvPr id="63" name="Picture 12">
+            <a:extLst>
+              <a:ext uri="{FF2B5EF4-FFF2-40B4-BE49-F238E27FC236}">
+                <a16:creationId xmlns:a16="http://schemas.microsoft.com/office/drawing/2014/main" id="{F82BB6A0-58BF-497E-A4CE-7E35E7DCA50C}"/>
+              </a:ext>
+            </a:extLst>
+          </p:cNvPr>
+          <p:cNvPicPr>
+            <a:picLocks noChangeAspect="1"/>
+          </p:cNvPicPr>
+          <p:nvPr/>
+        </p:nvPicPr>
+        <p:blipFill>
+          <a:blip r:embed="rId16"/>
+          <a:stretch>
+            <a:fillRect/>
+          </a:stretch>
+        </p:blipFill>
+        <p:spPr>
+          <a:xfrm>
+            <a:off x="6660500" y="4732663"/>
+            <a:ext cx="1697429" cy="1671862"/>
+          </a:xfrm>
+          <a:prstGeom prst="rect">
+            <a:avLst/>
+          </a:prstGeom>
+        </p:spPr>
+      </p:pic>
+      <p:grpSp>
+        <p:nvGrpSpPr>
+          <p:cNvPr id="64" name="Agrupar 63">
+            <a:extLst>
+              <a:ext uri="{FF2B5EF4-FFF2-40B4-BE49-F238E27FC236}">
+                <a16:creationId xmlns:a16="http://schemas.microsoft.com/office/drawing/2014/main" id="{904FFDC1-46E8-4BC6-8971-14F54B13CA94}"/>
+              </a:ext>
+            </a:extLst>
+          </p:cNvPr>
+          <p:cNvGrpSpPr/>
+          <p:nvPr/>
+        </p:nvGrpSpPr>
+        <p:grpSpPr>
+          <a:xfrm>
+            <a:off x="6992582" y="6359247"/>
+            <a:ext cx="1222951" cy="369332"/>
+            <a:chOff x="5633053" y="3038944"/>
+            <a:chExt cx="1222951" cy="369332"/>
+          </a:xfrm>
+        </p:grpSpPr>
+        <p:sp>
+          <p:nvSpPr>
+            <p:cNvPr id="66" name="Rectangle: Rounded Corners 38">
+              <a:extLst>
+                <a:ext uri="{FF2B5EF4-FFF2-40B4-BE49-F238E27FC236}">
+                  <a16:creationId xmlns:a16="http://schemas.microsoft.com/office/drawing/2014/main" id="{0BB8C2F0-FC5E-41B0-B20D-32FAC1DC4096}"/>
+                </a:ext>
+              </a:extLst>
+            </p:cNvPr>
+            <p:cNvSpPr/>
+            <p:nvPr/>
+          </p:nvSpPr>
+          <p:spPr>
+            <a:xfrm>
+              <a:off x="5652323" y="3081389"/>
+              <a:ext cx="1184412" cy="281608"/>
+            </a:xfrm>
+            <a:prstGeom prst="roundRect">
+              <a:avLst/>
+            </a:prstGeom>
+            <a:solidFill>
+              <a:schemeClr val="bg1">
+                <a:alpha val="68000"/>
+              </a:schemeClr>
+            </a:solidFill>
+            <a:ln>
+              <a:noFill/>
+            </a:ln>
+          </p:spPr>
+          <p:style>
+            <a:lnRef idx="2">
+              <a:schemeClr val="accent1">
+                <a:shade val="50000"/>
+              </a:schemeClr>
+            </a:lnRef>
+            <a:fillRef idx="1">
+              <a:schemeClr val="accent1"/>
+            </a:fillRef>
+            <a:effectRef idx="0">
+              <a:schemeClr val="accent1"/>
+            </a:effectRef>
+            <a:fontRef idx="minor">
+              <a:schemeClr val="lt1"/>
+            </a:fontRef>
+          </p:style>
+          <p:txBody>
+            <a:bodyPr rtlCol="0" anchor="ctr"/>
+            <a:lstStyle/>
+            <a:p>
+              <a:pPr algn="ctr"/>
+              <a:endParaRPr lang="en-US"/>
+            </a:p>
+          </p:txBody>
+        </p:sp>
+        <p:sp>
+          <p:nvSpPr>
+            <p:cNvPr id="67" name="TextBox 25">
+              <a:extLst>
+                <a:ext uri="{FF2B5EF4-FFF2-40B4-BE49-F238E27FC236}">
+                  <a16:creationId xmlns:a16="http://schemas.microsoft.com/office/drawing/2014/main" id="{B2123430-A73A-499D-9CF7-4BD4C4D5DBE5}"/>
+                </a:ext>
+              </a:extLst>
+            </p:cNvPr>
+            <p:cNvSpPr txBox="1"/>
+            <p:nvPr/>
+          </p:nvSpPr>
+          <p:spPr>
+            <a:xfrm>
+              <a:off x="5633053" y="3038944"/>
+              <a:ext cx="1222951" cy="369332"/>
+            </a:xfrm>
+            <a:prstGeom prst="rect">
+              <a:avLst/>
+            </a:prstGeom>
+            <a:noFill/>
+          </p:spPr>
+          <p:txBody>
+            <a:bodyPr rot="0" spcFirstLastPara="0" vertOverflow="overflow" horzOverflow="overflow" vert="horz" wrap="square" lIns="91440" tIns="45720" rIns="91440" bIns="45720" numCol="1" spcCol="0" rtlCol="0" fromWordArt="0" anchor="t" anchorCtr="0" forceAA="0" compatLnSpc="1">
+              <a:prstTxWarp prst="textNoShape">
+                <a:avLst/>
+              </a:prstTxWarp>
+              <a:spAutoFit/>
+            </a:bodyPr>
+            <a:lstStyle/>
+            <a:p>
+              <a:pPr algn="ctr"/>
+              <a:r>
+                <a:rPr lang="en-US" dirty="0">
+                  <a:latin typeface="Rockwell Nova Extra Bold"/>
+                  <a:cs typeface="Calibri"/>
+                </a:rPr>
+                <a:t>NUVEM</a:t>
+              </a:r>
+              <a:endParaRPr lang="en-US" dirty="0">
+                <a:latin typeface="Rockwell Nova Extra Bold"/>
+              </a:endParaRPr>
+            </a:p>
+          </p:txBody>
+        </p:sp>
+      </p:grpSp>
+      <p:grpSp>
+        <p:nvGrpSpPr>
+          <p:cNvPr id="68" name="Agrupar 67">
+            <a:extLst>
+              <a:ext uri="{FF2B5EF4-FFF2-40B4-BE49-F238E27FC236}">
+                <a16:creationId xmlns:a16="http://schemas.microsoft.com/office/drawing/2014/main" id="{0EA13699-F17B-47C6-9D0A-34680782C9F0}"/>
+              </a:ext>
+            </a:extLst>
+          </p:cNvPr>
+          <p:cNvGrpSpPr/>
+          <p:nvPr/>
+        </p:nvGrpSpPr>
+        <p:grpSpPr>
+          <a:xfrm>
+            <a:off x="9674192" y="6368494"/>
+            <a:ext cx="2188265" cy="369332"/>
+            <a:chOff x="8648181" y="2954973"/>
+            <a:chExt cx="2188265" cy="369332"/>
+          </a:xfrm>
+        </p:grpSpPr>
+        <p:sp>
+          <p:nvSpPr>
+            <p:cNvPr id="69" name="Rectangle: Rounded Corners 44">
+              <a:extLst>
+                <a:ext uri="{FF2B5EF4-FFF2-40B4-BE49-F238E27FC236}">
+                  <a16:creationId xmlns:a16="http://schemas.microsoft.com/office/drawing/2014/main" id="{C9673A3D-B2DB-4453-A446-F74E4BF56E57}"/>
+                </a:ext>
+              </a:extLst>
+            </p:cNvPr>
+            <p:cNvSpPr/>
+            <p:nvPr/>
+          </p:nvSpPr>
+          <p:spPr>
+            <a:xfrm>
+              <a:off x="8683757" y="2981997"/>
+              <a:ext cx="2054087" cy="281608"/>
+            </a:xfrm>
+            <a:prstGeom prst="roundRect">
+              <a:avLst/>
+            </a:prstGeom>
+            <a:solidFill>
+              <a:schemeClr val="bg1">
+                <a:alpha val="68000"/>
+              </a:schemeClr>
+            </a:solidFill>
+            <a:ln>
+              <a:noFill/>
+            </a:ln>
+          </p:spPr>
+          <p:style>
+            <a:lnRef idx="2">
+              <a:schemeClr val="accent1">
+                <a:shade val="50000"/>
+              </a:schemeClr>
+            </a:lnRef>
+            <a:fillRef idx="1">
+              <a:schemeClr val="accent1"/>
+            </a:fillRef>
+            <a:effectRef idx="0">
+              <a:schemeClr val="accent1"/>
+            </a:effectRef>
+            <a:fontRef idx="minor">
+              <a:schemeClr val="lt1"/>
+            </a:fontRef>
+          </p:style>
+          <p:txBody>
+            <a:bodyPr rtlCol="0" anchor="ctr"/>
+            <a:lstStyle/>
+            <a:p>
+              <a:pPr algn="ctr"/>
+              <a:endParaRPr lang="en-US"/>
+            </a:p>
+          </p:txBody>
+        </p:sp>
+        <p:sp>
+          <p:nvSpPr>
+            <p:cNvPr id="70" name="TextBox 26">
+              <a:extLst>
+                <a:ext uri="{FF2B5EF4-FFF2-40B4-BE49-F238E27FC236}">
+                  <a16:creationId xmlns:a16="http://schemas.microsoft.com/office/drawing/2014/main" id="{12F45E8A-1D27-4CC0-9CCF-3F1DAF3E7C16}"/>
+                </a:ext>
+              </a:extLst>
+            </p:cNvPr>
+            <p:cNvSpPr txBox="1"/>
+            <p:nvPr/>
+          </p:nvSpPr>
+          <p:spPr>
+            <a:xfrm>
+              <a:off x="8648181" y="2954973"/>
+              <a:ext cx="2188265" cy="369332"/>
+            </a:xfrm>
+            <a:prstGeom prst="rect">
+              <a:avLst/>
+            </a:prstGeom>
+            <a:noFill/>
+          </p:spPr>
+          <p:txBody>
+            <a:bodyPr rot="0" spcFirstLastPara="0" vertOverflow="overflow" horzOverflow="overflow" vert="horz" wrap="square" lIns="91440" tIns="45720" rIns="91440" bIns="45720" numCol="1" spcCol="0" rtlCol="0" fromWordArt="0" anchor="t" anchorCtr="0" forceAA="0" compatLnSpc="1">
+              <a:prstTxWarp prst="textNoShape">
+                <a:avLst/>
+              </a:prstTxWarp>
+              <a:spAutoFit/>
+            </a:bodyPr>
+            <a:lstStyle/>
+            <a:p>
+              <a:pPr algn="ctr"/>
+              <a:r>
+                <a:rPr lang="en-US" dirty="0">
+                  <a:latin typeface="Rockwell Nova Extra Bold"/>
+                  <a:cs typeface="Calibri"/>
+                </a:rPr>
+                <a:t>NOTIFICAÇÃO</a:t>
+              </a:r>
+            </a:p>
+          </p:txBody>
+        </p:sp>
+      </p:grpSp>
+      <p:pic>
+        <p:nvPicPr>
+          <p:cNvPr id="71" name="Imagem 70" descr="Ícone&#10;&#10;Descrição gerada automaticamente">
+            <a:extLst>
+              <a:ext uri="{FF2B5EF4-FFF2-40B4-BE49-F238E27FC236}">
+                <a16:creationId xmlns:a16="http://schemas.microsoft.com/office/drawing/2014/main" id="{A5F4E8EA-E1D1-4A3E-8430-EA6634BD2CBA}"/>
+              </a:ext>
+            </a:extLst>
+          </p:cNvPr>
+          <p:cNvPicPr>
+            <a:picLocks noChangeAspect="1"/>
+          </p:cNvPicPr>
+          <p:nvPr/>
+        </p:nvPicPr>
+        <p:blipFill>
+          <a:blip r:embed="rId17">
+            <a:extLst>
+              <a:ext uri="{28A0092B-C50C-407E-A947-70E740481C1C}">
+                <a14:useLocalDpi xmlns:a14="http://schemas.microsoft.com/office/drawing/2010/main" val="0"/>
+              </a:ext>
+            </a:extLst>
+          </a:blip>
+          <a:stretch>
+            <a:fillRect/>
+          </a:stretch>
+        </p:blipFill>
+        <p:spPr>
+          <a:xfrm>
+            <a:off x="10086999" y="4721112"/>
+            <a:ext cx="1573734" cy="1573734"/>
+          </a:xfrm>
+          <a:prstGeom prst="rect">
+            <a:avLst/>
+          </a:prstGeom>
+        </p:spPr>
+      </p:pic>
+      <p:pic>
+        <p:nvPicPr>
+          <p:cNvPr id="52" name="Picture 16" descr="A picture containing shape&#10;&#10;Description automatically generated">
+            <a:extLst>
+              <a:ext uri="{FF2B5EF4-FFF2-40B4-BE49-F238E27FC236}">
+                <a16:creationId xmlns:a16="http://schemas.microsoft.com/office/drawing/2014/main" id="{D22EB0C3-8BEC-411D-94F9-5C43ACA93B42}"/>
+              </a:ext>
+            </a:extLst>
+          </p:cNvPr>
+          <p:cNvPicPr>
+            <a:picLocks noChangeAspect="1"/>
+          </p:cNvPicPr>
+          <p:nvPr/>
+        </p:nvPicPr>
+        <p:blipFill>
+          <a:blip r:embed="rId2"/>
+          <a:stretch>
+            <a:fillRect/>
+          </a:stretch>
+        </p:blipFill>
+        <p:spPr>
+          <a:xfrm>
+            <a:off x="7011852" y="4057695"/>
+            <a:ext cx="1034912" cy="574048"/>
+          </a:xfrm>
+          <a:prstGeom prst="rect">
+            <a:avLst/>
+          </a:prstGeom>
+        </p:spPr>
+      </p:pic>
+      <p:grpSp>
+        <p:nvGrpSpPr>
+          <p:cNvPr id="73" name="Agrupar 72">
+            <a:extLst>
+              <a:ext uri="{FF2B5EF4-FFF2-40B4-BE49-F238E27FC236}">
+                <a16:creationId xmlns:a16="http://schemas.microsoft.com/office/drawing/2014/main" id="{E2259FC2-955C-4934-92DF-E3A16A3E571D}"/>
+              </a:ext>
+            </a:extLst>
+          </p:cNvPr>
+          <p:cNvGrpSpPr/>
+          <p:nvPr/>
+        </p:nvGrpSpPr>
+        <p:grpSpPr>
+          <a:xfrm>
+            <a:off x="9915327" y="3654184"/>
+            <a:ext cx="1705996" cy="369332"/>
+            <a:chOff x="9110810" y="4282221"/>
+            <a:chExt cx="1630904" cy="373420"/>
+          </a:xfrm>
+        </p:grpSpPr>
+        <p:sp>
+          <p:nvSpPr>
+            <p:cNvPr id="74" name="Rectangle: Rounded Corners 46">
+              <a:extLst>
+                <a:ext uri="{FF2B5EF4-FFF2-40B4-BE49-F238E27FC236}">
+                  <a16:creationId xmlns:a16="http://schemas.microsoft.com/office/drawing/2014/main" id="{AF507492-2436-4B9C-948E-9FA5F2D9207E}"/>
+                </a:ext>
+              </a:extLst>
+            </p:cNvPr>
+            <p:cNvSpPr/>
+            <p:nvPr/>
+          </p:nvSpPr>
+          <p:spPr>
+            <a:xfrm>
+              <a:off x="9110810" y="4315497"/>
+              <a:ext cx="1585621" cy="289890"/>
+            </a:xfrm>
+            <a:prstGeom prst="roundRect">
+              <a:avLst/>
+            </a:prstGeom>
+            <a:solidFill>
+              <a:schemeClr val="bg1">
+                <a:alpha val="68000"/>
+              </a:schemeClr>
+            </a:solidFill>
+            <a:ln>
+              <a:noFill/>
+            </a:ln>
+          </p:spPr>
+          <p:style>
+            <a:lnRef idx="2">
+              <a:schemeClr val="accent1">
+                <a:shade val="50000"/>
+              </a:schemeClr>
+            </a:lnRef>
+            <a:fillRef idx="1">
+              <a:schemeClr val="accent1"/>
+            </a:fillRef>
+            <a:effectRef idx="0">
+              <a:schemeClr val="accent1"/>
+            </a:effectRef>
+            <a:fontRef idx="minor">
+              <a:schemeClr val="lt1"/>
+            </a:fontRef>
+          </p:style>
+          <p:txBody>
+            <a:bodyPr rtlCol="0" anchor="ctr"/>
+            <a:lstStyle/>
+            <a:p>
+              <a:pPr algn="ctr"/>
+              <a:endParaRPr lang="en-US"/>
+            </a:p>
+          </p:txBody>
+        </p:sp>
+        <p:sp>
+          <p:nvSpPr>
+            <p:cNvPr id="75" name="TextBox 28">
+              <a:extLst>
+                <a:ext uri="{FF2B5EF4-FFF2-40B4-BE49-F238E27FC236}">
+                  <a16:creationId xmlns:a16="http://schemas.microsoft.com/office/drawing/2014/main" id="{FF83BDF5-30B2-406D-803D-C3885C8C2732}"/>
+                </a:ext>
+              </a:extLst>
+            </p:cNvPr>
+            <p:cNvSpPr txBox="1"/>
+            <p:nvPr/>
+          </p:nvSpPr>
+          <p:spPr>
+            <a:xfrm>
+              <a:off x="9110810" y="4282221"/>
+              <a:ext cx="1630904" cy="373420"/>
+            </a:xfrm>
+            <a:prstGeom prst="rect">
+              <a:avLst/>
+            </a:prstGeom>
+            <a:noFill/>
+          </p:spPr>
+          <p:txBody>
+            <a:bodyPr rot="0" spcFirstLastPara="0" vertOverflow="overflow" horzOverflow="overflow" vert="horz" wrap="square" lIns="91440" tIns="45720" rIns="91440" bIns="45720" numCol="1" spcCol="0" rtlCol="0" fromWordArt="0" anchor="t" anchorCtr="0" forceAA="0" compatLnSpc="1">
+              <a:prstTxWarp prst="textNoShape">
+                <a:avLst/>
+              </a:prstTxWarp>
+              <a:spAutoFit/>
+            </a:bodyPr>
+            <a:lstStyle/>
+            <a:p>
+              <a:pPr algn="ctr"/>
+              <a:r>
+                <a:rPr lang="en-US" dirty="0">
+                  <a:latin typeface="Rockwell Nova Extra Bold" panose="02060903020205020403" pitchFamily="18" charset="0"/>
+                  <a:cs typeface="Calibri"/>
+                </a:rPr>
+                <a:t>REGISTRO</a:t>
+              </a:r>
+            </a:p>
+          </p:txBody>
+        </p:sp>
+      </p:grpSp>
+      <p:pic>
+        <p:nvPicPr>
+          <p:cNvPr id="76" name="Picture 11" descr="A close up of a sign&#10;&#10;Description automatically generated">
+            <a:extLst>
+              <a:ext uri="{FF2B5EF4-FFF2-40B4-BE49-F238E27FC236}">
+                <a16:creationId xmlns:a16="http://schemas.microsoft.com/office/drawing/2014/main" id="{5830A4E0-C54D-41EC-84A3-77EB046BBE85}"/>
+              </a:ext>
+            </a:extLst>
+          </p:cNvPr>
+          <p:cNvPicPr>
+            <a:picLocks noChangeAspect="1"/>
+          </p:cNvPicPr>
+          <p:nvPr/>
+        </p:nvPicPr>
+        <p:blipFill>
+          <a:blip r:embed="rId18"/>
+          <a:stretch>
+            <a:fillRect/>
+          </a:stretch>
+        </p:blipFill>
+        <p:spPr>
+          <a:xfrm>
+            <a:off x="9797843" y="1745224"/>
+            <a:ext cx="1823480" cy="1823480"/>
+          </a:xfrm>
+          <a:prstGeom prst="rect">
+            <a:avLst/>
+          </a:prstGeom>
+        </p:spPr>
+      </p:pic>
+      <p:pic>
+        <p:nvPicPr>
+          <p:cNvPr id="78" name="Picture 15" descr="A picture containing drawing&#10;&#10;Description automatically generated">
+            <a:extLst>
+              <a:ext uri="{FF2B5EF4-FFF2-40B4-BE49-F238E27FC236}">
+                <a16:creationId xmlns:a16="http://schemas.microsoft.com/office/drawing/2014/main" id="{27482B25-A26B-4BAA-ABCE-CCEE8E471AA1}"/>
+              </a:ext>
+            </a:extLst>
+          </p:cNvPr>
+          <p:cNvPicPr>
+            <a:picLocks noChangeAspect="1"/>
+          </p:cNvPicPr>
+          <p:nvPr/>
+        </p:nvPicPr>
+        <p:blipFill>
+          <a:blip r:embed="rId15"/>
+          <a:stretch>
+            <a:fillRect/>
+          </a:stretch>
+        </p:blipFill>
+        <p:spPr>
+          <a:xfrm>
+            <a:off x="8806828" y="4988433"/>
+            <a:ext cx="831272" cy="1235765"/>
+          </a:xfrm>
+          <a:prstGeom prst="rect">
+            <a:avLst/>
+          </a:prstGeom>
+        </p:spPr>
+      </p:pic>
+      <p:pic>
+        <p:nvPicPr>
+          <p:cNvPr id="80" name="Picture 16" descr="A picture containing shape&#10;&#10;Description automatically generated">
+            <a:extLst>
+              <a:ext uri="{FF2B5EF4-FFF2-40B4-BE49-F238E27FC236}">
+                <a16:creationId xmlns:a16="http://schemas.microsoft.com/office/drawing/2014/main" id="{13E3D08B-498D-40D6-B2EC-C5894125FCBC}"/>
+              </a:ext>
+            </a:extLst>
+          </p:cNvPr>
+          <p:cNvPicPr>
+            <a:picLocks noChangeAspect="1"/>
+          </p:cNvPicPr>
+          <p:nvPr/>
+        </p:nvPicPr>
+        <p:blipFill>
+          <a:blip r:embed="rId2"/>
+          <a:stretch>
+            <a:fillRect/>
+          </a:stretch>
+        </p:blipFill>
+        <p:spPr>
+          <a:xfrm rot="10800000">
+            <a:off x="10232749" y="4040217"/>
+            <a:ext cx="1034912" cy="574048"/>
+          </a:xfrm>
+          <a:prstGeom prst="rect">
+            <a:avLst/>
+          </a:prstGeom>
+        </p:spPr>
+      </p:pic>
+    </p:spTree>
+    <p:extLst>
+      <p:ext uri="{BB962C8B-B14F-4D97-AF65-F5344CB8AC3E}">
+        <p14:creationId xmlns:p14="http://schemas.microsoft.com/office/powerpoint/2010/main" val="3545820931"/>
+      </p:ext>
+    </p:extLst>
+  </p:cSld>
+  <p:clrMapOvr>
+    <a:masterClrMapping/>
+  </p:clrMapOvr>
+</p:sld>
+</file>
+
+<file path=ppt/slides/slide6.xml><?xml version="1.0" encoding="utf-8"?>
 <p:sld xmlns:a="http://schemas.openxmlformats.org/drawingml/2006/main" xmlns:r="http://schemas.openxmlformats.org/officeDocument/2006/relationships" xmlns:p="http://schemas.openxmlformats.org/presentationml/2006/main">
   <p:cSld>
     <p:bg>
@@ -12554,7 +14834,7 @@
 </p:sld>
 </file>
 
-<file path=ppt/slides/slide6.xml><?xml version="1.0" encoding="utf-8"?>
+<file path=ppt/slides/slide7.xml><?xml version="1.0" encoding="utf-8"?>
 <p:sld xmlns:a="http://schemas.openxmlformats.org/drawingml/2006/main" xmlns:r="http://schemas.openxmlformats.org/officeDocument/2006/relationships" xmlns:p="http://schemas.openxmlformats.org/presentationml/2006/main">
   <p:cSld>
     <p:bg>
@@ -13109,655 +15389,6 @@
     <p:extLst>
       <p:ext uri="{BB962C8B-B14F-4D97-AF65-F5344CB8AC3E}">
         <p14:creationId xmlns:p14="http://schemas.microsoft.com/office/powerpoint/2010/main" val="2649458566"/>
-      </p:ext>
-    </p:extLst>
-  </p:cSld>
-  <p:clrMapOvr>
-    <a:masterClrMapping/>
-  </p:clrMapOvr>
-</p:sld>
-</file>
-
-<file path=ppt/slides/slide7.xml><?xml version="1.0" encoding="utf-8"?>
-<p:sld xmlns:a="http://schemas.openxmlformats.org/drawingml/2006/main" xmlns:r="http://schemas.openxmlformats.org/officeDocument/2006/relationships" xmlns:p="http://schemas.openxmlformats.org/presentationml/2006/main">
-  <p:cSld>
-    <p:bg>
-      <p:bgPr>
-        <a:solidFill>
-          <a:schemeClr val="bg1"/>
-        </a:solidFill>
-        <a:effectLst/>
-      </p:bgPr>
-    </p:bg>
-    <p:spTree>
-      <p:nvGrpSpPr>
-        <p:cNvPr id="1" name=""/>
-        <p:cNvGrpSpPr/>
-        <p:nvPr/>
-      </p:nvGrpSpPr>
-      <p:grpSpPr>
-        <a:xfrm>
-          <a:off x="0" y="0"/>
-          <a:ext cx="0" cy="0"/>
-          <a:chOff x="0" y="0"/>
-          <a:chExt cx="0" cy="0"/>
-        </a:xfrm>
-      </p:grpSpPr>
-      <p:sp>
-        <p:nvSpPr>
-          <p:cNvPr id="12" name="Rectangle 11">
-            <a:extLst>
-              <a:ext uri="{FF2B5EF4-FFF2-40B4-BE49-F238E27FC236}">
-                <a16:creationId xmlns:a16="http://schemas.microsoft.com/office/drawing/2014/main" id="{8D06CE56-3881-4ADA-8CEF-D18B02C242A3}"/>
-              </a:ext>
-              <a:ext uri="{C183D7F6-B498-43B3-948B-1728B52AA6E4}">
-                <adec:decorative xmlns:adec="http://schemas.microsoft.com/office/drawing/2017/decorative" val="1"/>
-              </a:ext>
-            </a:extLst>
-          </p:cNvPr>
-          <p:cNvSpPr>
-            <a:spLocks noGrp="1" noRot="1" noChangeAspect="1" noMove="1" noResize="1" noEditPoints="1" noAdjustHandles="1" noChangeArrowheads="1" noChangeShapeType="1" noTextEdit="1"/>
-          </p:cNvSpPr>
-          <p:nvPr>
-            <p:extLst>
-              <p:ext uri="{386F3935-93C4-4BCD-93E2-E3B085C9AB24}">
-                <p16:designElem xmlns:p16="http://schemas.microsoft.com/office/powerpoint/2015/main" val="1"/>
-              </p:ext>
-            </p:extLst>
-          </p:nvPr>
-        </p:nvSpPr>
-        <p:spPr>
-          <a:xfrm rot="5400000">
-            <a:off x="857544" y="346791"/>
-            <a:ext cx="146304" cy="704088"/>
-          </a:xfrm>
-          <a:prstGeom prst="rect">
-            <a:avLst/>
-          </a:prstGeom>
-          <a:solidFill>
-            <a:schemeClr val="accent1"/>
-          </a:solidFill>
-          <a:ln>
-            <a:noFill/>
-          </a:ln>
-        </p:spPr>
-        <p:style>
-          <a:lnRef idx="2">
-            <a:schemeClr val="accent1">
-              <a:shade val="50000"/>
-            </a:schemeClr>
-          </a:lnRef>
-          <a:fillRef idx="1">
-            <a:schemeClr val="accent1"/>
-          </a:fillRef>
-          <a:effectRef idx="0">
-            <a:schemeClr val="accent1"/>
-          </a:effectRef>
-          <a:fontRef idx="minor">
-            <a:schemeClr val="lt1"/>
-          </a:fontRef>
-        </p:style>
-        <p:txBody>
-          <a:bodyPr rtlCol="0" anchor="ctr"/>
-          <a:lstStyle/>
-          <a:p>
-            <a:pPr marL="0" marR="0" lvl="0" indent="0" algn="ctr" defTabSz="914400" rtl="0" eaLnBrk="1" fontAlgn="auto" latinLnBrk="0" hangingPunct="1">
-              <a:lnSpc>
-                <a:spcPct val="100000"/>
-              </a:lnSpc>
-              <a:spcBef>
-                <a:spcPts val="0"/>
-              </a:spcBef>
-              <a:spcAft>
-                <a:spcPts val="0"/>
-              </a:spcAft>
-              <a:buClrTx/>
-              <a:buSzTx/>
-              <a:buFontTx/>
-              <a:buNone/>
-              <a:tabLst/>
-              <a:defRPr/>
-            </a:pPr>
-            <a:endParaRPr kumimoji="0" lang="en-US" sz="1800" b="0" i="0" u="none" strike="noStrike" kern="1200" cap="none" spc="0" normalizeH="0" baseline="0" noProof="0">
-              <a:ln>
-                <a:noFill/>
-              </a:ln>
-              <a:solidFill>
-                <a:prstClr val="white"/>
-              </a:solidFill>
-              <a:effectLst/>
-              <a:uLnTx/>
-              <a:uFillTx/>
-              <a:latin typeface="Calibri" panose="020F0502020204030204"/>
-              <a:ea typeface="+mn-ea"/>
-              <a:cs typeface="+mn-cs"/>
-            </a:endParaRPr>
-          </a:p>
-        </p:txBody>
-      </p:sp>
-      <p:sp>
-        <p:nvSpPr>
-          <p:cNvPr id="14" name="Rectangle 13">
-            <a:extLst>
-              <a:ext uri="{FF2B5EF4-FFF2-40B4-BE49-F238E27FC236}">
-                <a16:creationId xmlns:a16="http://schemas.microsoft.com/office/drawing/2014/main" id="{79F3C543-62EC-4433-9C93-A2CD8764E9B4}"/>
-              </a:ext>
-              <a:ext uri="{C183D7F6-B498-43B3-948B-1728B52AA6E4}">
-                <adec:decorative xmlns:adec="http://schemas.microsoft.com/office/drawing/2017/decorative" val="1"/>
-              </a:ext>
-            </a:extLst>
-          </p:cNvPr>
-          <p:cNvSpPr>
-            <a:spLocks noGrp="1" noRot="1" noChangeAspect="1" noMove="1" noResize="1" noEditPoints="1" noAdjustHandles="1" noChangeArrowheads="1" noChangeShapeType="1" noTextEdit="1"/>
-          </p:cNvSpPr>
-          <p:nvPr>
-            <p:extLst>
-              <p:ext uri="{386F3935-93C4-4BCD-93E2-E3B085C9AB24}">
-                <p16:designElem xmlns:p16="http://schemas.microsoft.com/office/powerpoint/2015/main" val="1"/>
-              </p:ext>
-            </p:extLst>
-          </p:nvPr>
-        </p:nvSpPr>
-        <p:spPr>
-          <a:xfrm flipV="1">
-            <a:off x="578652" y="4501201"/>
-            <a:ext cx="11034696" cy="18288"/>
-          </a:xfrm>
-          <a:prstGeom prst="rect">
-            <a:avLst/>
-          </a:prstGeom>
-          <a:solidFill>
-            <a:schemeClr val="tx2">
-              <a:lumMod val="25000"/>
-              <a:lumOff val="75000"/>
-            </a:schemeClr>
-          </a:solidFill>
-          <a:ln w="3175">
-            <a:noFill/>
-          </a:ln>
-          <a:effectLst/>
-        </p:spPr>
-        <p:style>
-          <a:lnRef idx="2">
-            <a:schemeClr val="accent1">
-              <a:shade val="50000"/>
-            </a:schemeClr>
-          </a:lnRef>
-          <a:fillRef idx="1">
-            <a:schemeClr val="accent1"/>
-          </a:fillRef>
-          <a:effectRef idx="0">
-            <a:schemeClr val="accent1"/>
-          </a:effectRef>
-          <a:fontRef idx="minor">
-            <a:schemeClr val="lt1"/>
-          </a:fontRef>
-        </p:style>
-        <p:txBody>
-          <a:bodyPr rtlCol="0" anchor="ctr"/>
-          <a:lstStyle/>
-          <a:p>
-            <a:pPr marL="0" marR="0" lvl="0" indent="0" algn="ctr" defTabSz="914400" rtl="0" eaLnBrk="1" fontAlgn="auto" latinLnBrk="0" hangingPunct="1">
-              <a:lnSpc>
-                <a:spcPct val="100000"/>
-              </a:lnSpc>
-              <a:spcBef>
-                <a:spcPts val="0"/>
-              </a:spcBef>
-              <a:spcAft>
-                <a:spcPts val="0"/>
-              </a:spcAft>
-              <a:buClrTx/>
-              <a:buSzTx/>
-              <a:buFontTx/>
-              <a:buNone/>
-              <a:tabLst/>
-              <a:defRPr/>
-            </a:pPr>
-            <a:endParaRPr kumimoji="0" lang="en-US" sz="1800" b="0" i="0" u="none" strike="noStrike" kern="1200" cap="none" spc="0" normalizeH="0" baseline="0" noProof="0">
-              <a:ln>
-                <a:noFill/>
-              </a:ln>
-              <a:solidFill>
-                <a:prstClr val="white"/>
-              </a:solidFill>
-              <a:effectLst/>
-              <a:uLnTx/>
-              <a:uFillTx/>
-              <a:latin typeface="Calibri" panose="020F0502020204030204"/>
-              <a:ea typeface="+mn-ea"/>
-              <a:cs typeface="+mn-cs"/>
-            </a:endParaRPr>
-          </a:p>
-        </p:txBody>
-      </p:sp>
-      <p:sp useBgFill="1">
-        <p:nvSpPr>
-          <p:cNvPr id="16" name="Rectangle 15">
-            <a:extLst>
-              <a:ext uri="{FF2B5EF4-FFF2-40B4-BE49-F238E27FC236}">
-                <a16:creationId xmlns:a16="http://schemas.microsoft.com/office/drawing/2014/main" id="{C7B352FC-1F44-4AB9-A2BD-FBF231C6B1C1}"/>
-              </a:ext>
-              <a:ext uri="{C183D7F6-B498-43B3-948B-1728B52AA6E4}">
-                <adec:decorative xmlns:adec="http://schemas.microsoft.com/office/drawing/2017/decorative" val="1"/>
-              </a:ext>
-            </a:extLst>
-          </p:cNvPr>
-          <p:cNvSpPr>
-            <a:spLocks noGrp="1" noRot="1" noChangeAspect="1" noMove="1" noResize="1" noEditPoints="1" noAdjustHandles="1" noChangeArrowheads="1" noChangeShapeType="1" noTextEdit="1"/>
-          </p:cNvSpPr>
-          <p:nvPr>
-            <p:extLst>
-              <p:ext uri="{386F3935-93C4-4BCD-93E2-E3B085C9AB24}">
-                <p16:designElem xmlns:p16="http://schemas.microsoft.com/office/powerpoint/2015/main" val="1"/>
-              </p:ext>
-            </p:extLst>
-          </p:nvPr>
-        </p:nvSpPr>
-        <p:spPr>
-          <a:xfrm>
-            <a:off x="0" y="0"/>
-            <a:ext cx="12192000" cy="6858000"/>
-          </a:xfrm>
-          <a:prstGeom prst="rect">
-            <a:avLst/>
-          </a:prstGeom>
-          <a:ln>
-            <a:noFill/>
-          </a:ln>
-        </p:spPr>
-        <p:style>
-          <a:lnRef idx="2">
-            <a:schemeClr val="accent1">
-              <a:shade val="50000"/>
-            </a:schemeClr>
-          </a:lnRef>
-          <a:fillRef idx="1">
-            <a:schemeClr val="accent1"/>
-          </a:fillRef>
-          <a:effectRef idx="0">
-            <a:schemeClr val="accent1"/>
-          </a:effectRef>
-          <a:fontRef idx="minor">
-            <a:schemeClr val="lt1"/>
-          </a:fontRef>
-        </p:style>
-        <p:txBody>
-          <a:bodyPr rtlCol="0" anchor="ctr"/>
-          <a:lstStyle/>
-          <a:p>
-            <a:pPr algn="ctr"/>
-            <a:endParaRPr lang="en-US"/>
-          </a:p>
-        </p:txBody>
-      </p:sp>
-      <p:pic>
-        <p:nvPicPr>
-          <p:cNvPr id="7" name="Imagem 6" descr="Tela de celular&#10;&#10;Descrição gerada automaticamente">
-            <a:extLst>
-              <a:ext uri="{FF2B5EF4-FFF2-40B4-BE49-F238E27FC236}">
-                <a16:creationId xmlns:a16="http://schemas.microsoft.com/office/drawing/2014/main" id="{F5BAD4EB-0C70-44CD-908A-522D64666F73}"/>
-              </a:ext>
-            </a:extLst>
-          </p:cNvPr>
-          <p:cNvPicPr>
-            <a:picLocks noChangeAspect="1"/>
-          </p:cNvPicPr>
-          <p:nvPr/>
-        </p:nvPicPr>
-        <p:blipFill rotWithShape="1">
-          <a:blip r:embed="rId2">
-            <a:extLst>
-              <a:ext uri="{28A0092B-C50C-407E-A947-70E740481C1C}">
-                <a14:useLocalDpi xmlns:a14="http://schemas.microsoft.com/office/drawing/2010/main" val="0"/>
-              </a:ext>
-            </a:extLst>
-          </a:blip>
-          <a:srcRect/>
-          <a:stretch/>
-        </p:blipFill>
-        <p:spPr>
-          <a:xfrm>
-            <a:off x="-2" y="-1"/>
-            <a:ext cx="12192001" cy="6858000"/>
-          </a:xfrm>
-          <a:prstGeom prst="rect">
-            <a:avLst/>
-          </a:prstGeom>
-        </p:spPr>
-      </p:pic>
-      <p:sp>
-        <p:nvSpPr>
-          <p:cNvPr id="18" name="Rectangle 17">
-            <a:extLst>
-              <a:ext uri="{FF2B5EF4-FFF2-40B4-BE49-F238E27FC236}">
-                <a16:creationId xmlns:a16="http://schemas.microsoft.com/office/drawing/2014/main" id="{0ADDB668-2CA4-4D2B-9C34-3487CA330BA8}"/>
-              </a:ext>
-              <a:ext uri="{C183D7F6-B498-43B3-948B-1728B52AA6E4}">
-                <adec:decorative xmlns:adec="http://schemas.microsoft.com/office/drawing/2017/decorative" val="1"/>
-              </a:ext>
-            </a:extLst>
-          </p:cNvPr>
-          <p:cNvSpPr>
-            <a:spLocks noGrp="1" noRot="1" noChangeAspect="1" noMove="1" noResize="1" noEditPoints="1" noAdjustHandles="1" noChangeArrowheads="1" noChangeShapeType="1" noTextEdit="1"/>
-          </p:cNvSpPr>
-          <p:nvPr>
-            <p:extLst>
-              <p:ext uri="{386F3935-93C4-4BCD-93E2-E3B085C9AB24}">
-                <p16:designElem xmlns:p16="http://schemas.microsoft.com/office/powerpoint/2015/main" val="1"/>
-              </p:ext>
-            </p:extLst>
-          </p:nvPr>
-        </p:nvSpPr>
-        <p:spPr>
-          <a:xfrm>
-            <a:off x="551553" y="4716089"/>
-            <a:ext cx="6288261" cy="1573149"/>
-          </a:xfrm>
-          <a:prstGeom prst="rect">
-            <a:avLst/>
-          </a:prstGeom>
-          <a:solidFill>
-            <a:schemeClr val="tx1">
-              <a:alpha val="30000"/>
-            </a:schemeClr>
-          </a:solidFill>
-          <a:ln w="12700">
-            <a:noFill/>
-          </a:ln>
-          <a:effectLst>
-            <a:outerShdw blurRad="50800" dist="50800" dir="2700000" algn="tl" rotWithShape="0">
-              <a:prstClr val="black">
-                <a:alpha val="25000"/>
-              </a:prstClr>
-            </a:outerShdw>
-          </a:effectLst>
-        </p:spPr>
-        <p:style>
-          <a:lnRef idx="2">
-            <a:schemeClr val="accent1">
-              <a:shade val="50000"/>
-            </a:schemeClr>
-          </a:lnRef>
-          <a:fillRef idx="1">
-            <a:schemeClr val="accent1"/>
-          </a:fillRef>
-          <a:effectRef idx="0">
-            <a:schemeClr val="accent1"/>
-          </a:effectRef>
-          <a:fontRef idx="minor">
-            <a:schemeClr val="lt1"/>
-          </a:fontRef>
-        </p:style>
-        <p:txBody>
-          <a:bodyPr rtlCol="0" anchor="ctr"/>
-          <a:lstStyle/>
-          <a:p>
-            <a:pPr marL="0" marR="0" lvl="0" indent="0" algn="ctr" defTabSz="914400" rtl="0" eaLnBrk="1" fontAlgn="auto" latinLnBrk="0" hangingPunct="1">
-              <a:lnSpc>
-                <a:spcPct val="100000"/>
-              </a:lnSpc>
-              <a:spcBef>
-                <a:spcPts val="0"/>
-              </a:spcBef>
-              <a:spcAft>
-                <a:spcPts val="0"/>
-              </a:spcAft>
-              <a:buClrTx/>
-              <a:buSzTx/>
-              <a:buFontTx/>
-              <a:buNone/>
-              <a:tabLst/>
-              <a:defRPr/>
-            </a:pPr>
-            <a:endParaRPr kumimoji="0" lang="en-US" sz="1800" b="0" i="0" u="none" strike="noStrike" kern="1200" cap="none" spc="0" normalizeH="0" baseline="0" noProof="0">
-              <a:ln>
-                <a:noFill/>
-              </a:ln>
-              <a:solidFill>
-                <a:prstClr val="white"/>
-              </a:solidFill>
-              <a:effectLst/>
-              <a:uLnTx/>
-              <a:uFillTx/>
-              <a:latin typeface="Calibri" panose="020F0502020204030204"/>
-              <a:ea typeface="+mn-ea"/>
-              <a:cs typeface="+mn-cs"/>
-            </a:endParaRPr>
-          </a:p>
-        </p:txBody>
-      </p:sp>
-      <p:sp>
-        <p:nvSpPr>
-          <p:cNvPr id="2" name="Título 1">
-            <a:extLst>
-              <a:ext uri="{FF2B5EF4-FFF2-40B4-BE49-F238E27FC236}">
-                <a16:creationId xmlns:a16="http://schemas.microsoft.com/office/drawing/2014/main" id="{B0F311DC-5365-43A0-A5F3-42A685E89B2C}"/>
-              </a:ext>
-            </a:extLst>
-          </p:cNvPr>
-          <p:cNvSpPr>
-            <a:spLocks noGrp="1"/>
-          </p:cNvSpPr>
-          <p:nvPr>
-            <p:ph type="title"/>
-          </p:nvPr>
-        </p:nvSpPr>
-        <p:spPr>
-          <a:xfrm>
-            <a:off x="856210" y="4909985"/>
-            <a:ext cx="3212386" cy="1185353"/>
-          </a:xfrm>
-        </p:spPr>
-        <p:txBody>
-          <a:bodyPr vert="horz" lIns="91440" tIns="45720" rIns="91440" bIns="45720" rtlCol="0" anchor="ctr">
-            <a:noAutofit/>
-          </a:bodyPr>
-          <a:lstStyle/>
-          <a:p>
-            <a:r>
-              <a:rPr lang="en-US" dirty="0">
-                <a:solidFill>
-                  <a:schemeClr val="bg1"/>
-                </a:solidFill>
-              </a:rPr>
-              <a:t>Site institucional</a:t>
-            </a:r>
-          </a:p>
-        </p:txBody>
-      </p:sp>
-      <p:sp>
-        <p:nvSpPr>
-          <p:cNvPr id="25" name="Rectangle 19">
-            <a:extLst>
-              <a:ext uri="{FF2B5EF4-FFF2-40B4-BE49-F238E27FC236}">
-                <a16:creationId xmlns:a16="http://schemas.microsoft.com/office/drawing/2014/main" id="{2568BC19-F052-4108-93E1-6A3D1DEC072F}"/>
-              </a:ext>
-              <a:ext uri="{C183D7F6-B498-43B3-948B-1728B52AA6E4}">
-                <adec:decorative xmlns:adec="http://schemas.microsoft.com/office/drawing/2017/decorative" val="1"/>
-              </a:ext>
-            </a:extLst>
-          </p:cNvPr>
-          <p:cNvSpPr>
-            <a:spLocks noGrp="1" noRot="1" noChangeAspect="1" noMove="1" noResize="1" noEditPoints="1" noAdjustHandles="1" noChangeArrowheads="1" noChangeShapeType="1" noTextEdit="1"/>
-          </p:cNvSpPr>
-          <p:nvPr>
-            <p:extLst>
-              <p:ext uri="{386F3935-93C4-4BCD-93E2-E3B085C9AB24}">
-                <p16:designElem xmlns:p16="http://schemas.microsoft.com/office/powerpoint/2015/main" val="1"/>
-              </p:ext>
-            </p:extLst>
-          </p:nvPr>
-        </p:nvSpPr>
-        <p:spPr>
-          <a:xfrm>
-            <a:off x="494784" y="5175711"/>
-            <a:ext cx="128016" cy="653903"/>
-          </a:xfrm>
-          <a:prstGeom prst="rect">
-            <a:avLst/>
-          </a:prstGeom>
-          <a:solidFill>
-            <a:schemeClr val="accent1"/>
-          </a:solidFill>
-          <a:ln>
-            <a:noFill/>
-          </a:ln>
-        </p:spPr>
-        <p:style>
-          <a:lnRef idx="2">
-            <a:schemeClr val="accent1">
-              <a:shade val="50000"/>
-            </a:schemeClr>
-          </a:lnRef>
-          <a:fillRef idx="1">
-            <a:schemeClr val="accent1"/>
-          </a:fillRef>
-          <a:effectRef idx="0">
-            <a:schemeClr val="accent1"/>
-          </a:effectRef>
-          <a:fontRef idx="minor">
-            <a:schemeClr val="lt1"/>
-          </a:fontRef>
-        </p:style>
-        <p:txBody>
-          <a:bodyPr rtlCol="0" anchor="ctr"/>
-          <a:lstStyle/>
-          <a:p>
-            <a:pPr marL="0" marR="0" lvl="0" indent="0" algn="ctr" defTabSz="914400" rtl="0" eaLnBrk="1" fontAlgn="auto" latinLnBrk="0" hangingPunct="1">
-              <a:lnSpc>
-                <a:spcPct val="100000"/>
-              </a:lnSpc>
-              <a:spcBef>
-                <a:spcPts val="0"/>
-              </a:spcBef>
-              <a:spcAft>
-                <a:spcPts val="0"/>
-              </a:spcAft>
-              <a:buClrTx/>
-              <a:buSzTx/>
-              <a:buFontTx/>
-              <a:buNone/>
-              <a:tabLst/>
-              <a:defRPr/>
-            </a:pPr>
-            <a:endParaRPr kumimoji="0" lang="en-US" sz="1800" b="0" i="0" u="none" strike="noStrike" kern="1200" cap="none" spc="0" normalizeH="0" baseline="0" noProof="0">
-              <a:ln>
-                <a:noFill/>
-              </a:ln>
-              <a:solidFill>
-                <a:prstClr val="white"/>
-              </a:solidFill>
-              <a:effectLst/>
-              <a:uLnTx/>
-              <a:uFillTx/>
-              <a:latin typeface="Calibri" panose="020F0502020204030204"/>
-              <a:ea typeface="+mn-ea"/>
-              <a:cs typeface="+mn-cs"/>
-            </a:endParaRPr>
-          </a:p>
-        </p:txBody>
-      </p:sp>
-      <p:sp>
-        <p:nvSpPr>
-          <p:cNvPr id="26" name="Rectangle 21">
-            <a:extLst>
-              <a:ext uri="{FF2B5EF4-FFF2-40B4-BE49-F238E27FC236}">
-                <a16:creationId xmlns:a16="http://schemas.microsoft.com/office/drawing/2014/main" id="{D5FD337D-4D6B-4C8B-B6F5-121097E09881}"/>
-              </a:ext>
-              <a:ext uri="{C183D7F6-B498-43B3-948B-1728B52AA6E4}">
-                <adec:decorative xmlns:adec="http://schemas.microsoft.com/office/drawing/2017/decorative" val="1"/>
-              </a:ext>
-            </a:extLst>
-          </p:cNvPr>
-          <p:cNvSpPr>
-            <a:spLocks noGrp="1" noRot="1" noChangeAspect="1" noMove="1" noResize="1" noEditPoints="1" noAdjustHandles="1" noChangeArrowheads="1" noChangeShapeType="1" noTextEdit="1"/>
-          </p:cNvSpPr>
-          <p:nvPr>
-            <p:extLst>
-              <p:ext uri="{386F3935-93C4-4BCD-93E2-E3B085C9AB24}">
-                <p16:designElem xmlns:p16="http://schemas.microsoft.com/office/powerpoint/2015/main" val="1"/>
-              </p:ext>
-            </p:extLst>
-          </p:nvPr>
-        </p:nvSpPr>
-        <p:spPr>
-          <a:xfrm rot="5400000">
-            <a:off x="3728936" y="5498088"/>
-            <a:ext cx="1021458" cy="9144"/>
-          </a:xfrm>
-          <a:prstGeom prst="rect">
-            <a:avLst/>
-          </a:prstGeom>
-          <a:solidFill>
-            <a:schemeClr val="tx2">
-              <a:lumMod val="25000"/>
-              <a:lumOff val="75000"/>
-            </a:schemeClr>
-          </a:solidFill>
-          <a:ln w="3175">
-            <a:noFill/>
-          </a:ln>
-          <a:effectLst/>
-        </p:spPr>
-        <p:style>
-          <a:lnRef idx="2">
-            <a:schemeClr val="accent1">
-              <a:shade val="50000"/>
-            </a:schemeClr>
-          </a:lnRef>
-          <a:fillRef idx="1">
-            <a:schemeClr val="accent1"/>
-          </a:fillRef>
-          <a:effectRef idx="0">
-            <a:schemeClr val="accent1"/>
-          </a:effectRef>
-          <a:fontRef idx="minor">
-            <a:schemeClr val="lt1"/>
-          </a:fontRef>
-        </p:style>
-        <p:txBody>
-          <a:bodyPr rtlCol="0" anchor="ctr"/>
-          <a:lstStyle/>
-          <a:p>
-            <a:pPr marL="0" marR="0" lvl="0" indent="0" algn="ctr" defTabSz="914400" rtl="0" eaLnBrk="1" fontAlgn="auto" latinLnBrk="0" hangingPunct="1">
-              <a:lnSpc>
-                <a:spcPct val="100000"/>
-              </a:lnSpc>
-              <a:spcBef>
-                <a:spcPts val="0"/>
-              </a:spcBef>
-              <a:spcAft>
-                <a:spcPts val="0"/>
-              </a:spcAft>
-              <a:buClrTx/>
-              <a:buSzTx/>
-              <a:buFontTx/>
-              <a:buNone/>
-              <a:tabLst/>
-              <a:defRPr/>
-            </a:pPr>
-            <a:endParaRPr kumimoji="0" lang="en-US" sz="1800" b="0" i="0" u="none" strike="noStrike" kern="1200" cap="none" spc="0" normalizeH="0" baseline="0" noProof="0">
-              <a:ln>
-                <a:noFill/>
-              </a:ln>
-              <a:solidFill>
-                <a:prstClr val="white"/>
-              </a:solidFill>
-              <a:effectLst/>
-              <a:uLnTx/>
-              <a:uFillTx/>
-              <a:latin typeface="Calibri" panose="020F0502020204030204"/>
-              <a:ea typeface="+mn-ea"/>
-              <a:cs typeface="+mn-cs"/>
-            </a:endParaRPr>
-          </a:p>
-        </p:txBody>
-      </p:sp>
-    </p:spTree>
-    <p:extLst>
-      <p:ext uri="{BB962C8B-B14F-4D97-AF65-F5344CB8AC3E}">
-        <p14:creationId xmlns:p14="http://schemas.microsoft.com/office/powerpoint/2010/main" val="4135889151"/>
       </p:ext>
     </p:extLst>
   </p:cSld>
@@ -13794,7 +15425,7 @@
       </p:grpSpPr>
       <p:sp>
         <p:nvSpPr>
-          <p:cNvPr id="135" name="Rectangle 134">
+          <p:cNvPr id="12" name="Rectangle 11">
             <a:extLst>
               <a:ext uri="{FF2B5EF4-FFF2-40B4-BE49-F238E27FC236}">
                 <a16:creationId xmlns:a16="http://schemas.microsoft.com/office/drawing/2014/main" id="{8D06CE56-3881-4ADA-8CEF-D18B02C242A3}"/>
@@ -13886,7 +15517,7 @@
       </p:sp>
       <p:sp>
         <p:nvSpPr>
-          <p:cNvPr id="137" name="Rectangle 136">
+          <p:cNvPr id="14" name="Rectangle 13">
             <a:extLst>
               <a:ext uri="{FF2B5EF4-FFF2-40B4-BE49-F238E27FC236}">
                 <a16:creationId xmlns:a16="http://schemas.microsoft.com/office/drawing/2014/main" id="{79F3C543-62EC-4433-9C93-A2CD8764E9B4}"/>
@@ -13982,10 +15613,10 @@
       </p:sp>
       <p:sp useBgFill="1">
         <p:nvSpPr>
-          <p:cNvPr id="139" name="Rectangle 138">
-            <a:extLst>
-              <a:ext uri="{FF2B5EF4-FFF2-40B4-BE49-F238E27FC236}">
-                <a16:creationId xmlns:a16="http://schemas.microsoft.com/office/drawing/2014/main" id="{16F48AD3-C8B3-4F74-B546-F12937F7DD9F}"/>
+          <p:cNvPr id="16" name="Rectangle 15">
+            <a:extLst>
+              <a:ext uri="{FF2B5EF4-FFF2-40B4-BE49-F238E27FC236}">
+                <a16:creationId xmlns:a16="http://schemas.microsoft.com/office/drawing/2014/main" id="{C7B352FC-1F44-4AB9-A2BD-FBF231C6B1C1}"/>
               </a:ext>
               <a:ext uri="{C183D7F6-B498-43B3-948B-1728B52AA6E4}">
                 <adec:decorative xmlns:adec="http://schemas.microsoft.com/office/drawing/2017/decorative" val="1"/>
@@ -14040,64 +15671,47 @@
           </a:p>
         </p:txBody>
       </p:sp>
+      <p:pic>
+        <p:nvPicPr>
+          <p:cNvPr id="7" name="Imagem 6" descr="Tela de celular&#10;&#10;Descrição gerada automaticamente">
+            <a:extLst>
+              <a:ext uri="{FF2B5EF4-FFF2-40B4-BE49-F238E27FC236}">
+                <a16:creationId xmlns:a16="http://schemas.microsoft.com/office/drawing/2014/main" id="{F5BAD4EB-0C70-44CD-908A-522D64666F73}"/>
+              </a:ext>
+            </a:extLst>
+          </p:cNvPr>
+          <p:cNvPicPr>
+            <a:picLocks noChangeAspect="1"/>
+          </p:cNvPicPr>
+          <p:nvPr/>
+        </p:nvPicPr>
+        <p:blipFill rotWithShape="1">
+          <a:blip r:embed="rId2">
+            <a:extLst>
+              <a:ext uri="{28A0092B-C50C-407E-A947-70E740481C1C}">
+                <a14:useLocalDpi xmlns:a14="http://schemas.microsoft.com/office/drawing/2010/main" val="0"/>
+              </a:ext>
+            </a:extLst>
+          </a:blip>
+          <a:srcRect/>
+          <a:stretch/>
+        </p:blipFill>
+        <p:spPr>
+          <a:xfrm>
+            <a:off x="-2" y="-1"/>
+            <a:ext cx="12192001" cy="6858000"/>
+          </a:xfrm>
+          <a:prstGeom prst="rect">
+            <a:avLst/>
+          </a:prstGeom>
+        </p:spPr>
+      </p:pic>
       <p:sp>
         <p:nvSpPr>
-          <p:cNvPr id="2" name="Título 1">
-            <a:extLst>
-              <a:ext uri="{FF2B5EF4-FFF2-40B4-BE49-F238E27FC236}">
-                <a16:creationId xmlns:a16="http://schemas.microsoft.com/office/drawing/2014/main" id="{4D6A9D45-3EC6-4E23-9B58-172E5A05D038}"/>
-              </a:ext>
-            </a:extLst>
-          </p:cNvPr>
-          <p:cNvSpPr>
-            <a:spLocks noGrp="1"/>
-          </p:cNvSpPr>
-          <p:nvPr>
-            <p:ph type="title"/>
-          </p:nvPr>
-        </p:nvSpPr>
-        <p:spPr>
-          <a:xfrm>
-            <a:off x="7848600" y="1122363"/>
-            <a:ext cx="4023360" cy="3204134"/>
-          </a:xfrm>
-        </p:spPr>
-        <p:txBody>
-          <a:bodyPr vert="horz" lIns="91440" tIns="45720" rIns="91440" bIns="45720" rtlCol="0" anchor="b">
-            <a:normAutofit/>
-          </a:bodyPr>
-          <a:lstStyle/>
-          <a:p>
-            <a:r>
-              <a:rPr lang="en-US" sz="4800" dirty="0" err="1"/>
-              <a:t>Tabelas</a:t>
-            </a:r>
-            <a:r>
-              <a:rPr lang="en-US" sz="4800" dirty="0"/>
-              <a:t> e </a:t>
-            </a:r>
-            <a:r>
-              <a:rPr lang="en-US" sz="4800" dirty="0" err="1"/>
-              <a:t>Modelo</a:t>
-            </a:r>
-            <a:r>
-              <a:rPr lang="en-US" sz="4800" dirty="0"/>
-              <a:t> de dados </a:t>
-            </a:r>
-            <a:r>
-              <a:rPr lang="en-US" sz="4800" dirty="0" err="1"/>
-              <a:t>lógico</a:t>
-            </a:r>
-            <a:endParaRPr lang="en-US" sz="4800" dirty="0"/>
-          </a:p>
-        </p:txBody>
-      </p:sp>
-      <p:sp>
-        <p:nvSpPr>
-          <p:cNvPr id="141" name="Rectangle 140">
-            <a:extLst>
-              <a:ext uri="{FF2B5EF4-FFF2-40B4-BE49-F238E27FC236}">
-                <a16:creationId xmlns:a16="http://schemas.microsoft.com/office/drawing/2014/main" id="{AF2F604E-43BE-4DC3-B983-E071523364F8}"/>
+          <p:cNvPr id="18" name="Rectangle 17">
+            <a:extLst>
+              <a:ext uri="{FF2B5EF4-FFF2-40B4-BE49-F238E27FC236}">
+                <a16:creationId xmlns:a16="http://schemas.microsoft.com/office/drawing/2014/main" id="{0ADDB668-2CA4-4D2B-9C34-3487CA330BA8}"/>
               </a:ext>
               <a:ext uri="{C183D7F6-B498-43B3-948B-1728B52AA6E4}">
                 <adec:decorative xmlns:adec="http://schemas.microsoft.com/office/drawing/2017/decorative" val="1"/>
@@ -14116,19 +15730,28 @@
           </p:nvPr>
         </p:nvSpPr>
         <p:spPr>
-          <a:xfrm rot="5400000">
-            <a:off x="8130540" y="346791"/>
-            <a:ext cx="146304" cy="704088"/>
+          <a:xfrm>
+            <a:off x="551553" y="4716089"/>
+            <a:ext cx="6288261" cy="1573149"/>
           </a:xfrm>
           <a:prstGeom prst="rect">
             <a:avLst/>
           </a:prstGeom>
           <a:solidFill>
-            <a:schemeClr val="accent1"/>
+            <a:schemeClr val="tx1">
+              <a:alpha val="30000"/>
+            </a:schemeClr>
           </a:solidFill>
-          <a:ln>
+          <a:ln w="12700">
             <a:noFill/>
           </a:ln>
+          <a:effectLst>
+            <a:outerShdw blurRad="50800" dist="50800" dir="2700000" algn="tl" rotWithShape="0">
+              <a:prstClr val="black">
+                <a:alpha val="25000"/>
+              </a:prstClr>
+            </a:outerShdw>
+          </a:effectLst>
         </p:spPr>
         <p:style>
           <a:lnRef idx="2">
@@ -14186,10 +15809,49 @@
       </p:sp>
       <p:sp>
         <p:nvSpPr>
-          <p:cNvPr id="143" name="Rectangle 142">
-            <a:extLst>
-              <a:ext uri="{FF2B5EF4-FFF2-40B4-BE49-F238E27FC236}">
-                <a16:creationId xmlns:a16="http://schemas.microsoft.com/office/drawing/2014/main" id="{08C9B587-E65E-4B52-B37C-ABEBB6E87928}"/>
+          <p:cNvPr id="2" name="Título 1">
+            <a:extLst>
+              <a:ext uri="{FF2B5EF4-FFF2-40B4-BE49-F238E27FC236}">
+                <a16:creationId xmlns:a16="http://schemas.microsoft.com/office/drawing/2014/main" id="{B0F311DC-5365-43A0-A5F3-42A685E89B2C}"/>
+              </a:ext>
+            </a:extLst>
+          </p:cNvPr>
+          <p:cNvSpPr>
+            <a:spLocks noGrp="1"/>
+          </p:cNvSpPr>
+          <p:nvPr>
+            <p:ph type="title"/>
+          </p:nvPr>
+        </p:nvSpPr>
+        <p:spPr>
+          <a:xfrm>
+            <a:off x="856210" y="4909985"/>
+            <a:ext cx="3212386" cy="1185353"/>
+          </a:xfrm>
+        </p:spPr>
+        <p:txBody>
+          <a:bodyPr vert="horz" lIns="91440" tIns="45720" rIns="91440" bIns="45720" rtlCol="0" anchor="ctr">
+            <a:noAutofit/>
+          </a:bodyPr>
+          <a:lstStyle/>
+          <a:p>
+            <a:r>
+              <a:rPr lang="en-US" dirty="0">
+                <a:solidFill>
+                  <a:schemeClr val="bg1"/>
+                </a:solidFill>
+              </a:rPr>
+              <a:t>Site institucional</a:t>
+            </a:r>
+          </a:p>
+        </p:txBody>
+      </p:sp>
+      <p:sp>
+        <p:nvSpPr>
+          <p:cNvPr id="25" name="Rectangle 19">
+            <a:extLst>
+              <a:ext uri="{FF2B5EF4-FFF2-40B4-BE49-F238E27FC236}">
+                <a16:creationId xmlns:a16="http://schemas.microsoft.com/office/drawing/2014/main" id="{2568BC19-F052-4108-93E1-6A3D1DEC072F}"/>
               </a:ext>
               <a:ext uri="{C183D7F6-B498-43B3-948B-1728B52AA6E4}">
                 <adec:decorative xmlns:adec="http://schemas.microsoft.com/office/drawing/2017/decorative" val="1"/>
@@ -14209,22 +15871,18 @@
         </p:nvSpPr>
         <p:spPr>
           <a:xfrm>
-            <a:off x="7851648" y="4546920"/>
-            <a:ext cx="4023360" cy="18288"/>
+            <a:off x="494784" y="5175711"/>
+            <a:ext cx="128016" cy="653903"/>
           </a:xfrm>
           <a:prstGeom prst="rect">
             <a:avLst/>
           </a:prstGeom>
           <a:solidFill>
-            <a:schemeClr val="tx2">
-              <a:lumMod val="25000"/>
-              <a:lumOff val="75000"/>
-            </a:schemeClr>
+            <a:schemeClr val="accent1"/>
           </a:solidFill>
-          <a:ln w="3175">
+          <a:ln>
             <a:noFill/>
           </a:ln>
-          <a:effectLst/>
         </p:spPr>
         <p:style>
           <a:lnRef idx="2">
@@ -14280,57 +15938,106 @@
           </a:p>
         </p:txBody>
       </p:sp>
-      <p:pic>
-        <p:nvPicPr>
-          <p:cNvPr id="4100" name="Picture 4">
-            <a:extLst>
-              <a:ext uri="{FF2B5EF4-FFF2-40B4-BE49-F238E27FC236}">
-                <a16:creationId xmlns:a16="http://schemas.microsoft.com/office/drawing/2014/main" id="{F7CE0FC0-3B26-4B0C-B62C-271CAB0A4A96}"/>
-              </a:ext>
-            </a:extLst>
-          </p:cNvPr>
-          <p:cNvPicPr>
-            <a:picLocks noChangeAspect="1" noChangeArrowheads="1"/>
-          </p:cNvPicPr>
-          <p:nvPr/>
-        </p:nvPicPr>
-        <p:blipFill>
-          <a:blip r:embed="rId2">
-            <a:extLst>
-              <a:ext uri="{28A0092B-C50C-407E-A947-70E740481C1C}">
-                <a14:useLocalDpi xmlns:a14="http://schemas.microsoft.com/office/drawing/2010/main" val="0"/>
-              </a:ext>
-            </a:extLst>
-          </a:blip>
-          <a:srcRect/>
-          <a:stretch>
-            <a:fillRect/>
-          </a:stretch>
-        </p:blipFill>
-        <p:spPr bwMode="auto">
-          <a:xfrm>
-            <a:off x="316992" y="361739"/>
-            <a:ext cx="7125049" cy="6134521"/>
+      <p:sp>
+        <p:nvSpPr>
+          <p:cNvPr id="26" name="Rectangle 21">
+            <a:extLst>
+              <a:ext uri="{FF2B5EF4-FFF2-40B4-BE49-F238E27FC236}">
+                <a16:creationId xmlns:a16="http://schemas.microsoft.com/office/drawing/2014/main" id="{D5FD337D-4D6B-4C8B-B6F5-121097E09881}"/>
+              </a:ext>
+              <a:ext uri="{C183D7F6-B498-43B3-948B-1728B52AA6E4}">
+                <adec:decorative xmlns:adec="http://schemas.microsoft.com/office/drawing/2017/decorative" val="1"/>
+              </a:ext>
+            </a:extLst>
+          </p:cNvPr>
+          <p:cNvSpPr>
+            <a:spLocks noGrp="1" noRot="1" noChangeAspect="1" noMove="1" noResize="1" noEditPoints="1" noAdjustHandles="1" noChangeArrowheads="1" noChangeShapeType="1" noTextEdit="1"/>
+          </p:cNvSpPr>
+          <p:nvPr>
+            <p:extLst>
+              <p:ext uri="{386F3935-93C4-4BCD-93E2-E3B085C9AB24}">
+                <p16:designElem xmlns:p16="http://schemas.microsoft.com/office/powerpoint/2015/main" val="1"/>
+              </p:ext>
+            </p:extLst>
+          </p:nvPr>
+        </p:nvSpPr>
+        <p:spPr>
+          <a:xfrm rot="5400000">
+            <a:off x="3728936" y="5498088"/>
+            <a:ext cx="1021458" cy="9144"/>
           </a:xfrm>
           <a:prstGeom prst="rect">
             <a:avLst/>
           </a:prstGeom>
-          <a:noFill/>
-          <a:extLst>
-            <a:ext uri="{909E8E84-426E-40DD-AFC4-6F175D3DCCD1}">
-              <a14:hiddenFill xmlns:a14="http://schemas.microsoft.com/office/drawing/2010/main">
-                <a:solidFill>
-                  <a:srgbClr val="FFFFFF"/>
-                </a:solidFill>
-              </a14:hiddenFill>
-            </a:ext>
-          </a:extLst>
-        </p:spPr>
-      </p:pic>
+          <a:solidFill>
+            <a:schemeClr val="tx2">
+              <a:lumMod val="25000"/>
+              <a:lumOff val="75000"/>
+            </a:schemeClr>
+          </a:solidFill>
+          <a:ln w="3175">
+            <a:noFill/>
+          </a:ln>
+          <a:effectLst/>
+        </p:spPr>
+        <p:style>
+          <a:lnRef idx="2">
+            <a:schemeClr val="accent1">
+              <a:shade val="50000"/>
+            </a:schemeClr>
+          </a:lnRef>
+          <a:fillRef idx="1">
+            <a:schemeClr val="accent1"/>
+          </a:fillRef>
+          <a:effectRef idx="0">
+            <a:schemeClr val="accent1"/>
+          </a:effectRef>
+          <a:fontRef idx="minor">
+            <a:schemeClr val="lt1"/>
+          </a:fontRef>
+        </p:style>
+        <p:txBody>
+          <a:bodyPr rtlCol="0" anchor="ctr"/>
+          <a:lstStyle/>
+          <a:p>
+            <a:pPr marL="0" marR="0" lvl="0" indent="0" algn="ctr" defTabSz="914400" rtl="0" eaLnBrk="1" fontAlgn="auto" latinLnBrk="0" hangingPunct="1">
+              <a:lnSpc>
+                <a:spcPct val="100000"/>
+              </a:lnSpc>
+              <a:spcBef>
+                <a:spcPts val="0"/>
+              </a:spcBef>
+              <a:spcAft>
+                <a:spcPts val="0"/>
+              </a:spcAft>
+              <a:buClrTx/>
+              <a:buSzTx/>
+              <a:buFontTx/>
+              <a:buNone/>
+              <a:tabLst/>
+              <a:defRPr/>
+            </a:pPr>
+            <a:endParaRPr kumimoji="0" lang="en-US" sz="1800" b="0" i="0" u="none" strike="noStrike" kern="1200" cap="none" spc="0" normalizeH="0" baseline="0" noProof="0">
+              <a:ln>
+                <a:noFill/>
+              </a:ln>
+              <a:solidFill>
+                <a:prstClr val="white"/>
+              </a:solidFill>
+              <a:effectLst/>
+              <a:uLnTx/>
+              <a:uFillTx/>
+              <a:latin typeface="Calibri" panose="020F0502020204030204"/>
+              <a:ea typeface="+mn-ea"/>
+              <a:cs typeface="+mn-cs"/>
+            </a:endParaRPr>
+          </a:p>
+        </p:txBody>
+      </p:sp>
     </p:spTree>
     <p:extLst>
       <p:ext uri="{BB962C8B-B14F-4D97-AF65-F5344CB8AC3E}">
-        <p14:creationId xmlns:p14="http://schemas.microsoft.com/office/powerpoint/2010/main" val="1177584131"/>
+        <p14:creationId xmlns:p14="http://schemas.microsoft.com/office/powerpoint/2010/main" val="4135889151"/>
       </p:ext>
     </p:extLst>
   </p:cSld>
@@ -14367,7 +16074,7 @@
       </p:grpSpPr>
       <p:sp>
         <p:nvSpPr>
-          <p:cNvPr id="71" name="Rectangle 70">
+          <p:cNvPr id="135" name="Rectangle 134">
             <a:extLst>
               <a:ext uri="{FF2B5EF4-FFF2-40B4-BE49-F238E27FC236}">
                 <a16:creationId xmlns:a16="http://schemas.microsoft.com/office/drawing/2014/main" id="{8D06CE56-3881-4ADA-8CEF-D18B02C242A3}"/>
@@ -14459,7 +16166,7 @@
       </p:sp>
       <p:sp>
         <p:nvSpPr>
-          <p:cNvPr id="73" name="Rectangle 72">
+          <p:cNvPr id="137" name="Rectangle 136">
             <a:extLst>
               <a:ext uri="{FF2B5EF4-FFF2-40B4-BE49-F238E27FC236}">
                 <a16:creationId xmlns:a16="http://schemas.microsoft.com/office/drawing/2014/main" id="{79F3C543-62EC-4433-9C93-A2CD8764E9B4}"/>
@@ -14555,10 +16262,10 @@
       </p:sp>
       <p:sp useBgFill="1">
         <p:nvSpPr>
-          <p:cNvPr id="75" name="Rectangle 74">
-            <a:extLst>
-              <a:ext uri="{FF2B5EF4-FFF2-40B4-BE49-F238E27FC236}">
-                <a16:creationId xmlns:a16="http://schemas.microsoft.com/office/drawing/2014/main" id="{88263A24-0C1F-4677-B43C-4AE14E276B27}"/>
+          <p:cNvPr id="139" name="Rectangle 138">
+            <a:extLst>
+              <a:ext uri="{FF2B5EF4-FFF2-40B4-BE49-F238E27FC236}">
+                <a16:creationId xmlns:a16="http://schemas.microsoft.com/office/drawing/2014/main" id="{16F48AD3-C8B3-4F74-B546-F12937F7DD9F}"/>
               </a:ext>
               <a:ext uri="{C183D7F6-B498-43B3-948B-1728B52AA6E4}">
                 <adec:decorative xmlns:adec="http://schemas.microsoft.com/office/drawing/2017/decorative" val="1"/>
@@ -14613,12 +16320,64 @@
           </a:p>
         </p:txBody>
       </p:sp>
-      <p:sp useBgFill="1">
-        <p:nvSpPr>
-          <p:cNvPr id="77" name="Rectangle 76">
-            <a:extLst>
-              <a:ext uri="{FF2B5EF4-FFF2-40B4-BE49-F238E27FC236}">
-                <a16:creationId xmlns:a16="http://schemas.microsoft.com/office/drawing/2014/main" id="{0ADDB668-2CA4-4D2B-9C34-3487CA330BA8}"/>
+      <p:sp>
+        <p:nvSpPr>
+          <p:cNvPr id="2" name="Título 1">
+            <a:extLst>
+              <a:ext uri="{FF2B5EF4-FFF2-40B4-BE49-F238E27FC236}">
+                <a16:creationId xmlns:a16="http://schemas.microsoft.com/office/drawing/2014/main" id="{4D6A9D45-3EC6-4E23-9B58-172E5A05D038}"/>
+              </a:ext>
+            </a:extLst>
+          </p:cNvPr>
+          <p:cNvSpPr>
+            <a:spLocks noGrp="1"/>
+          </p:cNvSpPr>
+          <p:nvPr>
+            <p:ph type="title"/>
+          </p:nvPr>
+        </p:nvSpPr>
+        <p:spPr>
+          <a:xfrm>
+            <a:off x="7848600" y="1122363"/>
+            <a:ext cx="4023360" cy="3204134"/>
+          </a:xfrm>
+        </p:spPr>
+        <p:txBody>
+          <a:bodyPr vert="horz" lIns="91440" tIns="45720" rIns="91440" bIns="45720" rtlCol="0" anchor="b">
+            <a:normAutofit/>
+          </a:bodyPr>
+          <a:lstStyle/>
+          <a:p>
+            <a:r>
+              <a:rPr lang="en-US" sz="4800" dirty="0" err="1"/>
+              <a:t>Tabelas</a:t>
+            </a:r>
+            <a:r>
+              <a:rPr lang="en-US" sz="4800" dirty="0"/>
+              <a:t> e </a:t>
+            </a:r>
+            <a:r>
+              <a:rPr lang="en-US" sz="4800" dirty="0" err="1"/>
+              <a:t>Modelo</a:t>
+            </a:r>
+            <a:r>
+              <a:rPr lang="en-US" sz="4800" dirty="0"/>
+              <a:t> de dados </a:t>
+            </a:r>
+            <a:r>
+              <a:rPr lang="en-US" sz="4800" dirty="0" err="1"/>
+              <a:t>lógico</a:t>
+            </a:r>
+            <a:endParaRPr lang="en-US" sz="4800" dirty="0"/>
+          </a:p>
+        </p:txBody>
+      </p:sp>
+      <p:sp>
+        <p:nvSpPr>
+          <p:cNvPr id="141" name="Rectangle 140">
+            <a:extLst>
+              <a:ext uri="{FF2B5EF4-FFF2-40B4-BE49-F238E27FC236}">
+                <a16:creationId xmlns:a16="http://schemas.microsoft.com/office/drawing/2014/main" id="{AF2F604E-43BE-4DC3-B983-E071523364F8}"/>
               </a:ext>
               <a:ext uri="{C183D7F6-B498-43B3-948B-1728B52AA6E4}">
                 <adec:decorative xmlns:adec="http://schemas.microsoft.com/office/drawing/2017/decorative" val="1"/>
@@ -14637,29 +16396,19 @@
           </p:nvPr>
         </p:nvSpPr>
         <p:spPr>
-          <a:xfrm>
-            <a:off x="551553" y="304802"/>
-            <a:ext cx="11097349" cy="1573149"/>
+          <a:xfrm rot="5400000">
+            <a:off x="8130540" y="346791"/>
+            <a:ext cx="146304" cy="704088"/>
           </a:xfrm>
           <a:prstGeom prst="rect">
             <a:avLst/>
           </a:prstGeom>
-          <a:ln w="12700">
-            <a:solidFill>
-              <a:schemeClr val="tx2">
-                <a:lumMod val="10000"/>
-                <a:lumOff val="90000"/>
-              </a:schemeClr>
-            </a:solidFill>
+          <a:solidFill>
+            <a:schemeClr val="accent1"/>
+          </a:solidFill>
+          <a:ln>
+            <a:noFill/>
           </a:ln>
-          <a:effectLst>
-            <a:outerShdw blurRad="50800" dist="38100" dir="2700000" algn="tl" rotWithShape="0">
-              <a:schemeClr val="bg2">
-                <a:lumMod val="85000"/>
-                <a:alpha val="30000"/>
-              </a:schemeClr>
-            </a:outerShdw>
-          </a:effectLst>
         </p:spPr>
         <p:style>
           <a:lnRef idx="2">
@@ -14717,45 +16466,10 @@
       </p:sp>
       <p:sp>
         <p:nvSpPr>
-          <p:cNvPr id="2" name="Título 1">
-            <a:extLst>
-              <a:ext uri="{FF2B5EF4-FFF2-40B4-BE49-F238E27FC236}">
-                <a16:creationId xmlns:a16="http://schemas.microsoft.com/office/drawing/2014/main" id="{EB0E980C-8218-4ADC-BF06-0EE5C2965CF1}"/>
-              </a:ext>
-            </a:extLst>
-          </p:cNvPr>
-          <p:cNvSpPr>
-            <a:spLocks noGrp="1"/>
-          </p:cNvSpPr>
-          <p:nvPr>
-            <p:ph type="title"/>
-          </p:nvPr>
-        </p:nvSpPr>
-        <p:spPr>
-          <a:xfrm>
-            <a:off x="868680" y="405575"/>
-            <a:ext cx="5001768" cy="1371600"/>
-          </a:xfrm>
-        </p:spPr>
-        <p:txBody>
-          <a:bodyPr vert="horz" lIns="91440" tIns="45720" rIns="91440" bIns="45720" rtlCol="0" anchor="ctr">
-            <a:normAutofit/>
-          </a:bodyPr>
-          <a:lstStyle/>
-          <a:p>
-            <a:r>
-              <a:rPr lang="en-US" sz="3300"/>
-              <a:t>Demonstração do Simulador de Sensores</a:t>
-            </a:r>
-          </a:p>
-        </p:txBody>
-      </p:sp>
-      <p:sp>
-        <p:nvSpPr>
-          <p:cNvPr id="79" name="Rectangle 78">
-            <a:extLst>
-              <a:ext uri="{FF2B5EF4-FFF2-40B4-BE49-F238E27FC236}">
-                <a16:creationId xmlns:a16="http://schemas.microsoft.com/office/drawing/2014/main" id="{2568BC19-F052-4108-93E1-6A3D1DEC072F}"/>
+          <p:cNvPr id="143" name="Rectangle 142">
+            <a:extLst>
+              <a:ext uri="{FF2B5EF4-FFF2-40B4-BE49-F238E27FC236}">
+                <a16:creationId xmlns:a16="http://schemas.microsoft.com/office/drawing/2014/main" id="{08C9B587-E65E-4B52-B37C-ABEBB6E87928}"/>
               </a:ext>
               <a:ext uri="{C183D7F6-B498-43B3-948B-1728B52AA6E4}">
                 <adec:decorative xmlns:adec="http://schemas.microsoft.com/office/drawing/2017/decorative" val="1"/>
@@ -14775,18 +16489,22 @@
         </p:nvSpPr>
         <p:spPr>
           <a:xfrm>
-            <a:off x="494784" y="764424"/>
-            <a:ext cx="128016" cy="653903"/>
+            <a:off x="7851648" y="4546920"/>
+            <a:ext cx="4023360" cy="18288"/>
           </a:xfrm>
           <a:prstGeom prst="rect">
             <a:avLst/>
           </a:prstGeom>
           <a:solidFill>
-            <a:schemeClr val="accent1"/>
+            <a:schemeClr val="tx2">
+              <a:lumMod val="25000"/>
+              <a:lumOff val="75000"/>
+            </a:schemeClr>
           </a:solidFill>
-          <a:ln>
+          <a:ln w="3175">
             <a:noFill/>
           </a:ln>
+          <a:effectLst/>
         </p:spPr>
         <p:style>
           <a:lnRef idx="2">
@@ -14842,138 +16560,12 @@
           </a:p>
         </p:txBody>
       </p:sp>
-      <p:sp>
-        <p:nvSpPr>
-          <p:cNvPr id="81" name="Rectangle 80">
-            <a:extLst>
-              <a:ext uri="{FF2B5EF4-FFF2-40B4-BE49-F238E27FC236}">
-                <a16:creationId xmlns:a16="http://schemas.microsoft.com/office/drawing/2014/main" id="{D5FD337D-4D6B-4C8B-B6F5-121097E09881}"/>
-              </a:ext>
-              <a:ext uri="{C183D7F6-B498-43B3-948B-1728B52AA6E4}">
-                <adec:decorative xmlns:adec="http://schemas.microsoft.com/office/drawing/2017/decorative" val="1"/>
-              </a:ext>
-            </a:extLst>
-          </p:cNvPr>
-          <p:cNvSpPr>
-            <a:spLocks noGrp="1" noRot="1" noChangeAspect="1" noMove="1" noResize="1" noEditPoints="1" noAdjustHandles="1" noChangeArrowheads="1" noChangeShapeType="1" noTextEdit="1"/>
-          </p:cNvSpPr>
-          <p:nvPr>
-            <p:extLst>
-              <p:ext uri="{386F3935-93C4-4BCD-93E2-E3B085C9AB24}">
-                <p16:designElem xmlns:p16="http://schemas.microsoft.com/office/powerpoint/2015/main" val="1"/>
-              </p:ext>
-            </p:extLst>
-          </p:nvPr>
-        </p:nvSpPr>
-        <p:spPr>
-          <a:xfrm rot="5400000">
-            <a:off x="5586984" y="1071836"/>
-            <a:ext cx="1021458" cy="9144"/>
-          </a:xfrm>
-          <a:prstGeom prst="rect">
-            <a:avLst/>
-          </a:prstGeom>
-          <a:solidFill>
-            <a:schemeClr val="tx2">
-              <a:lumMod val="25000"/>
-              <a:lumOff val="75000"/>
-            </a:schemeClr>
-          </a:solidFill>
-          <a:ln w="3175">
-            <a:noFill/>
-          </a:ln>
-          <a:effectLst/>
-        </p:spPr>
-        <p:style>
-          <a:lnRef idx="2">
-            <a:schemeClr val="accent1">
-              <a:shade val="50000"/>
-            </a:schemeClr>
-          </a:lnRef>
-          <a:fillRef idx="1">
-            <a:schemeClr val="accent1"/>
-          </a:fillRef>
-          <a:effectRef idx="0">
-            <a:schemeClr val="accent1"/>
-          </a:effectRef>
-          <a:fontRef idx="minor">
-            <a:schemeClr val="lt1"/>
-          </a:fontRef>
-        </p:style>
-        <p:txBody>
-          <a:bodyPr rtlCol="0" anchor="ctr"/>
-          <a:lstStyle/>
-          <a:p>
-            <a:pPr marL="0" marR="0" lvl="0" indent="0" algn="ctr" defTabSz="914400" rtl="0" eaLnBrk="1" fontAlgn="auto" latinLnBrk="0" hangingPunct="1">
-              <a:lnSpc>
-                <a:spcPct val="100000"/>
-              </a:lnSpc>
-              <a:spcBef>
-                <a:spcPts val="0"/>
-              </a:spcBef>
-              <a:spcAft>
-                <a:spcPts val="0"/>
-              </a:spcAft>
-              <a:buClrTx/>
-              <a:buSzTx/>
-              <a:buFontTx/>
-              <a:buNone/>
-              <a:tabLst/>
-              <a:defRPr/>
-            </a:pPr>
-            <a:endParaRPr kumimoji="0" lang="en-US" sz="1800" b="0" i="0" u="none" strike="noStrike" kern="1200" cap="none" spc="0" normalizeH="0" baseline="0" noProof="0">
-              <a:ln>
-                <a:noFill/>
-              </a:ln>
-              <a:solidFill>
-                <a:prstClr val="white"/>
-              </a:solidFill>
-              <a:effectLst/>
-              <a:uLnTx/>
-              <a:uFillTx/>
-              <a:latin typeface="Calibri" panose="020F0502020204030204"/>
-              <a:ea typeface="+mn-ea"/>
-              <a:cs typeface="+mn-cs"/>
-            </a:endParaRPr>
-          </a:p>
-        </p:txBody>
-      </p:sp>
       <p:pic>
         <p:nvPicPr>
-          <p:cNvPr id="3" name="Imagem 2">
-            <a:extLst>
-              <a:ext uri="{FF2B5EF4-FFF2-40B4-BE49-F238E27FC236}">
-                <a16:creationId xmlns:a16="http://schemas.microsoft.com/office/drawing/2014/main" id="{A6339E73-D319-41E8-8976-284CFEFF7673}"/>
-              </a:ext>
-            </a:extLst>
-          </p:cNvPr>
-          <p:cNvPicPr>
-            <a:picLocks noChangeAspect="1"/>
-          </p:cNvPicPr>
-          <p:nvPr/>
-        </p:nvPicPr>
-        <p:blipFill>
-          <a:blip r:embed="rId2"/>
-          <a:stretch>
-            <a:fillRect/>
-          </a:stretch>
-        </p:blipFill>
-        <p:spPr>
-          <a:xfrm>
-            <a:off x="1020003" y="2190991"/>
-            <a:ext cx="10146276" cy="4261434"/>
-          </a:xfrm>
-          <a:prstGeom prst="rect">
-            <a:avLst/>
-          </a:prstGeom>
-        </p:spPr>
-      </p:pic>
-      <p:pic>
-        <p:nvPicPr>
-          <p:cNvPr id="1032" name="Picture 8" descr="Conhecendo o Node.js. Vamos entender como funciona o processo… | by Thiago  S. Adriano | Medium">
-            <a:extLst>
-              <a:ext uri="{FF2B5EF4-FFF2-40B4-BE49-F238E27FC236}">
-                <a16:creationId xmlns:a16="http://schemas.microsoft.com/office/drawing/2014/main" id="{0900931A-310A-47D5-8950-EE34270360B3}"/>
+          <p:cNvPr id="4100" name="Picture 4">
+            <a:extLst>
+              <a:ext uri="{FF2B5EF4-FFF2-40B4-BE49-F238E27FC236}">
+                <a16:creationId xmlns:a16="http://schemas.microsoft.com/office/drawing/2014/main" id="{F7CE0FC0-3B26-4B0C-B62C-271CAB0A4A96}"/>
               </a:ext>
             </a:extLst>
           </p:cNvPr>
@@ -14983,7 +16575,7 @@
           <p:nvPr/>
         </p:nvPicPr>
         <p:blipFill>
-          <a:blip r:embed="rId3">
+          <a:blip r:embed="rId2">
             <a:extLst>
               <a:ext uri="{28A0092B-C50C-407E-A947-70E740481C1C}">
                 <a14:useLocalDpi xmlns:a14="http://schemas.microsoft.com/office/drawing/2010/main" val="0"/>
@@ -14997,8 +16589,8 @@
         </p:blipFill>
         <p:spPr bwMode="auto">
           <a:xfrm>
-            <a:off x="6196003" y="-322791"/>
-            <a:ext cx="5359180" cy="2679590"/>
+            <a:off x="316992" y="361739"/>
+            <a:ext cx="7125049" cy="6134521"/>
           </a:xfrm>
           <a:prstGeom prst="rect">
             <a:avLst/>
@@ -15018,7 +16610,7 @@
     </p:spTree>
     <p:extLst>
       <p:ext uri="{BB962C8B-B14F-4D97-AF65-F5344CB8AC3E}">
-        <p14:creationId xmlns:p14="http://schemas.microsoft.com/office/powerpoint/2010/main" val="1946765205"/>
+        <p14:creationId xmlns:p14="http://schemas.microsoft.com/office/powerpoint/2010/main" val="1177584131"/>
       </p:ext>
     </p:extLst>
   </p:cSld>

--- a/documentacao/Slides/Apresentação.pptx
+++ b/documentacao/Slides/Apresentação.pptx
@@ -282,7 +282,7 @@
           <a:p>
             <a:fld id="{02AC24A9-CCB6-4F8D-B8DB-C2F3692CFA5A}" type="datetimeFigureOut">
               <a:rPr lang="en-US" smtClean="0"/>
-              <a:t>12/6/2020</a:t>
+              <a:t>12/9/2020</a:t>
             </a:fld>
             <a:endParaRPr lang="en-US" dirty="0"/>
           </a:p>
@@ -652,7 +652,7 @@
           <a:p>
             <a:fld id="{02AC24A9-CCB6-4F8D-B8DB-C2F3692CFA5A}" type="datetimeFigureOut">
               <a:rPr lang="en-US" smtClean="0"/>
-              <a:t>12/6/2020</a:t>
+              <a:t>12/9/2020</a:t>
             </a:fld>
             <a:endParaRPr lang="en-US"/>
           </a:p>
@@ -861,7 +861,7 @@
           <a:p>
             <a:fld id="{02AC24A9-CCB6-4F8D-B8DB-C2F3692CFA5A}" type="datetimeFigureOut">
               <a:rPr lang="en-US" smtClean="0"/>
-              <a:t>12/6/2020</a:t>
+              <a:t>12/9/2020</a:t>
             </a:fld>
             <a:endParaRPr lang="en-US"/>
           </a:p>
@@ -1331,7 +1331,7 @@
           <a:p>
             <a:fld id="{02AC24A9-CCB6-4F8D-B8DB-C2F3692CFA5A}" type="datetimeFigureOut">
               <a:rPr lang="en-US" smtClean="0"/>
-              <a:t>12/6/2020</a:t>
+              <a:t>12/9/2020</a:t>
             </a:fld>
             <a:endParaRPr lang="en-US"/>
           </a:p>
@@ -1785,7 +1785,7 @@
           <a:p>
             <a:fld id="{02AC24A9-CCB6-4F8D-B8DB-C2F3692CFA5A}" type="datetimeFigureOut">
               <a:rPr lang="en-US" smtClean="0"/>
-              <a:t>12/6/2020</a:t>
+              <a:t>12/9/2020</a:t>
             </a:fld>
             <a:endParaRPr lang="en-US"/>
           </a:p>
@@ -2317,7 +2317,7 @@
           <a:p>
             <a:fld id="{02AC24A9-CCB6-4F8D-B8DB-C2F3692CFA5A}" type="datetimeFigureOut">
               <a:rPr lang="en-US" smtClean="0"/>
-              <a:t>12/6/2020</a:t>
+              <a:t>12/9/2020</a:t>
             </a:fld>
             <a:endParaRPr lang="en-US"/>
           </a:p>
@@ -3016,7 +3016,7 @@
           <a:p>
             <a:fld id="{02AC24A9-CCB6-4F8D-B8DB-C2F3692CFA5A}" type="datetimeFigureOut">
               <a:rPr lang="en-US" smtClean="0"/>
-              <a:t>12/6/2020</a:t>
+              <a:t>12/9/2020</a:t>
             </a:fld>
             <a:endParaRPr lang="en-US"/>
           </a:p>
@@ -3345,7 +3345,7 @@
           <a:p>
             <a:fld id="{02AC24A9-CCB6-4F8D-B8DB-C2F3692CFA5A}" type="datetimeFigureOut">
               <a:rPr lang="en-US" smtClean="0"/>
-              <a:t>12/6/2020</a:t>
+              <a:t>12/9/2020</a:t>
             </a:fld>
             <a:endParaRPr lang="en-US"/>
           </a:p>
@@ -3458,7 +3458,7 @@
           <a:p>
             <a:fld id="{02AC24A9-CCB6-4F8D-B8DB-C2F3692CFA5A}" type="datetimeFigureOut">
               <a:rPr lang="en-US" smtClean="0"/>
-              <a:t>12/6/2020</a:t>
+              <a:t>12/9/2020</a:t>
             </a:fld>
             <a:endParaRPr lang="en-US"/>
           </a:p>
@@ -3953,7 +3953,7 @@
           <a:p>
             <a:fld id="{02AC24A9-CCB6-4F8D-B8DB-C2F3692CFA5A}" type="datetimeFigureOut">
               <a:rPr lang="en-US" smtClean="0"/>
-              <a:t>12/6/2020</a:t>
+              <a:t>12/9/2020</a:t>
             </a:fld>
             <a:endParaRPr lang="en-US" dirty="0"/>
           </a:p>
@@ -4430,7 +4430,7 @@
           <a:p>
             <a:fld id="{02AC24A9-CCB6-4F8D-B8DB-C2F3692CFA5A}" type="datetimeFigureOut">
               <a:rPr lang="en-US" smtClean="0"/>
-              <a:t>12/6/2020</a:t>
+              <a:t>12/9/2020</a:t>
             </a:fld>
             <a:endParaRPr lang="en-US"/>
           </a:p>
@@ -4673,7 +4673,7 @@
           <a:p>
             <a:fld id="{02AC24A9-CCB6-4F8D-B8DB-C2F3692CFA5A}" type="datetimeFigureOut">
               <a:rPr lang="en-US" smtClean="0"/>
-              <a:t>12/6/2020</a:t>
+              <a:t>12/9/2020</a:t>
             </a:fld>
             <a:endParaRPr lang="en-US"/>
           </a:p>
@@ -12449,7 +12449,7 @@
     <p:bg>
       <p:bgPr>
         <a:solidFill>
-          <a:srgbClr val="66CDAA"/>
+          <a:schemeClr val="bg1"/>
         </a:solidFill>
         <a:effectLst/>
       </p:bgPr>
@@ -12482,14 +12482,14 @@
         </p:nvSpPr>
         <p:spPr>
           <a:xfrm>
-            <a:off x="2376309" y="1070743"/>
-            <a:ext cx="7497363" cy="1984420"/>
+            <a:off x="2376309" y="1062579"/>
+            <a:ext cx="7497363" cy="2013840"/>
           </a:xfrm>
           <a:prstGeom prst="rect">
             <a:avLst/>
           </a:prstGeom>
           <a:solidFill>
-            <a:srgbClr val="FFFF00"/>
+            <a:srgbClr val="66CDAA"/>
           </a:solidFill>
           <a:ln>
             <a:solidFill>
@@ -12577,14 +12577,14 @@
         </p:nvSpPr>
         <p:spPr>
           <a:xfrm>
-            <a:off x="93939" y="3428832"/>
-            <a:ext cx="5077563" cy="2703853"/>
+            <a:off x="93939" y="3203729"/>
+            <a:ext cx="5077563" cy="3334377"/>
           </a:xfrm>
           <a:prstGeom prst="rect">
             <a:avLst/>
           </a:prstGeom>
           <a:solidFill>
-            <a:srgbClr val="FFFF00"/>
+            <a:srgbClr val="66CDAA"/>
           </a:solidFill>
           <a:ln>
             <a:solidFill>
@@ -12643,7 +12643,7 @@
             <a:avLst/>
           </a:prstGeom>
           <a:solidFill>
-            <a:srgbClr val="FFFF00"/>
+            <a:srgbClr val="66CDAA"/>
           </a:solidFill>
           <a:ln>
             <a:solidFill>
@@ -12797,7 +12797,7 @@
             <a:r>
               <a:rPr lang="pt-BR" sz="4000" b="1" dirty="0">
                 <a:solidFill>
-                  <a:schemeClr val="bg1"/>
+                  <a:srgbClr val="66CDAA"/>
                 </a:solidFill>
               </a:rPr>
               <a:t>Desenho de solução</a:t>
@@ -12827,7 +12827,7 @@
         </p:blipFill>
         <p:spPr>
           <a:xfrm>
-            <a:off x="122384" y="3710331"/>
+            <a:off x="74975" y="3664826"/>
             <a:ext cx="2182532" cy="2153127"/>
           </a:xfrm>
           <a:prstGeom prst="rect">
@@ -12857,8 +12857,8 @@
         </p:blipFill>
         <p:spPr>
           <a:xfrm>
-            <a:off x="3000626" y="3403712"/>
-            <a:ext cx="872302" cy="1024605"/>
+            <a:off x="2870356" y="3228168"/>
+            <a:ext cx="671682" cy="788956"/>
           </a:xfrm>
           <a:prstGeom prst="rect">
             <a:avLst/>
@@ -12887,7 +12887,7 @@
         </p:blipFill>
         <p:spPr>
           <a:xfrm>
-            <a:off x="5843813" y="5584466"/>
+            <a:off x="5843813" y="5690604"/>
             <a:ext cx="794716" cy="782706"/>
           </a:xfrm>
           <a:prstGeom prst="rect">
@@ -13029,7 +13029,7 @@
         </p:nvSpPr>
         <p:spPr>
           <a:xfrm>
-            <a:off x="5672493" y="6322672"/>
+            <a:off x="5652671" y="6427113"/>
             <a:ext cx="1151590" cy="430887"/>
           </a:xfrm>
           <a:prstGeom prst="rect">
@@ -13071,9 +13071,9 @@
           <p:nvPr/>
         </p:nvCxnSpPr>
         <p:spPr>
-          <a:xfrm>
-            <a:off x="5512732" y="5852307"/>
-            <a:ext cx="518613" cy="0"/>
+          <a:xfrm flipV="1">
+            <a:off x="5332639" y="6386625"/>
+            <a:ext cx="643618" cy="1401"/>
           </a:xfrm>
           <a:prstGeom prst="straightConnector1">
             <a:avLst/>
@@ -13114,7 +13114,7 @@
         </p:nvSpPr>
         <p:spPr>
           <a:xfrm>
-            <a:off x="358337" y="3466152"/>
+            <a:off x="383604" y="3375100"/>
             <a:ext cx="1653794" cy="430887"/>
           </a:xfrm>
           <a:prstGeom prst="rect">
@@ -13171,8 +13171,8 @@
         </p:nvSpPr>
         <p:spPr>
           <a:xfrm>
-            <a:off x="2936720" y="4247405"/>
-            <a:ext cx="2102648" cy="1195590"/>
+            <a:off x="2845662" y="4850671"/>
+            <a:ext cx="2251403" cy="1195590"/>
           </a:xfrm>
           <a:prstGeom prst="rect">
             <a:avLst/>
@@ -13188,7 +13188,6 @@
           </a:bodyPr>
           <a:lstStyle/>
           <a:p>
-            <a:pPr algn="just"/>
             <a:r>
               <a:rPr lang="en-US" sz="1400" dirty="0">
                 <a:latin typeface="Arial Rounded MT Bold"/>
@@ -13199,7 +13198,6 @@
             </a:r>
           </a:p>
           <a:p>
-            <a:pPr algn="just"/>
             <a:r>
               <a:rPr lang="en-US" sz="1400" dirty="0">
                 <a:latin typeface="Arial Rounded MT Bold"/>
@@ -13209,7 +13207,6 @@
             </a:r>
           </a:p>
           <a:p>
-            <a:pPr algn="just"/>
             <a:r>
               <a:rPr lang="en-US" sz="1400" dirty="0">
                 <a:latin typeface="Arial Rounded MT Bold"/>
@@ -13235,9 +13232,9 @@
           <p:nvPr/>
         </p:nvCxnSpPr>
         <p:spPr>
-          <a:xfrm flipH="1" flipV="1">
-            <a:off x="7198985" y="5860710"/>
-            <a:ext cx="4338900" cy="8386"/>
+          <a:xfrm flipH="1">
+            <a:off x="7310840" y="6378239"/>
+            <a:ext cx="4198845" cy="0"/>
           </a:xfrm>
           <a:prstGeom prst="straightConnector1">
             <a:avLst/>
@@ -13281,7 +13278,7 @@
         <p:spPr>
           <a:xfrm>
             <a:off x="6217768" y="2820797"/>
-            <a:ext cx="23403" cy="2756023"/>
+            <a:ext cx="17191" cy="2811653"/>
           </a:xfrm>
           <a:prstGeom prst="straightConnector1">
             <a:avLst/>
@@ -13610,8 +13607,8 @@
         </p:nvCxnSpPr>
         <p:spPr>
           <a:xfrm>
-            <a:off x="8941306" y="4369214"/>
-            <a:ext cx="608072" cy="0"/>
+            <a:off x="8923564" y="4369214"/>
+            <a:ext cx="625814" cy="0"/>
           </a:xfrm>
           <a:prstGeom prst="straightConnector1">
             <a:avLst/>
@@ -13654,7 +13651,7 @@
         </p:nvCxnSpPr>
         <p:spPr>
           <a:xfrm>
-            <a:off x="6356903" y="5860710"/>
+            <a:off x="6468758" y="6378239"/>
             <a:ext cx="937107" cy="0"/>
           </a:xfrm>
           <a:prstGeom prst="straightConnector1">
@@ -13748,8 +13745,8 @@
         </p:blipFill>
         <p:spPr>
           <a:xfrm>
-            <a:off x="4078651" y="3466152"/>
-            <a:ext cx="815839" cy="891588"/>
+            <a:off x="3929169" y="3340268"/>
+            <a:ext cx="546896" cy="597674"/>
           </a:xfrm>
           <a:prstGeom prst="rect">
             <a:avLst/>
@@ -13923,7 +13920,7 @@
         </p:nvSpPr>
         <p:spPr>
           <a:xfrm>
-            <a:off x="2420486" y="1328921"/>
+            <a:off x="2420486" y="1312593"/>
             <a:ext cx="1693535" cy="1690695"/>
           </a:xfrm>
           <a:prstGeom prst="ellipse">
@@ -14244,7 +14241,7 @@
         </p:nvSpPr>
         <p:spPr>
           <a:xfrm>
-            <a:off x="8313068" y="1062374"/>
+            <a:off x="8411041" y="1062374"/>
             <a:ext cx="1202264" cy="276999"/>
           </a:xfrm>
           <a:prstGeom prst="rect">
@@ -14287,8 +14284,8 @@
         </p:nvSpPr>
         <p:spPr>
           <a:xfrm>
-            <a:off x="2928818" y="3498459"/>
-            <a:ext cx="2125741" cy="1881462"/>
+            <a:off x="2812519" y="3269152"/>
+            <a:ext cx="2284547" cy="2801970"/>
           </a:xfrm>
           <a:prstGeom prst="rect">
             <a:avLst/>
@@ -14348,7 +14345,7 @@
         </p:blipFill>
         <p:spPr>
           <a:xfrm>
-            <a:off x="2122801" y="4268894"/>
+            <a:off x="2075665" y="4249705"/>
             <a:ext cx="675996" cy="1004932"/>
           </a:xfrm>
           <a:prstGeom prst="rect">
@@ -14372,8 +14369,8 @@
         </p:nvCxnSpPr>
         <p:spPr>
           <a:xfrm flipH="1">
-            <a:off x="10452198" y="4338098"/>
-            <a:ext cx="652007" cy="0"/>
+            <a:off x="10388984" y="4338098"/>
+            <a:ext cx="755266" cy="0"/>
           </a:xfrm>
           <a:prstGeom prst="straightConnector1">
             <a:avLst/>
@@ -14504,8 +14501,8 @@
         </p:nvCxnSpPr>
         <p:spPr>
           <a:xfrm flipV="1">
-            <a:off x="11509685" y="5506599"/>
-            <a:ext cx="0" cy="389387"/>
+            <a:off x="11482355" y="5568968"/>
+            <a:ext cx="0" cy="836695"/>
           </a:xfrm>
           <a:prstGeom prst="straightConnector1">
             <a:avLst/>
@@ -14548,8 +14545,8 @@
         </p:nvCxnSpPr>
         <p:spPr>
           <a:xfrm flipV="1">
-            <a:off x="10023124" y="5501730"/>
-            <a:ext cx="0" cy="389387"/>
+            <a:off x="9991557" y="5568968"/>
+            <a:ext cx="0" cy="836695"/>
           </a:xfrm>
           <a:prstGeom prst="straightConnector1">
             <a:avLst/>
@@ -14592,8 +14589,8 @@
         </p:nvCxnSpPr>
         <p:spPr>
           <a:xfrm flipV="1">
-            <a:off x="3045856" y="5426664"/>
-            <a:ext cx="0" cy="461656"/>
+            <a:off x="2865763" y="6185189"/>
+            <a:ext cx="0" cy="238850"/>
           </a:xfrm>
           <a:prstGeom prst="straightConnector1">
             <a:avLst/>
@@ -14636,7 +14633,7 @@
         </p:nvCxnSpPr>
         <p:spPr>
           <a:xfrm>
-            <a:off x="4361141" y="5852307"/>
+            <a:off x="4181048" y="6388026"/>
             <a:ext cx="1151591" cy="0"/>
           </a:xfrm>
           <a:prstGeom prst="straightConnector1">
@@ -14686,7 +14683,7 @@
         </p:blipFill>
         <p:spPr>
           <a:xfrm>
-            <a:off x="3906863" y="5649470"/>
+            <a:off x="3726770" y="6185189"/>
             <a:ext cx="340435" cy="326349"/>
           </a:xfrm>
           <a:prstGeom prst="rect">
@@ -14716,7 +14713,7 @@
         </p:blipFill>
         <p:spPr>
           <a:xfrm>
-            <a:off x="3518221" y="5649470"/>
+            <a:off x="3338128" y="6185189"/>
             <a:ext cx="317335" cy="326349"/>
           </a:xfrm>
           <a:prstGeom prst="rect">
@@ -14740,7 +14737,7 @@
         </p:nvCxnSpPr>
         <p:spPr>
           <a:xfrm>
-            <a:off x="3014488" y="5863458"/>
+            <a:off x="2834395" y="6399177"/>
             <a:ext cx="390664" cy="0"/>
           </a:xfrm>
           <a:prstGeom prst="straightConnector1">
@@ -14794,6 +14791,319 @@
               <a:schemeClr val="tx1"/>
             </a:solidFill>
             <a:prstDash val="solid"/>
+          </a:ln>
+        </p:spPr>
+        <p:style>
+          <a:lnRef idx="2">
+            <a:schemeClr val="accent1">
+              <a:shade val="50000"/>
+            </a:schemeClr>
+          </a:lnRef>
+          <a:fillRef idx="1">
+            <a:schemeClr val="accent1"/>
+          </a:fillRef>
+          <a:effectRef idx="0">
+            <a:schemeClr val="accent1"/>
+          </a:effectRef>
+          <a:fontRef idx="minor">
+            <a:schemeClr val="lt1"/>
+          </a:fontRef>
+        </p:style>
+        <p:txBody>
+          <a:bodyPr rtlCol="0" anchor="ctr"/>
+          <a:lstStyle/>
+          <a:p>
+            <a:pPr algn="ctr"/>
+            <a:endParaRPr lang="pt-BR" dirty="0"/>
+          </a:p>
+        </p:txBody>
+      </p:sp>
+      <p:pic>
+        <p:nvPicPr>
+          <p:cNvPr id="10" name="Imagem 9" descr="Ícone&#10;&#10;Descrição gerada automaticamente">
+            <a:extLst>
+              <a:ext uri="{FF2B5EF4-FFF2-40B4-BE49-F238E27FC236}">
+                <a16:creationId xmlns:a16="http://schemas.microsoft.com/office/drawing/2014/main" id="{98AF867B-20A2-4072-9EB7-A20580105100}"/>
+              </a:ext>
+            </a:extLst>
+          </p:cNvPr>
+          <p:cNvPicPr>
+            <a:picLocks noChangeAspect="1"/>
+          </p:cNvPicPr>
+          <p:nvPr/>
+        </p:nvPicPr>
+        <p:blipFill>
+          <a:blip r:embed="rId24">
+            <a:extLst>
+              <a:ext uri="{28A0092B-C50C-407E-A947-70E740481C1C}">
+                <a14:useLocalDpi xmlns:a14="http://schemas.microsoft.com/office/drawing/2010/main" val="0"/>
+              </a:ext>
+            </a:extLst>
+          </a:blip>
+          <a:stretch>
+            <a:fillRect/>
+          </a:stretch>
+        </p:blipFill>
+        <p:spPr>
+          <a:xfrm>
+            <a:off x="6151214" y="2194683"/>
+            <a:ext cx="1372427" cy="514660"/>
+          </a:xfrm>
+          <a:prstGeom prst="rect">
+            <a:avLst/>
+          </a:prstGeom>
+        </p:spPr>
+      </p:pic>
+      <p:pic>
+        <p:nvPicPr>
+          <p:cNvPr id="14" name="Imagem 13">
+            <a:extLst>
+              <a:ext uri="{FF2B5EF4-FFF2-40B4-BE49-F238E27FC236}">
+                <a16:creationId xmlns:a16="http://schemas.microsoft.com/office/drawing/2014/main" id="{34D2E6EE-C392-4AD0-A5C3-D53C4ADD2599}"/>
+              </a:ext>
+            </a:extLst>
+          </p:cNvPr>
+          <p:cNvPicPr>
+            <a:picLocks noChangeAspect="1"/>
+          </p:cNvPicPr>
+          <p:nvPr/>
+        </p:nvPicPr>
+        <p:blipFill>
+          <a:blip r:embed="rId25">
+            <a:extLst>
+              <a:ext uri="{28A0092B-C50C-407E-A947-70E740481C1C}">
+                <a14:useLocalDpi xmlns:a14="http://schemas.microsoft.com/office/drawing/2010/main" val="0"/>
+              </a:ext>
+            </a:extLst>
+          </a:blip>
+          <a:stretch>
+            <a:fillRect/>
+          </a:stretch>
+        </p:blipFill>
+        <p:spPr>
+          <a:xfrm>
+            <a:off x="3890614" y="3848882"/>
+            <a:ext cx="1163145" cy="1163145"/>
+          </a:xfrm>
+          <a:prstGeom prst="rect">
+            <a:avLst/>
+          </a:prstGeom>
+        </p:spPr>
+      </p:pic>
+      <p:pic>
+        <p:nvPicPr>
+          <p:cNvPr id="80" name="Imagem 79" descr="Ícone&#10;&#10;Descrição gerada automaticamente">
+            <a:extLst>
+              <a:ext uri="{FF2B5EF4-FFF2-40B4-BE49-F238E27FC236}">
+                <a16:creationId xmlns:a16="http://schemas.microsoft.com/office/drawing/2014/main" id="{91C4E5E6-3353-401F-9E5C-A2873F6E08E2}"/>
+              </a:ext>
+            </a:extLst>
+          </p:cNvPr>
+          <p:cNvPicPr>
+            <a:picLocks noChangeAspect="1"/>
+          </p:cNvPicPr>
+          <p:nvPr/>
+        </p:nvPicPr>
+        <p:blipFill>
+          <a:blip r:embed="rId24">
+            <a:extLst>
+              <a:ext uri="{28A0092B-C50C-407E-A947-70E740481C1C}">
+                <a14:useLocalDpi xmlns:a14="http://schemas.microsoft.com/office/drawing/2010/main" val="0"/>
+              </a:ext>
+            </a:extLst>
+          </a:blip>
+          <a:stretch>
+            <a:fillRect/>
+          </a:stretch>
+        </p:blipFill>
+        <p:spPr>
+          <a:xfrm>
+            <a:off x="3913339" y="4175659"/>
+            <a:ext cx="1188902" cy="445838"/>
+          </a:xfrm>
+          <a:prstGeom prst="rect">
+            <a:avLst/>
+          </a:prstGeom>
+        </p:spPr>
+      </p:pic>
+      <p:pic>
+        <p:nvPicPr>
+          <p:cNvPr id="38" name="Imagem 37">
+            <a:extLst>
+              <a:ext uri="{FF2B5EF4-FFF2-40B4-BE49-F238E27FC236}">
+                <a16:creationId xmlns:a16="http://schemas.microsoft.com/office/drawing/2014/main" id="{5772E4D5-1405-4914-BDA4-FD2AFBF606EA}"/>
+              </a:ext>
+            </a:extLst>
+          </p:cNvPr>
+          <p:cNvPicPr>
+            <a:picLocks noChangeAspect="1"/>
+          </p:cNvPicPr>
+          <p:nvPr/>
+        </p:nvPicPr>
+        <p:blipFill>
+          <a:blip r:embed="rId26">
+            <a:extLst>
+              <a:ext uri="{28A0092B-C50C-407E-A947-70E740481C1C}">
+                <a14:useLocalDpi xmlns:a14="http://schemas.microsoft.com/office/drawing/2010/main" val="0"/>
+              </a:ext>
+            </a:extLst>
+          </a:blip>
+          <a:stretch>
+            <a:fillRect/>
+          </a:stretch>
+        </p:blipFill>
+        <p:spPr>
+          <a:xfrm>
+            <a:off x="3428237" y="4452713"/>
+            <a:ext cx="534717" cy="256664"/>
+          </a:xfrm>
+          <a:prstGeom prst="rect">
+            <a:avLst/>
+          </a:prstGeom>
+        </p:spPr>
+      </p:pic>
+      <p:cxnSp>
+        <p:nvCxnSpPr>
+          <p:cNvPr id="40" name="Conector reto 39">
+            <a:extLst>
+              <a:ext uri="{FF2B5EF4-FFF2-40B4-BE49-F238E27FC236}">
+                <a16:creationId xmlns:a16="http://schemas.microsoft.com/office/drawing/2014/main" id="{4B4865A6-9A3D-4FC5-AFCF-D8260A00A55B}"/>
+              </a:ext>
+            </a:extLst>
+          </p:cNvPr>
+          <p:cNvCxnSpPr>
+            <a:cxnSpLocks/>
+          </p:cNvCxnSpPr>
+          <p:nvPr/>
+        </p:nvCxnSpPr>
+        <p:spPr>
+          <a:xfrm>
+            <a:off x="3100237" y="3931113"/>
+            <a:ext cx="196" cy="664983"/>
+          </a:xfrm>
+          <a:prstGeom prst="line">
+            <a:avLst/>
+          </a:prstGeom>
+          <a:ln w="38100"/>
+        </p:spPr>
+        <p:style>
+          <a:lnRef idx="1">
+            <a:schemeClr val="dk1"/>
+          </a:lnRef>
+          <a:fillRef idx="0">
+            <a:schemeClr val="dk1"/>
+          </a:fillRef>
+          <a:effectRef idx="0">
+            <a:schemeClr val="dk1"/>
+          </a:effectRef>
+          <a:fontRef idx="minor">
+            <a:schemeClr val="tx1"/>
+          </a:fontRef>
+        </p:style>
+      </p:cxnSp>
+      <p:cxnSp>
+        <p:nvCxnSpPr>
+          <p:cNvPr id="84" name="Conector reto 83">
+            <a:extLst>
+              <a:ext uri="{FF2B5EF4-FFF2-40B4-BE49-F238E27FC236}">
+                <a16:creationId xmlns:a16="http://schemas.microsoft.com/office/drawing/2014/main" id="{4F104B22-7E88-46F2-AE0B-5C559268A04F}"/>
+              </a:ext>
+            </a:extLst>
+          </p:cNvPr>
+          <p:cNvCxnSpPr>
+            <a:cxnSpLocks/>
+          </p:cNvCxnSpPr>
+          <p:nvPr/>
+        </p:nvCxnSpPr>
+        <p:spPr>
+          <a:xfrm flipH="1">
+            <a:off x="3102015" y="4581045"/>
+            <a:ext cx="362124" cy="0"/>
+          </a:xfrm>
+          <a:prstGeom prst="line">
+            <a:avLst/>
+          </a:prstGeom>
+          <a:ln w="38100"/>
+        </p:spPr>
+        <p:style>
+          <a:lnRef idx="1">
+            <a:schemeClr val="dk1"/>
+          </a:lnRef>
+          <a:fillRef idx="0">
+            <a:schemeClr val="dk1"/>
+          </a:fillRef>
+          <a:effectRef idx="0">
+            <a:schemeClr val="dk1"/>
+          </a:effectRef>
+          <a:fontRef idx="minor">
+            <a:schemeClr val="tx1"/>
+          </a:fontRef>
+        </p:style>
+      </p:cxnSp>
+      <p:cxnSp>
+        <p:nvCxnSpPr>
+          <p:cNvPr id="107" name="Conector reto 106">
+            <a:extLst>
+              <a:ext uri="{FF2B5EF4-FFF2-40B4-BE49-F238E27FC236}">
+                <a16:creationId xmlns:a16="http://schemas.microsoft.com/office/drawing/2014/main" id="{95FBE718-CA1C-452B-B289-21E7D9E76998}"/>
+              </a:ext>
+            </a:extLst>
+          </p:cNvPr>
+          <p:cNvCxnSpPr>
+            <a:cxnSpLocks/>
+          </p:cNvCxnSpPr>
+          <p:nvPr/>
+        </p:nvCxnSpPr>
+        <p:spPr>
+          <a:xfrm flipH="1">
+            <a:off x="3542038" y="3622646"/>
+            <a:ext cx="429325" cy="0"/>
+          </a:xfrm>
+          <a:prstGeom prst="line">
+            <a:avLst/>
+          </a:prstGeom>
+          <a:ln w="38100"/>
+        </p:spPr>
+        <p:style>
+          <a:lnRef idx="1">
+            <a:schemeClr val="dk1"/>
+          </a:lnRef>
+          <a:fillRef idx="0">
+            <a:schemeClr val="dk1"/>
+          </a:fillRef>
+          <a:effectRef idx="0">
+            <a:schemeClr val="dk1"/>
+          </a:effectRef>
+          <a:fontRef idx="minor">
+            <a:schemeClr val="tx1"/>
+          </a:fontRef>
+        </p:style>
+      </p:cxnSp>
+      <p:sp>
+        <p:nvSpPr>
+          <p:cNvPr id="88" name="Fluxograma: Conector 87">
+            <a:extLst>
+              <a:ext uri="{FF2B5EF4-FFF2-40B4-BE49-F238E27FC236}">
+                <a16:creationId xmlns:a16="http://schemas.microsoft.com/office/drawing/2014/main" id="{D62C2533-0703-4DD6-B29E-88662FBE62B7}"/>
+              </a:ext>
+            </a:extLst>
+          </p:cNvPr>
+          <p:cNvSpPr/>
+          <p:nvPr/>
+        </p:nvSpPr>
+        <p:spPr>
+          <a:xfrm>
+            <a:off x="3975888" y="3567878"/>
+            <a:ext cx="103486" cy="103486"/>
+          </a:xfrm>
+          <a:prstGeom prst="flowChartConnector">
+            <a:avLst/>
+          </a:prstGeom>
+          <a:solidFill>
+            <a:schemeClr val="tx1"/>
+          </a:solidFill>
+          <a:ln>
+            <a:noFill/>
           </a:ln>
         </p:spPr>
         <p:style>
